--- a/presentation/Workshop_DWH_ods_cdm_rep.pptx
+++ b/presentation/Workshop_DWH_ods_cdm_rep.pptx
@@ -7,24 +7,30 @@
   <p:sldIdLst>
     <p:sldId id="256" r:id="rId2"/>
     <p:sldId id="259" r:id="rId3"/>
-    <p:sldId id="279" r:id="rId4"/>
-    <p:sldId id="287" r:id="rId5"/>
-    <p:sldId id="280" r:id="rId6"/>
-    <p:sldId id="282" r:id="rId7"/>
-    <p:sldId id="283" r:id="rId8"/>
-    <p:sldId id="284" r:id="rId9"/>
-    <p:sldId id="285" r:id="rId10"/>
-    <p:sldId id="286" r:id="rId11"/>
-    <p:sldId id="281" r:id="rId12"/>
-    <p:sldId id="289" r:id="rId13"/>
-    <p:sldId id="301" r:id="rId14"/>
-    <p:sldId id="288" r:id="rId15"/>
-    <p:sldId id="294" r:id="rId16"/>
-    <p:sldId id="291" r:id="rId17"/>
-    <p:sldId id="292" r:id="rId18"/>
-    <p:sldId id="293" r:id="rId19"/>
-    <p:sldId id="278" r:id="rId20"/>
-    <p:sldId id="272" r:id="rId21"/>
+    <p:sldId id="303" r:id="rId4"/>
+    <p:sldId id="279" r:id="rId5"/>
+    <p:sldId id="287" r:id="rId6"/>
+    <p:sldId id="304" r:id="rId7"/>
+    <p:sldId id="280" r:id="rId8"/>
+    <p:sldId id="282" r:id="rId9"/>
+    <p:sldId id="284" r:id="rId10"/>
+    <p:sldId id="283" r:id="rId11"/>
+    <p:sldId id="285" r:id="rId12"/>
+    <p:sldId id="286" r:id="rId13"/>
+    <p:sldId id="305" r:id="rId14"/>
+    <p:sldId id="302" r:id="rId15"/>
+    <p:sldId id="307" r:id="rId16"/>
+    <p:sldId id="306" r:id="rId17"/>
+    <p:sldId id="281" r:id="rId18"/>
+    <p:sldId id="289" r:id="rId19"/>
+    <p:sldId id="301" r:id="rId20"/>
+    <p:sldId id="288" r:id="rId21"/>
+    <p:sldId id="294" r:id="rId22"/>
+    <p:sldId id="291" r:id="rId23"/>
+    <p:sldId id="292" r:id="rId24"/>
+    <p:sldId id="293" r:id="rId25"/>
+    <p:sldId id="278" r:id="rId26"/>
+    <p:sldId id="272" r:id="rId27"/>
   </p:sldIdLst>
   <p:sldSz cx="12192000" cy="6858000"/>
   <p:notesSz cx="6858000" cy="9144000"/>
@@ -546,7 +552,7 @@
           <a:p>
             <a:fld id="{7CD77A28-62FA-4A1C-955D-4EB5AA405F1C}" type="datetimeFigureOut">
               <a:rPr lang="ru-RU" smtClean="0"/>
-              <a:t>02.10.2022</a:t>
+              <a:t>06.06.2023</a:t>
             </a:fld>
             <a:endParaRPr lang="ru-RU" dirty="0"/>
           </a:p>
@@ -725,7 +731,7 @@
           <a:p>
             <a:fld id="{7CD77A28-62FA-4A1C-955D-4EB5AA405F1C}" type="datetimeFigureOut">
               <a:rPr lang="ru-RU" smtClean="0"/>
-              <a:t>02.10.2022</a:t>
+              <a:t>06.06.2023</a:t>
             </a:fld>
             <a:endParaRPr lang="ru-RU" dirty="0"/>
           </a:p>
@@ -905,7 +911,7 @@
           <a:p>
             <a:fld id="{7CD77A28-62FA-4A1C-955D-4EB5AA405F1C}" type="datetimeFigureOut">
               <a:rPr lang="ru-RU" smtClean="0"/>
-              <a:t>02.10.2022</a:t>
+              <a:t>06.06.2023</a:t>
             </a:fld>
             <a:endParaRPr lang="ru-RU" dirty="0"/>
           </a:p>
@@ -1075,7 +1081,7 @@
           <a:p>
             <a:fld id="{7CD77A28-62FA-4A1C-955D-4EB5AA405F1C}" type="datetimeFigureOut">
               <a:rPr lang="ru-RU" smtClean="0"/>
-              <a:t>02.10.2022</a:t>
+              <a:t>06.06.2023</a:t>
             </a:fld>
             <a:endParaRPr lang="ru-RU" dirty="0"/>
           </a:p>
@@ -1388,7 +1394,7 @@
           <a:p>
             <a:fld id="{7CD77A28-62FA-4A1C-955D-4EB5AA405F1C}" type="datetimeFigureOut">
               <a:rPr lang="ru-RU" smtClean="0"/>
-              <a:t>02.10.2022</a:t>
+              <a:t>06.06.2023</a:t>
             </a:fld>
             <a:endParaRPr lang="ru-RU" dirty="0"/>
           </a:p>
@@ -1774,7 +1780,7 @@
           <a:p>
             <a:fld id="{7CD77A28-62FA-4A1C-955D-4EB5AA405F1C}" type="datetimeFigureOut">
               <a:rPr lang="ru-RU" smtClean="0"/>
-              <a:t>02.10.2022</a:t>
+              <a:t>06.06.2023</a:t>
             </a:fld>
             <a:endParaRPr lang="ru-RU" dirty="0"/>
           </a:p>
@@ -2208,7 +2214,7 @@
           <a:p>
             <a:fld id="{7CD77A28-62FA-4A1C-955D-4EB5AA405F1C}" type="datetimeFigureOut">
               <a:rPr lang="ru-RU" smtClean="0"/>
-              <a:t>02.10.2022</a:t>
+              <a:t>06.06.2023</a:t>
             </a:fld>
             <a:endParaRPr lang="ru-RU" dirty="0"/>
           </a:p>
@@ -2326,7 +2332,7 @@
           <a:p>
             <a:fld id="{7CD77A28-62FA-4A1C-955D-4EB5AA405F1C}" type="datetimeFigureOut">
               <a:rPr lang="ru-RU" smtClean="0"/>
-              <a:t>02.10.2022</a:t>
+              <a:t>06.06.2023</a:t>
             </a:fld>
             <a:endParaRPr lang="ru-RU" dirty="0"/>
           </a:p>
@@ -2421,7 +2427,7 @@
           <a:p>
             <a:fld id="{7CD77A28-62FA-4A1C-955D-4EB5AA405F1C}" type="datetimeFigureOut">
               <a:rPr lang="ru-RU" smtClean="0"/>
-              <a:t>02.10.2022</a:t>
+              <a:t>06.06.2023</a:t>
             </a:fld>
             <a:endParaRPr lang="ru-RU" dirty="0"/>
           </a:p>
@@ -2771,7 +2777,7 @@
           <a:p>
             <a:fld id="{7CD77A28-62FA-4A1C-955D-4EB5AA405F1C}" type="datetimeFigureOut">
               <a:rPr lang="ru-RU" smtClean="0"/>
-              <a:t>02.10.2022</a:t>
+              <a:t>06.06.2023</a:t>
             </a:fld>
             <a:endParaRPr lang="ru-RU" dirty="0"/>
           </a:p>
@@ -3195,7 +3201,7 @@
           <a:p>
             <a:fld id="{7CD77A28-62FA-4A1C-955D-4EB5AA405F1C}" type="datetimeFigureOut">
               <a:rPr lang="ru-RU" smtClean="0"/>
-              <a:t>02.10.2022</a:t>
+              <a:t>06.06.2023</a:t>
             </a:fld>
             <a:endParaRPr lang="ru-RU" dirty="0"/>
           </a:p>
@@ -3476,7 +3482,7 @@
           <a:p>
             <a:fld id="{7CD77A28-62FA-4A1C-955D-4EB5AA405F1C}" type="datetimeFigureOut">
               <a:rPr lang="ru-RU" smtClean="0"/>
-              <a:t>02.10.2022</a:t>
+              <a:t>06.06.2023</a:t>
             </a:fld>
             <a:endParaRPr lang="ru-RU" dirty="0"/>
           </a:p>
@@ -4163,6 +4169,1537 @@
         </p:nvGrpSpPr>
         <p:grpSpPr>
           <a:xfrm>
+            <a:off x="4155528" y="2904874"/>
+            <a:ext cx="112222" cy="524126"/>
+            <a:chOff x="1366060" y="2781513"/>
+            <a:chExt cx="112222" cy="524126"/>
+          </a:xfrm>
+        </p:grpSpPr>
+        <p:sp>
+          <p:nvSpPr>
+            <p:cNvPr id="5" name="Oval 4">
+              <a:extLst>
+                <a:ext uri="{FF2B5EF4-FFF2-40B4-BE49-F238E27FC236}">
+                  <a16:creationId xmlns:a16="http://schemas.microsoft.com/office/drawing/2014/main" id="{AEECE48C-F926-441E-BDFF-EF88E151468D}"/>
+                </a:ext>
+              </a:extLst>
+            </p:cNvPr>
+            <p:cNvSpPr/>
+            <p:nvPr/>
+          </p:nvSpPr>
+          <p:spPr>
+            <a:xfrm>
+              <a:off x="1366060" y="2781513"/>
+              <a:ext cx="112222" cy="112222"/>
+            </a:xfrm>
+            <a:prstGeom prst="ellipse">
+              <a:avLst/>
+            </a:prstGeom>
+          </p:spPr>
+          <p:style>
+            <a:lnRef idx="2">
+              <a:schemeClr val="accent1">
+                <a:shade val="50000"/>
+              </a:schemeClr>
+            </a:lnRef>
+            <a:fillRef idx="1">
+              <a:schemeClr val="accent1"/>
+            </a:fillRef>
+            <a:effectRef idx="0">
+              <a:schemeClr val="accent1"/>
+            </a:effectRef>
+            <a:fontRef idx="minor">
+              <a:schemeClr val="lt1"/>
+            </a:fontRef>
+          </p:style>
+          <p:txBody>
+            <a:bodyPr rtlCol="0" anchor="ctr"/>
+            <a:lstStyle/>
+            <a:p>
+              <a:pPr algn="ctr"/>
+              <a:endParaRPr lang="ru-RU"/>
+            </a:p>
+          </p:txBody>
+        </p:sp>
+        <p:sp>
+          <p:nvSpPr>
+            <p:cNvPr id="28" name="Oval 27">
+              <a:extLst>
+                <a:ext uri="{FF2B5EF4-FFF2-40B4-BE49-F238E27FC236}">
+                  <a16:creationId xmlns:a16="http://schemas.microsoft.com/office/drawing/2014/main" id="{77A83600-803E-4616-8245-E09283E96CD7}"/>
+                </a:ext>
+              </a:extLst>
+            </p:cNvPr>
+            <p:cNvSpPr/>
+            <p:nvPr/>
+          </p:nvSpPr>
+          <p:spPr>
+            <a:xfrm>
+              <a:off x="1366060" y="2987465"/>
+              <a:ext cx="112222" cy="112222"/>
+            </a:xfrm>
+            <a:prstGeom prst="ellipse">
+              <a:avLst/>
+            </a:prstGeom>
+          </p:spPr>
+          <p:style>
+            <a:lnRef idx="2">
+              <a:schemeClr val="accent1">
+                <a:shade val="50000"/>
+              </a:schemeClr>
+            </a:lnRef>
+            <a:fillRef idx="1">
+              <a:schemeClr val="accent1"/>
+            </a:fillRef>
+            <a:effectRef idx="0">
+              <a:schemeClr val="accent1"/>
+            </a:effectRef>
+            <a:fontRef idx="minor">
+              <a:schemeClr val="lt1"/>
+            </a:fontRef>
+          </p:style>
+          <p:txBody>
+            <a:bodyPr rtlCol="0" anchor="ctr"/>
+            <a:lstStyle/>
+            <a:p>
+              <a:pPr algn="ctr"/>
+              <a:endParaRPr lang="ru-RU"/>
+            </a:p>
+          </p:txBody>
+        </p:sp>
+        <p:sp>
+          <p:nvSpPr>
+            <p:cNvPr id="29" name="Oval 28">
+              <a:extLst>
+                <a:ext uri="{FF2B5EF4-FFF2-40B4-BE49-F238E27FC236}">
+                  <a16:creationId xmlns:a16="http://schemas.microsoft.com/office/drawing/2014/main" id="{57361C72-AAC2-4470-ABC0-F42408C3A631}"/>
+                </a:ext>
+              </a:extLst>
+            </p:cNvPr>
+            <p:cNvSpPr/>
+            <p:nvPr/>
+          </p:nvSpPr>
+          <p:spPr>
+            <a:xfrm>
+              <a:off x="1366060" y="3193417"/>
+              <a:ext cx="112222" cy="112222"/>
+            </a:xfrm>
+            <a:prstGeom prst="ellipse">
+              <a:avLst/>
+            </a:prstGeom>
+          </p:spPr>
+          <p:style>
+            <a:lnRef idx="2">
+              <a:schemeClr val="accent1">
+                <a:shade val="50000"/>
+              </a:schemeClr>
+            </a:lnRef>
+            <a:fillRef idx="1">
+              <a:schemeClr val="accent1"/>
+            </a:fillRef>
+            <a:effectRef idx="0">
+              <a:schemeClr val="accent1"/>
+            </a:effectRef>
+            <a:fontRef idx="minor">
+              <a:schemeClr val="lt1"/>
+            </a:fontRef>
+          </p:style>
+          <p:txBody>
+            <a:bodyPr rtlCol="0" anchor="ctr"/>
+            <a:lstStyle/>
+            <a:p>
+              <a:pPr algn="ctr"/>
+              <a:endParaRPr lang="ru-RU"/>
+            </a:p>
+          </p:txBody>
+        </p:sp>
+      </p:grpSp>
+      <p:sp>
+        <p:nvSpPr>
+          <p:cNvPr id="30" name="Rectangle: Rounded Corners 29">
+            <a:extLst>
+              <a:ext uri="{FF2B5EF4-FFF2-40B4-BE49-F238E27FC236}">
+                <a16:creationId xmlns:a16="http://schemas.microsoft.com/office/drawing/2014/main" id="{E65AAE23-8EDB-4B2A-8B36-9F18465B5BD1}"/>
+              </a:ext>
+            </a:extLst>
+          </p:cNvPr>
+          <p:cNvSpPr/>
+          <p:nvPr/>
+        </p:nvSpPr>
+        <p:spPr>
+          <a:xfrm>
+            <a:off x="2933590" y="3429000"/>
+            <a:ext cx="5984303" cy="3187700"/>
+          </a:xfrm>
+          <a:prstGeom prst="roundRect">
+            <a:avLst/>
+          </a:prstGeom>
+        </p:spPr>
+        <p:style>
+          <a:lnRef idx="2">
+            <a:schemeClr val="accent1"/>
+          </a:lnRef>
+          <a:fillRef idx="1">
+            <a:schemeClr val="lt1"/>
+          </a:fillRef>
+          <a:effectRef idx="0">
+            <a:schemeClr val="accent1"/>
+          </a:effectRef>
+          <a:fontRef idx="minor">
+            <a:schemeClr val="dk1"/>
+          </a:fontRef>
+        </p:style>
+        <p:txBody>
+          <a:bodyPr rtlCol="0" anchor="ctr"/>
+          <a:lstStyle/>
+          <a:p>
+            <a:r>
+              <a:rPr lang="ru-RU" b="1" dirty="0"/>
+              <a:t>Основная цель: Оперативные данные</a:t>
+            </a:r>
+          </a:p>
+          <a:p>
+            <a:pPr marL="342900" indent="-342900">
+              <a:buFont typeface="+mj-lt"/>
+              <a:buAutoNum type="arabicPeriod"/>
+            </a:pPr>
+            <a:r>
+              <a:rPr lang="ru-RU" dirty="0"/>
+              <a:t>Сохранение всей истории данных источника (при необходимости)</a:t>
+            </a:r>
+          </a:p>
+          <a:p>
+            <a:pPr marL="342900" indent="-342900">
+              <a:buFont typeface="+mj-lt"/>
+              <a:buAutoNum type="arabicPeriod"/>
+            </a:pPr>
+            <a:r>
+              <a:rPr lang="ru-RU" dirty="0"/>
+              <a:t>Используется, когда не требуется преобразование над данными источника, но требуется сохранить историю изменений</a:t>
+            </a:r>
+          </a:p>
+          <a:p>
+            <a:pPr marL="342900" indent="-342900">
+              <a:buFont typeface="+mj-lt"/>
+              <a:buAutoNum type="arabicPeriod"/>
+            </a:pPr>
+            <a:r>
+              <a:rPr lang="ru-RU" dirty="0"/>
+              <a:t>Интеграция данных различных источников</a:t>
+            </a:r>
+          </a:p>
+          <a:p>
+            <a:pPr marL="342900" indent="-342900">
+              <a:buFont typeface="+mj-lt"/>
+              <a:buAutoNum type="arabicPeriod"/>
+            </a:pPr>
+            <a:endParaRPr lang="ru-RU" dirty="0"/>
+          </a:p>
+          <a:p>
+            <a:r>
+              <a:rPr lang="ru-RU" b="1" dirty="0"/>
+              <a:t>Модель данных:</a:t>
+            </a:r>
+          </a:p>
+          <a:p>
+            <a:pPr marL="285750" indent="-285750">
+              <a:buFont typeface="Arial" panose="020B0604020202020204" pitchFamily="34" charset="0"/>
+              <a:buChar char="•"/>
+            </a:pPr>
+            <a:r>
+              <a:rPr lang="ru-RU" dirty="0"/>
+              <a:t>Как на источнике или 3НФ</a:t>
+            </a:r>
+          </a:p>
+        </p:txBody>
+      </p:sp>
+      <p:sp>
+        <p:nvSpPr>
+          <p:cNvPr id="34" name="Rectangle: Rounded Corners 33">
+            <a:extLst>
+              <a:ext uri="{FF2B5EF4-FFF2-40B4-BE49-F238E27FC236}">
+                <a16:creationId xmlns:a16="http://schemas.microsoft.com/office/drawing/2014/main" id="{FC9D8DE1-B5CE-49F4-A3B7-2A8AB1652A68}"/>
+              </a:ext>
+            </a:extLst>
+          </p:cNvPr>
+          <p:cNvSpPr/>
+          <p:nvPr/>
+        </p:nvSpPr>
+        <p:spPr>
+          <a:xfrm>
+            <a:off x="535385" y="1233407"/>
+            <a:ext cx="1799671" cy="1015551"/>
+          </a:xfrm>
+          <a:prstGeom prst="roundRect">
+            <a:avLst/>
+          </a:prstGeom>
+        </p:spPr>
+        <p:style>
+          <a:lnRef idx="2">
+            <a:schemeClr val="accent1">
+              <a:shade val="50000"/>
+            </a:schemeClr>
+          </a:lnRef>
+          <a:fillRef idx="1">
+            <a:schemeClr val="accent1"/>
+          </a:fillRef>
+          <a:effectRef idx="0">
+            <a:schemeClr val="accent1"/>
+          </a:effectRef>
+          <a:fontRef idx="minor">
+            <a:schemeClr val="lt1"/>
+          </a:fontRef>
+        </p:style>
+        <p:txBody>
+          <a:bodyPr rtlCol="0" anchor="ctr"/>
+          <a:lstStyle/>
+          <a:p>
+            <a:pPr algn="ctr"/>
+            <a:r>
+              <a:rPr lang="en-US" dirty="0"/>
+              <a:t>STG</a:t>
+            </a:r>
+            <a:endParaRPr lang="ru-RU" dirty="0"/>
+          </a:p>
+        </p:txBody>
+      </p:sp>
+      <p:sp>
+        <p:nvSpPr>
+          <p:cNvPr id="35" name="Rectangle: Rounded Corners 34">
+            <a:extLst>
+              <a:ext uri="{FF2B5EF4-FFF2-40B4-BE49-F238E27FC236}">
+                <a16:creationId xmlns:a16="http://schemas.microsoft.com/office/drawing/2014/main" id="{544DB132-3389-4FC3-BA3E-C66D8AD1E4DD}"/>
+              </a:ext>
+            </a:extLst>
+          </p:cNvPr>
+          <p:cNvSpPr/>
+          <p:nvPr/>
+        </p:nvSpPr>
+        <p:spPr>
+          <a:xfrm>
+            <a:off x="3255693" y="589352"/>
+            <a:ext cx="1799671" cy="1015551"/>
+          </a:xfrm>
+          <a:prstGeom prst="roundRect">
+            <a:avLst/>
+          </a:prstGeom>
+        </p:spPr>
+        <p:style>
+          <a:lnRef idx="2">
+            <a:schemeClr val="accent1">
+              <a:shade val="50000"/>
+            </a:schemeClr>
+          </a:lnRef>
+          <a:fillRef idx="1">
+            <a:schemeClr val="accent1"/>
+          </a:fillRef>
+          <a:effectRef idx="0">
+            <a:schemeClr val="accent1"/>
+          </a:effectRef>
+          <a:fontRef idx="minor">
+            <a:schemeClr val="lt1"/>
+          </a:fontRef>
+        </p:style>
+        <p:txBody>
+          <a:bodyPr rtlCol="0" anchor="ctr"/>
+          <a:lstStyle/>
+          <a:p>
+            <a:pPr algn="ctr"/>
+            <a:r>
+              <a:rPr lang="en-US" dirty="0"/>
+              <a:t>DDS</a:t>
+            </a:r>
+            <a:endParaRPr lang="ru-RU" dirty="0"/>
+          </a:p>
+        </p:txBody>
+      </p:sp>
+      <p:sp>
+        <p:nvSpPr>
+          <p:cNvPr id="36" name="Rectangle: Rounded Corners 35">
+            <a:extLst>
+              <a:ext uri="{FF2B5EF4-FFF2-40B4-BE49-F238E27FC236}">
+                <a16:creationId xmlns:a16="http://schemas.microsoft.com/office/drawing/2014/main" id="{2231ED9E-E2C4-4E8E-B67B-609505409DAF}"/>
+              </a:ext>
+            </a:extLst>
+          </p:cNvPr>
+          <p:cNvSpPr/>
+          <p:nvPr/>
+        </p:nvSpPr>
+        <p:spPr>
+          <a:xfrm>
+            <a:off x="5973920" y="1227511"/>
+            <a:ext cx="1799671" cy="1015551"/>
+          </a:xfrm>
+          <a:prstGeom prst="roundRect">
+            <a:avLst/>
+          </a:prstGeom>
+        </p:spPr>
+        <p:style>
+          <a:lnRef idx="2">
+            <a:schemeClr val="accent1">
+              <a:shade val="50000"/>
+            </a:schemeClr>
+          </a:lnRef>
+          <a:fillRef idx="1">
+            <a:schemeClr val="accent1"/>
+          </a:fillRef>
+          <a:effectRef idx="0">
+            <a:schemeClr val="accent1"/>
+          </a:effectRef>
+          <a:fontRef idx="minor">
+            <a:schemeClr val="lt1"/>
+          </a:fontRef>
+        </p:style>
+        <p:txBody>
+          <a:bodyPr rtlCol="0" anchor="ctr"/>
+          <a:lstStyle/>
+          <a:p>
+            <a:pPr algn="ctr"/>
+            <a:r>
+              <a:rPr lang="en-US" dirty="0"/>
+              <a:t>CDM</a:t>
+            </a:r>
+            <a:endParaRPr lang="ru-RU" dirty="0"/>
+          </a:p>
+        </p:txBody>
+      </p:sp>
+      <p:sp>
+        <p:nvSpPr>
+          <p:cNvPr id="37" name="Rectangle: Rounded Corners 36">
+            <a:extLst>
+              <a:ext uri="{FF2B5EF4-FFF2-40B4-BE49-F238E27FC236}">
+                <a16:creationId xmlns:a16="http://schemas.microsoft.com/office/drawing/2014/main" id="{BA2D7C11-A4FA-451D-9EFC-7811C96595C2}"/>
+              </a:ext>
+            </a:extLst>
+          </p:cNvPr>
+          <p:cNvSpPr/>
+          <p:nvPr/>
+        </p:nvSpPr>
+        <p:spPr>
+          <a:xfrm>
+            <a:off x="8732723" y="1262036"/>
+            <a:ext cx="1799671" cy="1015551"/>
+          </a:xfrm>
+          <a:prstGeom prst="roundRect">
+            <a:avLst/>
+          </a:prstGeom>
+        </p:spPr>
+        <p:style>
+          <a:lnRef idx="2">
+            <a:schemeClr val="accent1">
+              <a:shade val="50000"/>
+            </a:schemeClr>
+          </a:lnRef>
+          <a:fillRef idx="1">
+            <a:schemeClr val="accent1"/>
+          </a:fillRef>
+          <a:effectRef idx="0">
+            <a:schemeClr val="accent1"/>
+          </a:effectRef>
+          <a:fontRef idx="minor">
+            <a:schemeClr val="lt1"/>
+          </a:fontRef>
+        </p:style>
+        <p:txBody>
+          <a:bodyPr rtlCol="0" anchor="ctr"/>
+          <a:lstStyle/>
+          <a:p>
+            <a:pPr algn="ctr"/>
+            <a:r>
+              <a:rPr lang="en-US" dirty="0"/>
+              <a:t>REP</a:t>
+            </a:r>
+            <a:endParaRPr lang="ru-RU" dirty="0"/>
+          </a:p>
+        </p:txBody>
+      </p:sp>
+      <p:sp>
+        <p:nvSpPr>
+          <p:cNvPr id="38" name="Arrow: Right 37">
+            <a:extLst>
+              <a:ext uri="{FF2B5EF4-FFF2-40B4-BE49-F238E27FC236}">
+                <a16:creationId xmlns:a16="http://schemas.microsoft.com/office/drawing/2014/main" id="{A5219158-253C-4CA1-867B-A4EB125A482F}"/>
+              </a:ext>
+            </a:extLst>
+          </p:cNvPr>
+          <p:cNvSpPr/>
+          <p:nvPr/>
+        </p:nvSpPr>
+        <p:spPr>
+          <a:xfrm rot="1708708">
+            <a:off x="2558927" y="1875676"/>
+            <a:ext cx="526100" cy="323423"/>
+          </a:xfrm>
+          <a:prstGeom prst="rightArrow">
+            <a:avLst/>
+          </a:prstGeom>
+        </p:spPr>
+        <p:style>
+          <a:lnRef idx="2">
+            <a:schemeClr val="accent1">
+              <a:shade val="50000"/>
+            </a:schemeClr>
+          </a:lnRef>
+          <a:fillRef idx="1">
+            <a:schemeClr val="accent1"/>
+          </a:fillRef>
+          <a:effectRef idx="0">
+            <a:schemeClr val="accent1"/>
+          </a:effectRef>
+          <a:fontRef idx="minor">
+            <a:schemeClr val="lt1"/>
+          </a:fontRef>
+        </p:style>
+        <p:txBody>
+          <a:bodyPr rtlCol="0" anchor="ctr"/>
+          <a:lstStyle/>
+          <a:p>
+            <a:pPr algn="ctr"/>
+            <a:endParaRPr lang="ru-RU"/>
+          </a:p>
+        </p:txBody>
+      </p:sp>
+      <p:sp>
+        <p:nvSpPr>
+          <p:cNvPr id="39" name="Arrow: Right 38">
+            <a:extLst>
+              <a:ext uri="{FF2B5EF4-FFF2-40B4-BE49-F238E27FC236}">
+                <a16:creationId xmlns:a16="http://schemas.microsoft.com/office/drawing/2014/main" id="{4A10C421-DE0D-44C2-B82A-5439EBDD2510}"/>
+              </a:ext>
+            </a:extLst>
+          </p:cNvPr>
+          <p:cNvSpPr/>
+          <p:nvPr/>
+        </p:nvSpPr>
+        <p:spPr>
+          <a:xfrm>
+            <a:off x="5185489" y="1552252"/>
+            <a:ext cx="526100" cy="323423"/>
+          </a:xfrm>
+          <a:prstGeom prst="rightArrow">
+            <a:avLst/>
+          </a:prstGeom>
+        </p:spPr>
+        <p:style>
+          <a:lnRef idx="2">
+            <a:schemeClr val="accent1">
+              <a:shade val="50000"/>
+            </a:schemeClr>
+          </a:lnRef>
+          <a:fillRef idx="1">
+            <a:schemeClr val="accent1"/>
+          </a:fillRef>
+          <a:effectRef idx="0">
+            <a:schemeClr val="accent1"/>
+          </a:effectRef>
+          <a:fontRef idx="minor">
+            <a:schemeClr val="lt1"/>
+          </a:fontRef>
+        </p:style>
+        <p:txBody>
+          <a:bodyPr rtlCol="0" anchor="ctr"/>
+          <a:lstStyle/>
+          <a:p>
+            <a:pPr algn="ctr"/>
+            <a:endParaRPr lang="ru-RU"/>
+          </a:p>
+        </p:txBody>
+      </p:sp>
+      <p:sp>
+        <p:nvSpPr>
+          <p:cNvPr id="40" name="Arrow: Right 39">
+            <a:extLst>
+              <a:ext uri="{FF2B5EF4-FFF2-40B4-BE49-F238E27FC236}">
+                <a16:creationId xmlns:a16="http://schemas.microsoft.com/office/drawing/2014/main" id="{6C51BFB4-E5D0-427B-BA94-A64BDBC2E2FB}"/>
+              </a:ext>
+            </a:extLst>
+          </p:cNvPr>
+          <p:cNvSpPr/>
+          <p:nvPr/>
+        </p:nvSpPr>
+        <p:spPr>
+          <a:xfrm>
+            <a:off x="8035922" y="1608101"/>
+            <a:ext cx="526100" cy="323423"/>
+          </a:xfrm>
+          <a:prstGeom prst="rightArrow">
+            <a:avLst/>
+          </a:prstGeom>
+        </p:spPr>
+        <p:style>
+          <a:lnRef idx="2">
+            <a:schemeClr val="accent1">
+              <a:shade val="50000"/>
+            </a:schemeClr>
+          </a:lnRef>
+          <a:fillRef idx="1">
+            <a:schemeClr val="accent1"/>
+          </a:fillRef>
+          <a:effectRef idx="0">
+            <a:schemeClr val="accent1"/>
+          </a:effectRef>
+          <a:fontRef idx="minor">
+            <a:schemeClr val="lt1"/>
+          </a:fontRef>
+        </p:style>
+        <p:txBody>
+          <a:bodyPr rtlCol="0" anchor="ctr"/>
+          <a:lstStyle/>
+          <a:p>
+            <a:pPr algn="ctr"/>
+            <a:endParaRPr lang="ru-RU"/>
+          </a:p>
+        </p:txBody>
+      </p:sp>
+      <p:sp>
+        <p:nvSpPr>
+          <p:cNvPr id="41" name="Rectangle: Rounded Corners 40">
+            <a:extLst>
+              <a:ext uri="{FF2B5EF4-FFF2-40B4-BE49-F238E27FC236}">
+                <a16:creationId xmlns:a16="http://schemas.microsoft.com/office/drawing/2014/main" id="{15C4F97F-1251-4B60-B429-FDB7D4453A17}"/>
+              </a:ext>
+            </a:extLst>
+          </p:cNvPr>
+          <p:cNvSpPr/>
+          <p:nvPr/>
+        </p:nvSpPr>
+        <p:spPr>
+          <a:xfrm>
+            <a:off x="3270692" y="1837090"/>
+            <a:ext cx="1799671" cy="1015551"/>
+          </a:xfrm>
+          <a:prstGeom prst="roundRect">
+            <a:avLst/>
+          </a:prstGeom>
+        </p:spPr>
+        <p:style>
+          <a:lnRef idx="0">
+            <a:schemeClr val="accent1"/>
+          </a:lnRef>
+          <a:fillRef idx="3">
+            <a:schemeClr val="accent1"/>
+          </a:fillRef>
+          <a:effectRef idx="3">
+            <a:schemeClr val="accent1"/>
+          </a:effectRef>
+          <a:fontRef idx="minor">
+            <a:schemeClr val="lt1"/>
+          </a:fontRef>
+        </p:style>
+        <p:txBody>
+          <a:bodyPr rtlCol="0" anchor="ctr"/>
+          <a:lstStyle/>
+          <a:p>
+            <a:pPr algn="ctr"/>
+            <a:r>
+              <a:rPr lang="en-US" dirty="0"/>
+              <a:t>ODS</a:t>
+            </a:r>
+            <a:endParaRPr lang="ru-RU" dirty="0"/>
+          </a:p>
+        </p:txBody>
+      </p:sp>
+      <p:sp>
+        <p:nvSpPr>
+          <p:cNvPr id="42" name="Arrow: Right 41">
+            <a:extLst>
+              <a:ext uri="{FF2B5EF4-FFF2-40B4-BE49-F238E27FC236}">
+                <a16:creationId xmlns:a16="http://schemas.microsoft.com/office/drawing/2014/main" id="{B5096469-61F5-4D36-94FA-B6EFF2E1FE30}"/>
+              </a:ext>
+            </a:extLst>
+          </p:cNvPr>
+          <p:cNvSpPr/>
+          <p:nvPr/>
+        </p:nvSpPr>
+        <p:spPr>
+          <a:xfrm rot="20552600">
+            <a:off x="2515364" y="1258750"/>
+            <a:ext cx="526100" cy="323423"/>
+          </a:xfrm>
+          <a:prstGeom prst="rightArrow">
+            <a:avLst/>
+          </a:prstGeom>
+        </p:spPr>
+        <p:style>
+          <a:lnRef idx="2">
+            <a:schemeClr val="accent1">
+              <a:shade val="50000"/>
+            </a:schemeClr>
+          </a:lnRef>
+          <a:fillRef idx="1">
+            <a:schemeClr val="accent1"/>
+          </a:fillRef>
+          <a:effectRef idx="0">
+            <a:schemeClr val="accent1"/>
+          </a:effectRef>
+          <a:fontRef idx="minor">
+            <a:schemeClr val="lt1"/>
+          </a:fontRef>
+        </p:style>
+        <p:txBody>
+          <a:bodyPr rtlCol="0" anchor="ctr"/>
+          <a:lstStyle/>
+          <a:p>
+            <a:pPr algn="ctr"/>
+            <a:endParaRPr lang="ru-RU"/>
+          </a:p>
+        </p:txBody>
+      </p:sp>
+      <p:sp>
+        <p:nvSpPr>
+          <p:cNvPr id="16" name="Title 1">
+            <a:extLst>
+              <a:ext uri="{FF2B5EF4-FFF2-40B4-BE49-F238E27FC236}">
+                <a16:creationId xmlns:a16="http://schemas.microsoft.com/office/drawing/2014/main" id="{BF31D3F0-90B4-44D5-92FB-68AFDCBF11A8}"/>
+              </a:ext>
+            </a:extLst>
+          </p:cNvPr>
+          <p:cNvSpPr>
+            <a:spLocks noGrp="1"/>
+          </p:cNvSpPr>
+          <p:nvPr>
+            <p:ph type="title"/>
+          </p:nvPr>
+        </p:nvSpPr>
+        <p:spPr>
+          <a:xfrm>
+            <a:off x="90091" y="79230"/>
+            <a:ext cx="3165602" cy="1030175"/>
+          </a:xfrm>
+        </p:spPr>
+        <p:txBody>
+          <a:bodyPr>
+            <a:normAutofit/>
+          </a:bodyPr>
+          <a:lstStyle/>
+          <a:p>
+            <a:pPr algn="ctr"/>
+            <a:r>
+              <a:rPr lang="ru-RU" sz="3600" dirty="0">
+                <a:ea typeface="DejaVu Sans" pitchFamily="2"/>
+                <a:cs typeface="DejaVu Sans" pitchFamily="2"/>
+              </a:rPr>
+              <a:t>Слой </a:t>
+            </a:r>
+            <a:r>
+              <a:rPr lang="en-US" sz="3600" dirty="0">
+                <a:ea typeface="DejaVu Sans" pitchFamily="2"/>
+                <a:cs typeface="DejaVu Sans" pitchFamily="2"/>
+              </a:rPr>
+              <a:t>ODS</a:t>
+            </a:r>
+            <a:endParaRPr lang="ru-RU" sz="3600" dirty="0"/>
+          </a:p>
+        </p:txBody>
+      </p:sp>
+    </p:spTree>
+    <p:extLst>
+      <p:ext uri="{BB962C8B-B14F-4D97-AF65-F5344CB8AC3E}">
+        <p14:creationId xmlns:p14="http://schemas.microsoft.com/office/powerpoint/2010/main" val="2737463202"/>
+      </p:ext>
+    </p:extLst>
+  </p:cSld>
+  <p:clrMapOvr>
+    <a:masterClrMapping/>
+  </p:clrMapOvr>
+</p:sld>
+</file>
+
+<file path=ppt/slides/slide11.xml><?xml version="1.0" encoding="utf-8"?>
+<p:sld xmlns:a="http://schemas.openxmlformats.org/drawingml/2006/main" xmlns:r="http://schemas.openxmlformats.org/officeDocument/2006/relationships" xmlns:p="http://schemas.openxmlformats.org/presentationml/2006/main">
+  <p:cSld>
+    <p:spTree>
+      <p:nvGrpSpPr>
+        <p:cNvPr id="1" name=""/>
+        <p:cNvGrpSpPr/>
+        <p:nvPr/>
+      </p:nvGrpSpPr>
+      <p:grpSpPr>
+        <a:xfrm>
+          <a:off x="0" y="0"/>
+          <a:ext cx="0" cy="0"/>
+          <a:chOff x="0" y="0"/>
+          <a:chExt cx="0" cy="0"/>
+        </a:xfrm>
+      </p:grpSpPr>
+      <p:grpSp>
+        <p:nvGrpSpPr>
+          <p:cNvPr id="2" name="Group 1">
+            <a:extLst>
+              <a:ext uri="{FF2B5EF4-FFF2-40B4-BE49-F238E27FC236}">
+                <a16:creationId xmlns:a16="http://schemas.microsoft.com/office/drawing/2014/main" id="{98A82363-2CE4-4F81-9BF2-9284B244F640}"/>
+              </a:ext>
+            </a:extLst>
+          </p:cNvPr>
+          <p:cNvGrpSpPr/>
+          <p:nvPr/>
+        </p:nvGrpSpPr>
+        <p:grpSpPr>
+          <a:xfrm>
+            <a:off x="6873755" y="2604205"/>
+            <a:ext cx="112222" cy="524126"/>
+            <a:chOff x="1366060" y="2781513"/>
+            <a:chExt cx="112222" cy="524126"/>
+          </a:xfrm>
+        </p:grpSpPr>
+        <p:sp>
+          <p:nvSpPr>
+            <p:cNvPr id="5" name="Oval 4">
+              <a:extLst>
+                <a:ext uri="{FF2B5EF4-FFF2-40B4-BE49-F238E27FC236}">
+                  <a16:creationId xmlns:a16="http://schemas.microsoft.com/office/drawing/2014/main" id="{AEECE48C-F926-441E-BDFF-EF88E151468D}"/>
+                </a:ext>
+              </a:extLst>
+            </p:cNvPr>
+            <p:cNvSpPr/>
+            <p:nvPr/>
+          </p:nvSpPr>
+          <p:spPr>
+            <a:xfrm>
+              <a:off x="1366060" y="2781513"/>
+              <a:ext cx="112222" cy="112222"/>
+            </a:xfrm>
+            <a:prstGeom prst="ellipse">
+              <a:avLst/>
+            </a:prstGeom>
+          </p:spPr>
+          <p:style>
+            <a:lnRef idx="2">
+              <a:schemeClr val="accent1">
+                <a:shade val="50000"/>
+              </a:schemeClr>
+            </a:lnRef>
+            <a:fillRef idx="1">
+              <a:schemeClr val="accent1"/>
+            </a:fillRef>
+            <a:effectRef idx="0">
+              <a:schemeClr val="accent1"/>
+            </a:effectRef>
+            <a:fontRef idx="minor">
+              <a:schemeClr val="lt1"/>
+            </a:fontRef>
+          </p:style>
+          <p:txBody>
+            <a:bodyPr rtlCol="0" anchor="ctr"/>
+            <a:lstStyle/>
+            <a:p>
+              <a:pPr algn="ctr"/>
+              <a:endParaRPr lang="ru-RU"/>
+            </a:p>
+          </p:txBody>
+        </p:sp>
+        <p:sp>
+          <p:nvSpPr>
+            <p:cNvPr id="28" name="Oval 27">
+              <a:extLst>
+                <a:ext uri="{FF2B5EF4-FFF2-40B4-BE49-F238E27FC236}">
+                  <a16:creationId xmlns:a16="http://schemas.microsoft.com/office/drawing/2014/main" id="{77A83600-803E-4616-8245-E09283E96CD7}"/>
+                </a:ext>
+              </a:extLst>
+            </p:cNvPr>
+            <p:cNvSpPr/>
+            <p:nvPr/>
+          </p:nvSpPr>
+          <p:spPr>
+            <a:xfrm>
+              <a:off x="1366060" y="2987465"/>
+              <a:ext cx="112222" cy="112222"/>
+            </a:xfrm>
+            <a:prstGeom prst="ellipse">
+              <a:avLst/>
+            </a:prstGeom>
+          </p:spPr>
+          <p:style>
+            <a:lnRef idx="2">
+              <a:schemeClr val="accent1">
+                <a:shade val="50000"/>
+              </a:schemeClr>
+            </a:lnRef>
+            <a:fillRef idx="1">
+              <a:schemeClr val="accent1"/>
+            </a:fillRef>
+            <a:effectRef idx="0">
+              <a:schemeClr val="accent1"/>
+            </a:effectRef>
+            <a:fontRef idx="minor">
+              <a:schemeClr val="lt1"/>
+            </a:fontRef>
+          </p:style>
+          <p:txBody>
+            <a:bodyPr rtlCol="0" anchor="ctr"/>
+            <a:lstStyle/>
+            <a:p>
+              <a:pPr algn="ctr"/>
+              <a:endParaRPr lang="ru-RU"/>
+            </a:p>
+          </p:txBody>
+        </p:sp>
+        <p:sp>
+          <p:nvSpPr>
+            <p:cNvPr id="29" name="Oval 28">
+              <a:extLst>
+                <a:ext uri="{FF2B5EF4-FFF2-40B4-BE49-F238E27FC236}">
+                  <a16:creationId xmlns:a16="http://schemas.microsoft.com/office/drawing/2014/main" id="{57361C72-AAC2-4470-ABC0-F42408C3A631}"/>
+                </a:ext>
+              </a:extLst>
+            </p:cNvPr>
+            <p:cNvSpPr/>
+            <p:nvPr/>
+          </p:nvSpPr>
+          <p:spPr>
+            <a:xfrm>
+              <a:off x="1366060" y="3193417"/>
+              <a:ext cx="112222" cy="112222"/>
+            </a:xfrm>
+            <a:prstGeom prst="ellipse">
+              <a:avLst/>
+            </a:prstGeom>
+          </p:spPr>
+          <p:style>
+            <a:lnRef idx="2">
+              <a:schemeClr val="accent1">
+                <a:shade val="50000"/>
+              </a:schemeClr>
+            </a:lnRef>
+            <a:fillRef idx="1">
+              <a:schemeClr val="accent1"/>
+            </a:fillRef>
+            <a:effectRef idx="0">
+              <a:schemeClr val="accent1"/>
+            </a:effectRef>
+            <a:fontRef idx="minor">
+              <a:schemeClr val="lt1"/>
+            </a:fontRef>
+          </p:style>
+          <p:txBody>
+            <a:bodyPr rtlCol="0" anchor="ctr"/>
+            <a:lstStyle/>
+            <a:p>
+              <a:pPr algn="ctr"/>
+              <a:endParaRPr lang="ru-RU"/>
+            </a:p>
+          </p:txBody>
+        </p:sp>
+      </p:grpSp>
+      <p:sp>
+        <p:nvSpPr>
+          <p:cNvPr id="16" name="Rectangle: Rounded Corners 15">
+            <a:extLst>
+              <a:ext uri="{FF2B5EF4-FFF2-40B4-BE49-F238E27FC236}">
+                <a16:creationId xmlns:a16="http://schemas.microsoft.com/office/drawing/2014/main" id="{28D1D9E9-59EF-440F-A331-B80EA6F808C0}"/>
+              </a:ext>
+            </a:extLst>
+          </p:cNvPr>
+          <p:cNvSpPr/>
+          <p:nvPr/>
+        </p:nvSpPr>
+        <p:spPr>
+          <a:xfrm>
+            <a:off x="535385" y="1233407"/>
+            <a:ext cx="1799671" cy="1015551"/>
+          </a:xfrm>
+          <a:prstGeom prst="roundRect">
+            <a:avLst/>
+          </a:prstGeom>
+        </p:spPr>
+        <p:style>
+          <a:lnRef idx="2">
+            <a:schemeClr val="accent1">
+              <a:shade val="50000"/>
+            </a:schemeClr>
+          </a:lnRef>
+          <a:fillRef idx="1">
+            <a:schemeClr val="accent1"/>
+          </a:fillRef>
+          <a:effectRef idx="0">
+            <a:schemeClr val="accent1"/>
+          </a:effectRef>
+          <a:fontRef idx="minor">
+            <a:schemeClr val="lt1"/>
+          </a:fontRef>
+        </p:style>
+        <p:txBody>
+          <a:bodyPr rtlCol="0" anchor="ctr"/>
+          <a:lstStyle/>
+          <a:p>
+            <a:pPr algn="ctr"/>
+            <a:r>
+              <a:rPr lang="en-US" dirty="0"/>
+              <a:t>STG</a:t>
+            </a:r>
+            <a:endParaRPr lang="ru-RU" dirty="0"/>
+          </a:p>
+        </p:txBody>
+      </p:sp>
+      <p:sp>
+        <p:nvSpPr>
+          <p:cNvPr id="18" name="Rectangle: Rounded Corners 17">
+            <a:extLst>
+              <a:ext uri="{FF2B5EF4-FFF2-40B4-BE49-F238E27FC236}">
+                <a16:creationId xmlns:a16="http://schemas.microsoft.com/office/drawing/2014/main" id="{48ED71BA-88CE-4A8B-A1BA-1EED4D1AB721}"/>
+              </a:ext>
+            </a:extLst>
+          </p:cNvPr>
+          <p:cNvSpPr/>
+          <p:nvPr/>
+        </p:nvSpPr>
+        <p:spPr>
+          <a:xfrm>
+            <a:off x="3255693" y="525557"/>
+            <a:ext cx="1799671" cy="1015551"/>
+          </a:xfrm>
+          <a:prstGeom prst="roundRect">
+            <a:avLst/>
+          </a:prstGeom>
+        </p:spPr>
+        <p:style>
+          <a:lnRef idx="2">
+            <a:schemeClr val="accent1">
+              <a:shade val="50000"/>
+            </a:schemeClr>
+          </a:lnRef>
+          <a:fillRef idx="1">
+            <a:schemeClr val="accent1"/>
+          </a:fillRef>
+          <a:effectRef idx="0">
+            <a:schemeClr val="accent1"/>
+          </a:effectRef>
+          <a:fontRef idx="minor">
+            <a:schemeClr val="lt1"/>
+          </a:fontRef>
+        </p:style>
+        <p:txBody>
+          <a:bodyPr rtlCol="0" anchor="ctr"/>
+          <a:lstStyle/>
+          <a:p>
+            <a:pPr algn="ctr"/>
+            <a:r>
+              <a:rPr lang="en-US" dirty="0"/>
+              <a:t>ODS</a:t>
+            </a:r>
+            <a:endParaRPr lang="ru-RU" dirty="0"/>
+          </a:p>
+        </p:txBody>
+      </p:sp>
+      <p:sp>
+        <p:nvSpPr>
+          <p:cNvPr id="24" name="Rectangle: Rounded Corners 23">
+            <a:extLst>
+              <a:ext uri="{FF2B5EF4-FFF2-40B4-BE49-F238E27FC236}">
+                <a16:creationId xmlns:a16="http://schemas.microsoft.com/office/drawing/2014/main" id="{ABDF9515-0F58-48DC-831E-208185C03AF9}"/>
+              </a:ext>
+            </a:extLst>
+          </p:cNvPr>
+          <p:cNvSpPr/>
+          <p:nvPr/>
+        </p:nvSpPr>
+        <p:spPr>
+          <a:xfrm>
+            <a:off x="5973920" y="1227511"/>
+            <a:ext cx="1799671" cy="1015551"/>
+          </a:xfrm>
+          <a:prstGeom prst="roundRect">
+            <a:avLst/>
+          </a:prstGeom>
+        </p:spPr>
+        <p:style>
+          <a:lnRef idx="2">
+            <a:schemeClr val="accent1">
+              <a:shade val="50000"/>
+            </a:schemeClr>
+          </a:lnRef>
+          <a:fillRef idx="1">
+            <a:schemeClr val="accent1"/>
+          </a:fillRef>
+          <a:effectRef idx="0">
+            <a:schemeClr val="accent1"/>
+          </a:effectRef>
+          <a:fontRef idx="minor">
+            <a:schemeClr val="lt1"/>
+          </a:fontRef>
+        </p:style>
+        <p:txBody>
+          <a:bodyPr rtlCol="0" anchor="ctr"/>
+          <a:lstStyle/>
+          <a:p>
+            <a:pPr algn="ctr"/>
+            <a:r>
+              <a:rPr lang="en-US" dirty="0"/>
+              <a:t>CDM</a:t>
+            </a:r>
+            <a:endParaRPr lang="ru-RU" dirty="0"/>
+          </a:p>
+        </p:txBody>
+      </p:sp>
+      <p:sp>
+        <p:nvSpPr>
+          <p:cNvPr id="25" name="Rectangle: Rounded Corners 24">
+            <a:extLst>
+              <a:ext uri="{FF2B5EF4-FFF2-40B4-BE49-F238E27FC236}">
+                <a16:creationId xmlns:a16="http://schemas.microsoft.com/office/drawing/2014/main" id="{C8B7F316-3F9A-457C-9886-613E4B0C9C36}"/>
+              </a:ext>
+            </a:extLst>
+          </p:cNvPr>
+          <p:cNvSpPr/>
+          <p:nvPr/>
+        </p:nvSpPr>
+        <p:spPr>
+          <a:xfrm>
+            <a:off x="8732723" y="1262036"/>
+            <a:ext cx="1799671" cy="1015551"/>
+          </a:xfrm>
+          <a:prstGeom prst="roundRect">
+            <a:avLst/>
+          </a:prstGeom>
+        </p:spPr>
+        <p:style>
+          <a:lnRef idx="2">
+            <a:schemeClr val="accent1">
+              <a:shade val="50000"/>
+            </a:schemeClr>
+          </a:lnRef>
+          <a:fillRef idx="1">
+            <a:schemeClr val="accent1"/>
+          </a:fillRef>
+          <a:effectRef idx="0">
+            <a:schemeClr val="accent1"/>
+          </a:effectRef>
+          <a:fontRef idx="minor">
+            <a:schemeClr val="lt1"/>
+          </a:fontRef>
+        </p:style>
+        <p:txBody>
+          <a:bodyPr rtlCol="0" anchor="ctr"/>
+          <a:lstStyle/>
+          <a:p>
+            <a:pPr algn="ctr"/>
+            <a:r>
+              <a:rPr lang="en-US" dirty="0"/>
+              <a:t>REP</a:t>
+            </a:r>
+            <a:endParaRPr lang="ru-RU" dirty="0"/>
+          </a:p>
+        </p:txBody>
+      </p:sp>
+      <p:sp>
+        <p:nvSpPr>
+          <p:cNvPr id="26" name="Arrow: Right 25">
+            <a:extLst>
+              <a:ext uri="{FF2B5EF4-FFF2-40B4-BE49-F238E27FC236}">
+                <a16:creationId xmlns:a16="http://schemas.microsoft.com/office/drawing/2014/main" id="{D63FBD3B-6CEC-430A-B33E-F44AC2ACB548}"/>
+              </a:ext>
+            </a:extLst>
+          </p:cNvPr>
+          <p:cNvSpPr/>
+          <p:nvPr/>
+        </p:nvSpPr>
+        <p:spPr>
+          <a:xfrm rot="1708708">
+            <a:off x="2558927" y="1875676"/>
+            <a:ext cx="526100" cy="323423"/>
+          </a:xfrm>
+          <a:prstGeom prst="rightArrow">
+            <a:avLst/>
+          </a:prstGeom>
+        </p:spPr>
+        <p:style>
+          <a:lnRef idx="2">
+            <a:schemeClr val="accent1">
+              <a:shade val="50000"/>
+            </a:schemeClr>
+          </a:lnRef>
+          <a:fillRef idx="1">
+            <a:schemeClr val="accent1"/>
+          </a:fillRef>
+          <a:effectRef idx="0">
+            <a:schemeClr val="accent1"/>
+          </a:effectRef>
+          <a:fontRef idx="minor">
+            <a:schemeClr val="lt1"/>
+          </a:fontRef>
+        </p:style>
+        <p:txBody>
+          <a:bodyPr rtlCol="0" anchor="ctr"/>
+          <a:lstStyle/>
+          <a:p>
+            <a:pPr algn="ctr"/>
+            <a:endParaRPr lang="ru-RU"/>
+          </a:p>
+        </p:txBody>
+      </p:sp>
+      <p:sp>
+        <p:nvSpPr>
+          <p:cNvPr id="27" name="Arrow: Right 26">
+            <a:extLst>
+              <a:ext uri="{FF2B5EF4-FFF2-40B4-BE49-F238E27FC236}">
+                <a16:creationId xmlns:a16="http://schemas.microsoft.com/office/drawing/2014/main" id="{498C6333-64F6-42C3-8697-2800CC05E49B}"/>
+              </a:ext>
+            </a:extLst>
+          </p:cNvPr>
+          <p:cNvSpPr/>
+          <p:nvPr/>
+        </p:nvSpPr>
+        <p:spPr>
+          <a:xfrm>
+            <a:off x="5185489" y="1552252"/>
+            <a:ext cx="526100" cy="323423"/>
+          </a:xfrm>
+          <a:prstGeom prst="rightArrow">
+            <a:avLst/>
+          </a:prstGeom>
+        </p:spPr>
+        <p:style>
+          <a:lnRef idx="2">
+            <a:schemeClr val="accent1">
+              <a:shade val="50000"/>
+            </a:schemeClr>
+          </a:lnRef>
+          <a:fillRef idx="1">
+            <a:schemeClr val="accent1"/>
+          </a:fillRef>
+          <a:effectRef idx="0">
+            <a:schemeClr val="accent1"/>
+          </a:effectRef>
+          <a:fontRef idx="minor">
+            <a:schemeClr val="lt1"/>
+          </a:fontRef>
+        </p:style>
+        <p:txBody>
+          <a:bodyPr rtlCol="0" anchor="ctr"/>
+          <a:lstStyle/>
+          <a:p>
+            <a:pPr algn="ctr"/>
+            <a:endParaRPr lang="ru-RU"/>
+          </a:p>
+        </p:txBody>
+      </p:sp>
+      <p:sp>
+        <p:nvSpPr>
+          <p:cNvPr id="31" name="Arrow: Right 30">
+            <a:extLst>
+              <a:ext uri="{FF2B5EF4-FFF2-40B4-BE49-F238E27FC236}">
+                <a16:creationId xmlns:a16="http://schemas.microsoft.com/office/drawing/2014/main" id="{9865261E-8292-4240-B1C2-1AE08C0983B7}"/>
+              </a:ext>
+            </a:extLst>
+          </p:cNvPr>
+          <p:cNvSpPr/>
+          <p:nvPr/>
+        </p:nvSpPr>
+        <p:spPr>
+          <a:xfrm>
+            <a:off x="8035922" y="1608101"/>
+            <a:ext cx="526100" cy="323423"/>
+          </a:xfrm>
+          <a:prstGeom prst="rightArrow">
+            <a:avLst/>
+          </a:prstGeom>
+        </p:spPr>
+        <p:style>
+          <a:lnRef idx="2">
+            <a:schemeClr val="accent1">
+              <a:shade val="50000"/>
+            </a:schemeClr>
+          </a:lnRef>
+          <a:fillRef idx="1">
+            <a:schemeClr val="accent1"/>
+          </a:fillRef>
+          <a:effectRef idx="0">
+            <a:schemeClr val="accent1"/>
+          </a:effectRef>
+          <a:fontRef idx="minor">
+            <a:schemeClr val="lt1"/>
+          </a:fontRef>
+        </p:style>
+        <p:txBody>
+          <a:bodyPr rtlCol="0" anchor="ctr"/>
+          <a:lstStyle/>
+          <a:p>
+            <a:pPr algn="ctr"/>
+            <a:endParaRPr lang="ru-RU"/>
+          </a:p>
+        </p:txBody>
+      </p:sp>
+      <p:sp>
+        <p:nvSpPr>
+          <p:cNvPr id="32" name="Rectangle: Rounded Corners 31">
+            <a:extLst>
+              <a:ext uri="{FF2B5EF4-FFF2-40B4-BE49-F238E27FC236}">
+                <a16:creationId xmlns:a16="http://schemas.microsoft.com/office/drawing/2014/main" id="{A4F098B0-833E-43E4-A5ED-096D110F7DDE}"/>
+              </a:ext>
+            </a:extLst>
+          </p:cNvPr>
+          <p:cNvSpPr/>
+          <p:nvPr/>
+        </p:nvSpPr>
+        <p:spPr>
+          <a:xfrm>
+            <a:off x="3270692" y="1837090"/>
+            <a:ext cx="1799671" cy="1015551"/>
+          </a:xfrm>
+          <a:prstGeom prst="roundRect">
+            <a:avLst/>
+          </a:prstGeom>
+        </p:spPr>
+        <p:style>
+          <a:lnRef idx="2">
+            <a:schemeClr val="accent1">
+              <a:shade val="50000"/>
+            </a:schemeClr>
+          </a:lnRef>
+          <a:fillRef idx="1">
+            <a:schemeClr val="accent1"/>
+          </a:fillRef>
+          <a:effectRef idx="0">
+            <a:schemeClr val="accent1"/>
+          </a:effectRef>
+          <a:fontRef idx="minor">
+            <a:schemeClr val="lt1"/>
+          </a:fontRef>
+        </p:style>
+        <p:txBody>
+          <a:bodyPr rtlCol="0" anchor="ctr"/>
+          <a:lstStyle/>
+          <a:p>
+            <a:pPr algn="ctr"/>
+            <a:r>
+              <a:rPr lang="en-US" dirty="0"/>
+              <a:t>DDS</a:t>
+            </a:r>
+            <a:endParaRPr lang="ru-RU" dirty="0"/>
+          </a:p>
+        </p:txBody>
+      </p:sp>
+      <p:sp>
+        <p:nvSpPr>
+          <p:cNvPr id="33" name="Arrow: Right 32">
+            <a:extLst>
+              <a:ext uri="{FF2B5EF4-FFF2-40B4-BE49-F238E27FC236}">
+                <a16:creationId xmlns:a16="http://schemas.microsoft.com/office/drawing/2014/main" id="{4F7AA6EB-F5C6-4CC3-9EDA-7DD273090AB6}"/>
+              </a:ext>
+            </a:extLst>
+          </p:cNvPr>
+          <p:cNvSpPr/>
+          <p:nvPr/>
+        </p:nvSpPr>
+        <p:spPr>
+          <a:xfrm rot="20552600">
+            <a:off x="2515364" y="1258750"/>
+            <a:ext cx="526100" cy="323423"/>
+          </a:xfrm>
+          <a:prstGeom prst="rightArrow">
+            <a:avLst/>
+          </a:prstGeom>
+        </p:spPr>
+        <p:style>
+          <a:lnRef idx="2">
+            <a:schemeClr val="accent1">
+              <a:shade val="50000"/>
+            </a:schemeClr>
+          </a:lnRef>
+          <a:fillRef idx="1">
+            <a:schemeClr val="accent1"/>
+          </a:fillRef>
+          <a:effectRef idx="0">
+            <a:schemeClr val="accent1"/>
+          </a:effectRef>
+          <a:fontRef idx="minor">
+            <a:schemeClr val="lt1"/>
+          </a:fontRef>
+        </p:style>
+        <p:txBody>
+          <a:bodyPr rtlCol="0" anchor="ctr"/>
+          <a:lstStyle/>
+          <a:p>
+            <a:pPr algn="ctr"/>
+            <a:endParaRPr lang="ru-RU"/>
+          </a:p>
+        </p:txBody>
+      </p:sp>
+      <p:sp>
+        <p:nvSpPr>
+          <p:cNvPr id="17" name="Rectangle: Rounded Corners 16">
+            <a:extLst>
+              <a:ext uri="{FF2B5EF4-FFF2-40B4-BE49-F238E27FC236}">
+                <a16:creationId xmlns:a16="http://schemas.microsoft.com/office/drawing/2014/main" id="{DE354CD3-78C6-4082-996F-7B898DA19AB5}"/>
+              </a:ext>
+            </a:extLst>
+          </p:cNvPr>
+          <p:cNvSpPr/>
+          <p:nvPr/>
+        </p:nvSpPr>
+        <p:spPr>
+          <a:xfrm>
+            <a:off x="5989668" y="3429000"/>
+            <a:ext cx="5984303" cy="2781300"/>
+          </a:xfrm>
+          <a:prstGeom prst="roundRect">
+            <a:avLst/>
+          </a:prstGeom>
+        </p:spPr>
+        <p:style>
+          <a:lnRef idx="2">
+            <a:schemeClr val="accent1"/>
+          </a:lnRef>
+          <a:fillRef idx="1">
+            <a:schemeClr val="lt1"/>
+          </a:fillRef>
+          <a:effectRef idx="0">
+            <a:schemeClr val="accent1"/>
+          </a:effectRef>
+          <a:fontRef idx="minor">
+            <a:schemeClr val="dk1"/>
+          </a:fontRef>
+        </p:style>
+        <p:txBody>
+          <a:bodyPr rtlCol="0" anchor="ctr"/>
+          <a:lstStyle/>
+          <a:p>
+            <a:r>
+              <a:rPr lang="ru-RU" b="1" dirty="0"/>
+              <a:t>Основная цель: Сбор всех данных для анализа</a:t>
+            </a:r>
+            <a:endParaRPr lang="en-US" b="1" dirty="0"/>
+          </a:p>
+          <a:p>
+            <a:pPr marL="342900" indent="-342900">
+              <a:buFont typeface="+mj-lt"/>
+              <a:buAutoNum type="arabicPeriod"/>
+            </a:pPr>
+            <a:r>
+              <a:rPr lang="ru-RU" dirty="0"/>
+              <a:t>Объединение данных из всех источников в разрезе бизнес-сущности (например: клиент, кредиты, депозиты)</a:t>
+            </a:r>
+          </a:p>
+          <a:p>
+            <a:pPr marL="342900" indent="-342900">
+              <a:buFont typeface="+mj-lt"/>
+              <a:buAutoNum type="arabicPeriod"/>
+            </a:pPr>
+            <a:r>
+              <a:rPr lang="ru-RU" dirty="0"/>
+              <a:t>Оптимизация доступа на чтение</a:t>
+            </a:r>
+          </a:p>
+          <a:p>
+            <a:pPr marL="342900" indent="-342900">
+              <a:buFont typeface="+mj-lt"/>
+              <a:buAutoNum type="arabicPeriod"/>
+            </a:pPr>
+            <a:endParaRPr lang="ru-RU" dirty="0"/>
+          </a:p>
+          <a:p>
+            <a:r>
+              <a:rPr lang="ru-RU" b="1" dirty="0"/>
+              <a:t>Модель данных:</a:t>
+            </a:r>
+          </a:p>
+          <a:p>
+            <a:pPr marL="285750" indent="-285750">
+              <a:buFont typeface="Arial" panose="020B0604020202020204" pitchFamily="34" charset="0"/>
+              <a:buChar char="•"/>
+            </a:pPr>
+            <a:r>
+              <a:rPr lang="ru-RU" dirty="0" err="1"/>
+              <a:t>Денормализация</a:t>
+            </a:r>
+            <a:r>
+              <a:rPr lang="ru-RU" dirty="0"/>
+              <a:t>, широкие витрины</a:t>
+            </a:r>
+          </a:p>
+        </p:txBody>
+      </p:sp>
+      <p:sp>
+        <p:nvSpPr>
+          <p:cNvPr id="19" name="Title 1">
+            <a:extLst>
+              <a:ext uri="{FF2B5EF4-FFF2-40B4-BE49-F238E27FC236}">
+                <a16:creationId xmlns:a16="http://schemas.microsoft.com/office/drawing/2014/main" id="{37DB32CD-5A1D-4623-9F66-F51588F6318E}"/>
+              </a:ext>
+            </a:extLst>
+          </p:cNvPr>
+          <p:cNvSpPr>
+            <a:spLocks noGrp="1"/>
+          </p:cNvSpPr>
+          <p:nvPr>
+            <p:ph type="title"/>
+          </p:nvPr>
+        </p:nvSpPr>
+        <p:spPr>
+          <a:xfrm>
+            <a:off x="90091" y="79230"/>
+            <a:ext cx="3165602" cy="1030175"/>
+          </a:xfrm>
+        </p:spPr>
+        <p:txBody>
+          <a:bodyPr>
+            <a:normAutofit/>
+          </a:bodyPr>
+          <a:lstStyle/>
+          <a:p>
+            <a:pPr algn="ctr"/>
+            <a:r>
+              <a:rPr lang="ru-RU" sz="3600" dirty="0">
+                <a:ea typeface="DejaVu Sans" pitchFamily="2"/>
+                <a:cs typeface="DejaVu Sans" pitchFamily="2"/>
+              </a:rPr>
+              <a:t>Слой </a:t>
+            </a:r>
+            <a:r>
+              <a:rPr lang="en-US" sz="3600" dirty="0">
+                <a:ea typeface="DejaVu Sans" pitchFamily="2"/>
+                <a:cs typeface="DejaVu Sans" pitchFamily="2"/>
+              </a:rPr>
+              <a:t>CDM</a:t>
+            </a:r>
+            <a:endParaRPr lang="ru-RU" sz="3600" dirty="0"/>
+          </a:p>
+        </p:txBody>
+      </p:sp>
+    </p:spTree>
+    <p:extLst>
+      <p:ext uri="{BB962C8B-B14F-4D97-AF65-F5344CB8AC3E}">
+        <p14:creationId xmlns:p14="http://schemas.microsoft.com/office/powerpoint/2010/main" val="262426314"/>
+      </p:ext>
+    </p:extLst>
+  </p:cSld>
+  <p:clrMapOvr>
+    <a:masterClrMapping/>
+  </p:clrMapOvr>
+</p:sld>
+</file>
+
+<file path=ppt/slides/slide12.xml><?xml version="1.0" encoding="utf-8"?>
+<p:sld xmlns:a="http://schemas.openxmlformats.org/drawingml/2006/main" xmlns:r="http://schemas.openxmlformats.org/officeDocument/2006/relationships" xmlns:p="http://schemas.openxmlformats.org/presentationml/2006/main">
+  <p:cSld>
+    <p:spTree>
+      <p:nvGrpSpPr>
+        <p:cNvPr id="1" name=""/>
+        <p:cNvGrpSpPr/>
+        <p:nvPr/>
+      </p:nvGrpSpPr>
+      <p:grpSpPr>
+        <a:xfrm>
+          <a:off x="0" y="0"/>
+          <a:ext cx="0" cy="0"/>
+          <a:chOff x="0" y="0"/>
+          <a:chExt cx="0" cy="0"/>
+        </a:xfrm>
+      </p:grpSpPr>
+      <p:grpSp>
+        <p:nvGrpSpPr>
+          <p:cNvPr id="2" name="Group 1">
+            <a:extLst>
+              <a:ext uri="{FF2B5EF4-FFF2-40B4-BE49-F238E27FC236}">
+                <a16:creationId xmlns:a16="http://schemas.microsoft.com/office/drawing/2014/main" id="{98A82363-2CE4-4F81-9BF2-9284B244F640}"/>
+              </a:ext>
+            </a:extLst>
+          </p:cNvPr>
+          <p:cNvGrpSpPr/>
+          <p:nvPr/>
+        </p:nvGrpSpPr>
+        <p:grpSpPr>
+          <a:xfrm>
             <a:off x="9576447" y="2604205"/>
             <a:ext cx="112222" cy="524126"/>
             <a:chOff x="1366060" y="2781513"/>
@@ -4757,7 +6294,7 @@
         <p:spPr>
           <a:xfrm>
             <a:off x="4548091" y="3398363"/>
-            <a:ext cx="5984303" cy="2070985"/>
+            <a:ext cx="5984303" cy="3110387"/>
           </a:xfrm>
           <a:prstGeom prst="roundRect">
             <a:avLst/>
@@ -4783,7 +6320,7 @@
           <a:p>
             <a:r>
               <a:rPr lang="ru-RU" b="1" dirty="0"/>
-              <a:t>Построение отчетов</a:t>
+              <a:t>Основная цель: Построение отчетов</a:t>
             </a:r>
             <a:endParaRPr lang="en-US" b="1" dirty="0"/>
           </a:p>
@@ -4815,44 +6352,41 @@
               <a:t>Сбор данных в модель, которая требуется на вход потребителям отчетности</a:t>
             </a:r>
           </a:p>
-        </p:txBody>
-      </p:sp>
-    </p:spTree>
-    <p:extLst>
-      <p:ext uri="{BB962C8B-B14F-4D97-AF65-F5344CB8AC3E}">
-        <p14:creationId xmlns:p14="http://schemas.microsoft.com/office/powerpoint/2010/main" val="3258008965"/>
-      </p:ext>
-    </p:extLst>
-  </p:cSld>
-  <p:clrMapOvr>
-    <a:masterClrMapping/>
-  </p:clrMapOvr>
-</p:sld>
-</file>
-
-<file path=ppt/slides/slide11.xml><?xml version="1.0" encoding="utf-8"?>
-<p:sld xmlns:a="http://schemas.openxmlformats.org/drawingml/2006/main" xmlns:r="http://schemas.openxmlformats.org/officeDocument/2006/relationships" xmlns:p="http://schemas.openxmlformats.org/presentationml/2006/main">
-  <p:cSld>
-    <p:spTree>
-      <p:nvGrpSpPr>
-        <p:cNvPr id="1" name=""/>
-        <p:cNvGrpSpPr/>
-        <p:nvPr/>
-      </p:nvGrpSpPr>
-      <p:grpSpPr>
-        <a:xfrm>
-          <a:off x="0" y="0"/>
-          <a:ext cx="0" cy="0"/>
-          <a:chOff x="0" y="0"/>
-          <a:chExt cx="0" cy="0"/>
-        </a:xfrm>
-      </p:grpSpPr>
-      <p:sp>
-        <p:nvSpPr>
-          <p:cNvPr id="2" name="Title 1">
+          <a:p>
+            <a:pPr marL="342900" indent="-342900">
+              <a:buFont typeface="+mj-lt"/>
+              <a:buAutoNum type="arabicPeriod"/>
+            </a:pPr>
+            <a:endParaRPr lang="ru-RU" dirty="0"/>
+          </a:p>
+          <a:p>
+            <a:r>
+              <a:rPr lang="ru-RU" b="1" dirty="0"/>
+              <a:t>Модель данных:</a:t>
+            </a:r>
+          </a:p>
+          <a:p>
+            <a:pPr marL="285750" indent="-285750">
+              <a:buFont typeface="Arial" panose="020B0604020202020204" pitchFamily="34" charset="0"/>
+              <a:buChar char="•"/>
+            </a:pPr>
+            <a:r>
+              <a:rPr lang="ru-RU" dirty="0" err="1"/>
+              <a:t>Денормализация</a:t>
+            </a:r>
+            <a:r>
+              <a:rPr lang="ru-RU" dirty="0"/>
+              <a:t>, данные хранятся в формате, требуемом для отчетов</a:t>
+            </a:r>
+          </a:p>
+        </p:txBody>
+      </p:sp>
+      <p:sp>
+        <p:nvSpPr>
+          <p:cNvPr id="19" name="Title 1">
             <a:extLst>
               <a:ext uri="{FF2B5EF4-FFF2-40B4-BE49-F238E27FC236}">
-                <a16:creationId xmlns:a16="http://schemas.microsoft.com/office/drawing/2014/main" id="{4BD741BA-2175-49CF-B794-433D65D1439F}"/>
+                <a16:creationId xmlns:a16="http://schemas.microsoft.com/office/drawing/2014/main" id="{5140B07F-946D-4D4E-BAA0-D21521CE41A0}"/>
               </a:ext>
             </a:extLst>
           </p:cNvPr>
@@ -4865,8 +6399,8 @@
         </p:nvSpPr>
         <p:spPr>
           <a:xfrm>
-            <a:off x="1066800" y="2368296"/>
-            <a:ext cx="10058400" cy="1609344"/>
+            <a:off x="90091" y="79230"/>
+            <a:ext cx="3165602" cy="1030175"/>
           </a:xfrm>
         </p:spPr>
         <p:txBody>
@@ -4875,272 +6409,29 @@
           </a:bodyPr>
           <a:lstStyle/>
           <a:p>
-            <a:r>
-              <a:rPr lang="ru-RU" dirty="0">
+            <a:pPr algn="ctr"/>
+            <a:r>
+              <a:rPr lang="ru-RU" sz="3600" dirty="0">
                 <a:ea typeface="DejaVu Sans" pitchFamily="2"/>
                 <a:cs typeface="DejaVu Sans" pitchFamily="2"/>
               </a:rPr>
-              <a:t>Посмотрим на практике</a:t>
-            </a:r>
-            <a:endParaRPr lang="ru-RU" dirty="0"/>
+              <a:t>Слой </a:t>
+            </a:r>
+            <a:r>
+              <a:rPr lang="en-US" sz="3600" dirty="0">
+                <a:ea typeface="DejaVu Sans" pitchFamily="2"/>
+                <a:cs typeface="DejaVu Sans" pitchFamily="2"/>
+              </a:rPr>
+              <a:t>REP</a:t>
+            </a:r>
+            <a:endParaRPr lang="ru-RU" sz="3600" dirty="0"/>
           </a:p>
         </p:txBody>
       </p:sp>
     </p:spTree>
     <p:extLst>
       <p:ext uri="{BB962C8B-B14F-4D97-AF65-F5344CB8AC3E}">
-        <p14:creationId xmlns:p14="http://schemas.microsoft.com/office/powerpoint/2010/main" val="2433729984"/>
-      </p:ext>
-    </p:extLst>
-  </p:cSld>
-  <p:clrMapOvr>
-    <a:masterClrMapping/>
-  </p:clrMapOvr>
-</p:sld>
-</file>
-
-<file path=ppt/slides/slide12.xml><?xml version="1.0" encoding="utf-8"?>
-<p:sld xmlns:a="http://schemas.openxmlformats.org/drawingml/2006/main" xmlns:r="http://schemas.openxmlformats.org/officeDocument/2006/relationships" xmlns:p="http://schemas.openxmlformats.org/presentationml/2006/main">
-  <p:cSld>
-    <p:spTree>
-      <p:nvGrpSpPr>
-        <p:cNvPr id="1" name=""/>
-        <p:cNvGrpSpPr/>
-        <p:nvPr/>
-      </p:nvGrpSpPr>
-      <p:grpSpPr>
-        <a:xfrm>
-          <a:off x="0" y="0"/>
-          <a:ext cx="0" cy="0"/>
-          <a:chOff x="0" y="0"/>
-          <a:chExt cx="0" cy="0"/>
-        </a:xfrm>
-      </p:grpSpPr>
-      <p:sp>
-        <p:nvSpPr>
-          <p:cNvPr id="2" name="Title 1">
-            <a:extLst>
-              <a:ext uri="{FF2B5EF4-FFF2-40B4-BE49-F238E27FC236}">
-                <a16:creationId xmlns:a16="http://schemas.microsoft.com/office/drawing/2014/main" id="{4BD741BA-2175-49CF-B794-433D65D1439F}"/>
-              </a:ext>
-            </a:extLst>
-          </p:cNvPr>
-          <p:cNvSpPr>
-            <a:spLocks noGrp="1"/>
-          </p:cNvSpPr>
-          <p:nvPr>
-            <p:ph type="title"/>
-          </p:nvPr>
-        </p:nvSpPr>
-        <p:spPr/>
-        <p:txBody>
-          <a:bodyPr>
-            <a:normAutofit/>
-          </a:bodyPr>
-          <a:lstStyle/>
-          <a:p>
-            <a:r>
-              <a:rPr lang="ru-RU" sz="4400" dirty="0">
-                <a:ea typeface="DejaVu Sans" pitchFamily="2"/>
-                <a:cs typeface="DejaVu Sans" pitchFamily="2"/>
-              </a:rPr>
-              <a:t>Подготовка</a:t>
-            </a:r>
-            <a:endParaRPr lang="ru-RU" sz="4400" dirty="0"/>
-          </a:p>
-        </p:txBody>
-      </p:sp>
-      <p:sp>
-        <p:nvSpPr>
-          <p:cNvPr id="3" name="Content Placeholder 2">
-            <a:extLst>
-              <a:ext uri="{FF2B5EF4-FFF2-40B4-BE49-F238E27FC236}">
-                <a16:creationId xmlns:a16="http://schemas.microsoft.com/office/drawing/2014/main" id="{4A6778CB-C88F-4AEF-902B-E0042B70C420}"/>
-              </a:ext>
-            </a:extLst>
-          </p:cNvPr>
-          <p:cNvSpPr>
-            <a:spLocks noGrp="1"/>
-          </p:cNvSpPr>
-          <p:nvPr>
-            <p:ph idx="1"/>
-          </p:nvPr>
-        </p:nvSpPr>
-        <p:spPr/>
-        <p:txBody>
-          <a:bodyPr/>
-          <a:lstStyle/>
-          <a:p>
-            <a:pPr lvl="0">
-              <a:buClr>
-                <a:srgbClr val="666666"/>
-              </a:buClr>
-              <a:buSzPct val="45000"/>
-              <a:buFont typeface="StarSymbol"/>
-              <a:buChar char="●"/>
-            </a:pPr>
-            <a:r>
-              <a:rPr lang="ru-RU" dirty="0"/>
-              <a:t>Скачать </a:t>
-            </a:r>
-            <a:r>
-              <a:rPr lang="ru-RU" dirty="0" err="1"/>
-              <a:t>репозиторий</a:t>
-            </a:r>
-            <a:r>
-              <a:rPr lang="ru-RU" dirty="0"/>
-              <a:t>:</a:t>
-            </a:r>
-            <a:br>
-              <a:rPr lang="ru-RU" dirty="0"/>
-            </a:br>
-            <a:r>
-              <a:rPr lang="ru-RU" dirty="0">
-                <a:hlinkClick r:id="rId2"/>
-              </a:rPr>
-              <a:t>https://github.com/Minastirise/workshop_dwh_design</a:t>
-            </a:r>
-            <a:endParaRPr lang="ru-RU" dirty="0"/>
-          </a:p>
-          <a:p>
-            <a:pPr lvl="0">
-              <a:buClr>
-                <a:srgbClr val="666666"/>
-              </a:buClr>
-              <a:buSzPct val="45000"/>
-              <a:buFont typeface="StarSymbol"/>
-              <a:buChar char="●"/>
-            </a:pPr>
-            <a:r>
-              <a:rPr lang="ru-RU" dirty="0"/>
-              <a:t>Выполнить действия из README.md</a:t>
-            </a:r>
-          </a:p>
-          <a:p>
-            <a:pPr lvl="0">
-              <a:buClr>
-                <a:srgbClr val="666666"/>
-              </a:buClr>
-              <a:buSzPct val="45000"/>
-              <a:buFont typeface="StarSymbol"/>
-              <a:buChar char="●"/>
-            </a:pPr>
-            <a:r>
-              <a:rPr lang="ru-RU" dirty="0">
-                <a:solidFill>
-                  <a:srgbClr val="000000"/>
-                </a:solidFill>
-                <a:ea typeface="DejaVu Sans" pitchFamily="2"/>
-                <a:cs typeface="DejaVu Sans" pitchFamily="2"/>
-              </a:rPr>
-              <a:t>Иметь под рукой инструмент для составления </a:t>
-            </a:r>
-            <a:r>
-              <a:rPr lang="en-US" dirty="0">
-                <a:solidFill>
-                  <a:srgbClr val="000000"/>
-                </a:solidFill>
-                <a:ea typeface="DejaVu Sans" pitchFamily="2"/>
-                <a:cs typeface="DejaVu Sans" pitchFamily="2"/>
-              </a:rPr>
-              <a:t>ER</a:t>
-            </a:r>
-            <a:r>
-              <a:rPr lang="ru-RU" dirty="0">
-                <a:solidFill>
-                  <a:srgbClr val="000000"/>
-                </a:solidFill>
-                <a:ea typeface="DejaVu Sans" pitchFamily="2"/>
-                <a:cs typeface="DejaVu Sans" pitchFamily="2"/>
-              </a:rPr>
-              <a:t>-диаграмм:</a:t>
-            </a:r>
-          </a:p>
-          <a:p>
-            <a:pPr lvl="1">
-              <a:buClr>
-                <a:srgbClr val="666666"/>
-              </a:buClr>
-              <a:buSzPct val="45000"/>
-              <a:buFont typeface="StarSymbol"/>
-              <a:buChar char="●"/>
-            </a:pPr>
-            <a:r>
-              <a:rPr lang="af-ZA" dirty="0">
-                <a:solidFill>
-                  <a:srgbClr val="000000"/>
-                </a:solidFill>
-                <a:ea typeface="DejaVu Sans" pitchFamily="2"/>
-                <a:cs typeface="DejaVu Sans" pitchFamily="2"/>
-                <a:hlinkClick r:id="rId3"/>
-              </a:rPr>
-              <a:t>https://draw.io/</a:t>
-            </a:r>
-            <a:endParaRPr lang="af-ZA" dirty="0">
-              <a:solidFill>
-                <a:srgbClr val="000000"/>
-              </a:solidFill>
-              <a:ea typeface="DejaVu Sans" pitchFamily="2"/>
-              <a:cs typeface="DejaVu Sans" pitchFamily="2"/>
-            </a:endParaRPr>
-          </a:p>
-          <a:p>
-            <a:pPr lvl="1">
-              <a:buClr>
-                <a:srgbClr val="666666"/>
-              </a:buClr>
-              <a:buSzPct val="45000"/>
-              <a:buFont typeface="StarSymbol"/>
-              <a:buChar char="●"/>
-            </a:pPr>
-            <a:r>
-              <a:rPr lang="af-ZA" u="sng" dirty="0">
-                <a:hlinkClick r:id="rId4"/>
-              </a:rPr>
-              <a:t>https://www.gliffy.com</a:t>
-            </a:r>
-          </a:p>
-          <a:p>
-            <a:pPr lvl="1">
-              <a:buClr>
-                <a:srgbClr val="666666"/>
-              </a:buClr>
-              <a:buSzPct val="45000"/>
-              <a:buFont typeface="StarSymbol"/>
-              <a:buChar char="●"/>
-            </a:pPr>
-            <a:r>
-              <a:rPr lang="en-US" dirty="0"/>
-              <a:t>Paint </a:t>
-            </a:r>
-            <a:r>
-              <a:rPr lang="en-US" dirty="0">
-                <a:sym typeface="Wingdings" panose="05000000000000000000" pitchFamily="2" charset="2"/>
-              </a:rPr>
-              <a:t></a:t>
-            </a:r>
-            <a:endParaRPr lang="af-ZA" u="sng" dirty="0">
-              <a:hlinkClick r:id="rId4"/>
-            </a:endParaRPr>
-          </a:p>
-          <a:p>
-            <a:pPr marL="0" indent="0">
-              <a:buNone/>
-            </a:pPr>
-            <a:endParaRPr lang="ru-RU" dirty="0">
-              <a:solidFill>
-                <a:srgbClr val="000000"/>
-              </a:solidFill>
-              <a:ea typeface="DejaVu Sans" pitchFamily="2"/>
-              <a:cs typeface="DejaVu Sans" pitchFamily="2"/>
-            </a:endParaRPr>
-          </a:p>
-        </p:txBody>
-      </p:sp>
-    </p:spTree>
-    <p:extLst>
-      <p:ext uri="{BB962C8B-B14F-4D97-AF65-F5344CB8AC3E}">
-        <p14:creationId xmlns:p14="http://schemas.microsoft.com/office/powerpoint/2010/main" val="313137260"/>
+        <p14:creationId xmlns:p14="http://schemas.microsoft.com/office/powerpoint/2010/main" val="3258008965"/>
       </p:ext>
     </p:extLst>
   </p:cSld>
@@ -5172,6 +6463,578 @@
           <p:cNvPr id="2" name="Title 1">
             <a:extLst>
               <a:ext uri="{FF2B5EF4-FFF2-40B4-BE49-F238E27FC236}">
+                <a16:creationId xmlns:a16="http://schemas.microsoft.com/office/drawing/2014/main" id="{74ED2800-BE23-482A-B152-A72BC607E8B0}"/>
+              </a:ext>
+            </a:extLst>
+          </p:cNvPr>
+          <p:cNvSpPr>
+            <a:spLocks noGrp="1"/>
+          </p:cNvSpPr>
+          <p:nvPr>
+            <p:ph type="title"/>
+          </p:nvPr>
+        </p:nvSpPr>
+        <p:spPr>
+          <a:xfrm>
+            <a:off x="1066800" y="2379779"/>
+            <a:ext cx="10058400" cy="1609344"/>
+          </a:xfrm>
+        </p:spPr>
+        <p:txBody>
+          <a:bodyPr>
+            <a:normAutofit/>
+          </a:bodyPr>
+          <a:lstStyle/>
+          <a:p>
+            <a:r>
+              <a:rPr lang="ru-RU" dirty="0">
+                <a:ea typeface="DejaVu Sans" pitchFamily="2"/>
+                <a:cs typeface="DejaVu Sans" pitchFamily="2"/>
+              </a:rPr>
+              <a:t>Примеры реализации </a:t>
+            </a:r>
+            <a:r>
+              <a:rPr lang="en-US" dirty="0">
+                <a:ea typeface="DejaVu Sans" pitchFamily="2"/>
+                <a:cs typeface="DejaVu Sans" pitchFamily="2"/>
+              </a:rPr>
+              <a:t>DWH</a:t>
+            </a:r>
+            <a:endParaRPr lang="ru-RU" dirty="0"/>
+          </a:p>
+        </p:txBody>
+      </p:sp>
+    </p:spTree>
+    <p:extLst>
+      <p:ext uri="{BB962C8B-B14F-4D97-AF65-F5344CB8AC3E}">
+        <p14:creationId xmlns:p14="http://schemas.microsoft.com/office/powerpoint/2010/main" val="3891765032"/>
+      </p:ext>
+    </p:extLst>
+  </p:cSld>
+  <p:clrMapOvr>
+    <a:masterClrMapping/>
+  </p:clrMapOvr>
+</p:sld>
+</file>
+
+<file path=ppt/slides/slide14.xml><?xml version="1.0" encoding="utf-8"?>
+<p:sld xmlns:a="http://schemas.openxmlformats.org/drawingml/2006/main" xmlns:r="http://schemas.openxmlformats.org/officeDocument/2006/relationships" xmlns:p="http://schemas.openxmlformats.org/presentationml/2006/main">
+  <p:cSld>
+    <p:spTree>
+      <p:nvGrpSpPr>
+        <p:cNvPr id="1" name=""/>
+        <p:cNvGrpSpPr/>
+        <p:nvPr/>
+      </p:nvGrpSpPr>
+      <p:grpSpPr>
+        <a:xfrm>
+          <a:off x="0" y="0"/>
+          <a:ext cx="0" cy="0"/>
+          <a:chOff x="0" y="0"/>
+          <a:chExt cx="0" cy="0"/>
+        </a:xfrm>
+      </p:grpSpPr>
+      <p:sp>
+        <p:nvSpPr>
+          <p:cNvPr id="2" name="Title 1">
+            <a:extLst>
+              <a:ext uri="{FF2B5EF4-FFF2-40B4-BE49-F238E27FC236}">
+                <a16:creationId xmlns:a16="http://schemas.microsoft.com/office/drawing/2014/main" id="{0A360333-1773-4BC9-AAFD-DC37A8C9B06D}"/>
+              </a:ext>
+            </a:extLst>
+          </p:cNvPr>
+          <p:cNvSpPr>
+            <a:spLocks noGrp="1"/>
+          </p:cNvSpPr>
+          <p:nvPr>
+            <p:ph type="title"/>
+          </p:nvPr>
+        </p:nvSpPr>
+        <p:spPr>
+          <a:xfrm>
+            <a:off x="1069848" y="484632"/>
+            <a:ext cx="10058400" cy="1078354"/>
+          </a:xfrm>
+        </p:spPr>
+        <p:txBody>
+          <a:bodyPr/>
+          <a:lstStyle/>
+          <a:p>
+            <a:r>
+              <a:rPr lang="en-US" dirty="0" err="1"/>
+              <a:t>Lamoda</a:t>
+            </a:r>
+            <a:r>
+              <a:rPr lang="en-US" dirty="0"/>
+              <a:t> DWH</a:t>
+            </a:r>
+            <a:endParaRPr lang="ru-RU" dirty="0"/>
+          </a:p>
+        </p:txBody>
+      </p:sp>
+      <p:sp>
+        <p:nvSpPr>
+          <p:cNvPr id="3" name="Content Placeholder 2">
+            <a:extLst>
+              <a:ext uri="{FF2B5EF4-FFF2-40B4-BE49-F238E27FC236}">
+                <a16:creationId xmlns:a16="http://schemas.microsoft.com/office/drawing/2014/main" id="{5F73E6C6-0EEC-4C91-BF63-A0969D106BED}"/>
+              </a:ext>
+            </a:extLst>
+          </p:cNvPr>
+          <p:cNvSpPr>
+            <a:spLocks noGrp="1"/>
+          </p:cNvSpPr>
+          <p:nvPr>
+            <p:ph idx="1"/>
+          </p:nvPr>
+        </p:nvSpPr>
+        <p:spPr>
+          <a:xfrm>
+            <a:off x="834903" y="6009203"/>
+            <a:ext cx="10522193" cy="728330"/>
+          </a:xfrm>
+        </p:spPr>
+        <p:txBody>
+          <a:bodyPr>
+            <a:normAutofit/>
+          </a:bodyPr>
+          <a:lstStyle/>
+          <a:p>
+            <a:pPr marL="0" indent="0">
+              <a:buNone/>
+            </a:pPr>
+            <a:r>
+              <a:rPr lang="ru-RU" sz="1400" dirty="0"/>
+              <a:t>Источник:</a:t>
+            </a:r>
+          </a:p>
+          <a:p>
+            <a:pPr marL="0" indent="0">
+              <a:buNone/>
+            </a:pPr>
+            <a:r>
+              <a:rPr lang="af-ZA" sz="1400" dirty="0">
+                <a:hlinkClick r:id="rId2"/>
+              </a:rPr>
+              <a:t>https://habr.com/ru/companies/lamoda/articles/595811/</a:t>
+            </a:r>
+            <a:r>
+              <a:rPr lang="af-ZA" sz="1400" dirty="0"/>
+              <a:t> </a:t>
+            </a:r>
+            <a:endParaRPr lang="ru-RU" sz="1400" dirty="0"/>
+          </a:p>
+        </p:txBody>
+      </p:sp>
+      <p:pic>
+        <p:nvPicPr>
+          <p:cNvPr id="1028" name="Picture 4" descr="https://habrastorage.org/getpro/habr/upload_files/757/7d6/cb4/7577d6cb4133bb7982ae799965bbd392.png">
+            <a:extLst>
+              <a:ext uri="{FF2B5EF4-FFF2-40B4-BE49-F238E27FC236}">
+                <a16:creationId xmlns:a16="http://schemas.microsoft.com/office/drawing/2014/main" id="{7DCE8735-EC7C-45FF-A284-8154943917A5}"/>
+              </a:ext>
+            </a:extLst>
+          </p:cNvPr>
+          <p:cNvPicPr>
+            <a:picLocks noChangeAspect="1" noChangeArrowheads="1"/>
+          </p:cNvPicPr>
+          <p:nvPr/>
+        </p:nvPicPr>
+        <p:blipFill>
+          <a:blip r:embed="rId3">
+            <a:extLst>
+              <a:ext uri="{28A0092B-C50C-407E-A947-70E740481C1C}">
+                <a14:useLocalDpi xmlns:a14="http://schemas.microsoft.com/office/drawing/2010/main" val="0"/>
+              </a:ext>
+            </a:extLst>
+          </a:blip>
+          <a:srcRect/>
+          <a:stretch>
+            <a:fillRect/>
+          </a:stretch>
+        </p:blipFill>
+        <p:spPr bwMode="auto">
+          <a:xfrm>
+            <a:off x="1157139" y="1371600"/>
+            <a:ext cx="8908653" cy="4637603"/>
+          </a:xfrm>
+          <a:prstGeom prst="rect">
+            <a:avLst/>
+          </a:prstGeom>
+          <a:noFill/>
+          <a:extLst>
+            <a:ext uri="{909E8E84-426E-40DD-AFC4-6F175D3DCCD1}">
+              <a14:hiddenFill xmlns:a14="http://schemas.microsoft.com/office/drawing/2010/main">
+                <a:solidFill>
+                  <a:srgbClr val="FFFFFF"/>
+                </a:solidFill>
+              </a14:hiddenFill>
+            </a:ext>
+          </a:extLst>
+        </p:spPr>
+      </p:pic>
+    </p:spTree>
+    <p:extLst>
+      <p:ext uri="{BB962C8B-B14F-4D97-AF65-F5344CB8AC3E}">
+        <p14:creationId xmlns:p14="http://schemas.microsoft.com/office/powerpoint/2010/main" val="1560658472"/>
+      </p:ext>
+    </p:extLst>
+  </p:cSld>
+  <p:clrMapOvr>
+    <a:masterClrMapping/>
+  </p:clrMapOvr>
+</p:sld>
+</file>
+
+<file path=ppt/slides/slide15.xml><?xml version="1.0" encoding="utf-8"?>
+<p:sld xmlns:a="http://schemas.openxmlformats.org/drawingml/2006/main" xmlns:r="http://schemas.openxmlformats.org/officeDocument/2006/relationships" xmlns:p="http://schemas.openxmlformats.org/presentationml/2006/main">
+  <p:cSld>
+    <p:spTree>
+      <p:nvGrpSpPr>
+        <p:cNvPr id="1" name=""/>
+        <p:cNvGrpSpPr/>
+        <p:nvPr/>
+      </p:nvGrpSpPr>
+      <p:grpSpPr>
+        <a:xfrm>
+          <a:off x="0" y="0"/>
+          <a:ext cx="0" cy="0"/>
+          <a:chOff x="0" y="0"/>
+          <a:chExt cx="0" cy="0"/>
+        </a:xfrm>
+      </p:grpSpPr>
+      <p:sp>
+        <p:nvSpPr>
+          <p:cNvPr id="2" name="Title 1">
+            <a:extLst>
+              <a:ext uri="{FF2B5EF4-FFF2-40B4-BE49-F238E27FC236}">
+                <a16:creationId xmlns:a16="http://schemas.microsoft.com/office/drawing/2014/main" id="{0A360333-1773-4BC9-AAFD-DC37A8C9B06D}"/>
+              </a:ext>
+            </a:extLst>
+          </p:cNvPr>
+          <p:cNvSpPr>
+            <a:spLocks noGrp="1"/>
+          </p:cNvSpPr>
+          <p:nvPr>
+            <p:ph type="title"/>
+          </p:nvPr>
+        </p:nvSpPr>
+        <p:spPr>
+          <a:xfrm>
+            <a:off x="1069848" y="484632"/>
+            <a:ext cx="10058400" cy="1078354"/>
+          </a:xfrm>
+        </p:spPr>
+        <p:txBody>
+          <a:bodyPr/>
+          <a:lstStyle/>
+          <a:p>
+            <a:r>
+              <a:rPr lang="en-US" dirty="0"/>
+              <a:t>Hoff DWH</a:t>
+            </a:r>
+            <a:endParaRPr lang="ru-RU" dirty="0"/>
+          </a:p>
+        </p:txBody>
+      </p:sp>
+      <p:sp>
+        <p:nvSpPr>
+          <p:cNvPr id="3" name="Content Placeholder 2">
+            <a:extLst>
+              <a:ext uri="{FF2B5EF4-FFF2-40B4-BE49-F238E27FC236}">
+                <a16:creationId xmlns:a16="http://schemas.microsoft.com/office/drawing/2014/main" id="{5F73E6C6-0EEC-4C91-BF63-A0969D106BED}"/>
+              </a:ext>
+            </a:extLst>
+          </p:cNvPr>
+          <p:cNvSpPr>
+            <a:spLocks noGrp="1"/>
+          </p:cNvSpPr>
+          <p:nvPr>
+            <p:ph idx="1"/>
+          </p:nvPr>
+        </p:nvSpPr>
+        <p:spPr>
+          <a:xfrm>
+            <a:off x="834903" y="6009203"/>
+            <a:ext cx="10522193" cy="728330"/>
+          </a:xfrm>
+        </p:spPr>
+        <p:txBody>
+          <a:bodyPr>
+            <a:normAutofit fontScale="70000" lnSpcReduction="20000"/>
+          </a:bodyPr>
+          <a:lstStyle/>
+          <a:p>
+            <a:pPr marL="0" indent="0">
+              <a:buNone/>
+            </a:pPr>
+            <a:r>
+              <a:rPr lang="ru-RU" dirty="0"/>
+              <a:t>Источник:</a:t>
+            </a:r>
+          </a:p>
+          <a:p>
+            <a:pPr marL="0" indent="0">
+              <a:buNone/>
+            </a:pPr>
+            <a:r>
+              <a:rPr lang="af-ZA" dirty="0">
+                <a:hlinkClick r:id="rId2"/>
+              </a:rPr>
+              <a:t>https://vc.ru/services/607637-keys-hoff-kak-biznesu-poluchit-maksimum-ot-dannyh-dlya-produktovoy-analitiki-i-digital-marketinga</a:t>
+            </a:r>
+            <a:r>
+              <a:rPr lang="ru-RU" dirty="0"/>
+              <a:t> </a:t>
+            </a:r>
+          </a:p>
+        </p:txBody>
+      </p:sp>
+      <p:pic>
+        <p:nvPicPr>
+          <p:cNvPr id="1026" name="Picture 2" descr="https://leonardo.osnova.io/d03b844a-fd3a-53ba-8e24-4dec712283e7/">
+            <a:extLst>
+              <a:ext uri="{FF2B5EF4-FFF2-40B4-BE49-F238E27FC236}">
+                <a16:creationId xmlns:a16="http://schemas.microsoft.com/office/drawing/2014/main" id="{FA6EF378-A176-42B4-92CF-6543B361CAEC}"/>
+              </a:ext>
+            </a:extLst>
+          </p:cNvPr>
+          <p:cNvPicPr>
+            <a:picLocks noChangeAspect="1" noChangeArrowheads="1"/>
+          </p:cNvPicPr>
+          <p:nvPr/>
+        </p:nvPicPr>
+        <p:blipFill rotWithShape="1">
+          <a:blip r:embed="rId3">
+            <a:extLst>
+              <a:ext uri="{28A0092B-C50C-407E-A947-70E740481C1C}">
+                <a14:useLocalDpi xmlns:a14="http://schemas.microsoft.com/office/drawing/2010/main" val="0"/>
+              </a:ext>
+            </a:extLst>
+          </a:blip>
+          <a:srcRect l="3901" t="19411" r="3555" b="18448"/>
+          <a:stretch/>
+        </p:blipFill>
+        <p:spPr bwMode="auto">
+          <a:xfrm>
+            <a:off x="1254642" y="1562986"/>
+            <a:ext cx="9728791" cy="4082902"/>
+          </a:xfrm>
+          <a:prstGeom prst="rect">
+            <a:avLst/>
+          </a:prstGeom>
+          <a:noFill/>
+          <a:extLst>
+            <a:ext uri="{909E8E84-426E-40DD-AFC4-6F175D3DCCD1}">
+              <a14:hiddenFill xmlns:a14="http://schemas.microsoft.com/office/drawing/2010/main">
+                <a:solidFill>
+                  <a:srgbClr val="FFFFFF"/>
+                </a:solidFill>
+              </a14:hiddenFill>
+            </a:ext>
+          </a:extLst>
+        </p:spPr>
+      </p:pic>
+    </p:spTree>
+    <p:extLst>
+      <p:ext uri="{BB962C8B-B14F-4D97-AF65-F5344CB8AC3E}">
+        <p14:creationId xmlns:p14="http://schemas.microsoft.com/office/powerpoint/2010/main" val="3766441500"/>
+      </p:ext>
+    </p:extLst>
+  </p:cSld>
+  <p:clrMapOvr>
+    <a:masterClrMapping/>
+  </p:clrMapOvr>
+</p:sld>
+</file>
+
+<file path=ppt/slides/slide16.xml><?xml version="1.0" encoding="utf-8"?>
+<p:sld xmlns:a="http://schemas.openxmlformats.org/drawingml/2006/main" xmlns:r="http://schemas.openxmlformats.org/officeDocument/2006/relationships" xmlns:p="http://schemas.openxmlformats.org/presentationml/2006/main">
+  <p:cSld>
+    <p:spTree>
+      <p:nvGrpSpPr>
+        <p:cNvPr id="1" name=""/>
+        <p:cNvGrpSpPr/>
+        <p:nvPr/>
+      </p:nvGrpSpPr>
+      <p:grpSpPr>
+        <a:xfrm>
+          <a:off x="0" y="0"/>
+          <a:ext cx="0" cy="0"/>
+          <a:chOff x="0" y="0"/>
+          <a:chExt cx="0" cy="0"/>
+        </a:xfrm>
+      </p:grpSpPr>
+      <p:sp>
+        <p:nvSpPr>
+          <p:cNvPr id="2" name="Title 1">
+            <a:extLst>
+              <a:ext uri="{FF2B5EF4-FFF2-40B4-BE49-F238E27FC236}">
+                <a16:creationId xmlns:a16="http://schemas.microsoft.com/office/drawing/2014/main" id="{0A360333-1773-4BC9-AAFD-DC37A8C9B06D}"/>
+              </a:ext>
+            </a:extLst>
+          </p:cNvPr>
+          <p:cNvSpPr>
+            <a:spLocks noGrp="1"/>
+          </p:cNvSpPr>
+          <p:nvPr>
+            <p:ph type="title"/>
+          </p:nvPr>
+        </p:nvSpPr>
+        <p:spPr>
+          <a:xfrm>
+            <a:off x="1069848" y="484632"/>
+            <a:ext cx="10058400" cy="1078354"/>
+          </a:xfrm>
+        </p:spPr>
+        <p:txBody>
+          <a:bodyPr/>
+          <a:lstStyle/>
+          <a:p>
+            <a:r>
+              <a:rPr lang="en-US" dirty="0"/>
+              <a:t>VTB DWH</a:t>
+            </a:r>
+            <a:endParaRPr lang="ru-RU" dirty="0"/>
+          </a:p>
+        </p:txBody>
+      </p:sp>
+      <p:sp>
+        <p:nvSpPr>
+          <p:cNvPr id="3" name="Content Placeholder 2">
+            <a:extLst>
+              <a:ext uri="{FF2B5EF4-FFF2-40B4-BE49-F238E27FC236}">
+                <a16:creationId xmlns:a16="http://schemas.microsoft.com/office/drawing/2014/main" id="{5F73E6C6-0EEC-4C91-BF63-A0969D106BED}"/>
+              </a:ext>
+            </a:extLst>
+          </p:cNvPr>
+          <p:cNvSpPr>
+            <a:spLocks noGrp="1"/>
+          </p:cNvSpPr>
+          <p:nvPr>
+            <p:ph idx="1"/>
+          </p:nvPr>
+        </p:nvSpPr>
+        <p:spPr>
+          <a:xfrm>
+            <a:off x="175685" y="6057663"/>
+            <a:ext cx="10522193" cy="728330"/>
+          </a:xfrm>
+        </p:spPr>
+        <p:txBody>
+          <a:bodyPr>
+            <a:normAutofit/>
+          </a:bodyPr>
+          <a:lstStyle/>
+          <a:p>
+            <a:pPr marL="0" indent="0">
+              <a:buNone/>
+            </a:pPr>
+            <a:r>
+              <a:rPr lang="ru-RU" sz="1200" dirty="0"/>
+              <a:t>Источник:</a:t>
+            </a:r>
+          </a:p>
+          <a:p>
+            <a:pPr marL="0" indent="0">
+              <a:buNone/>
+            </a:pPr>
+            <a:r>
+              <a:rPr lang="af-ZA" sz="1200" dirty="0">
+                <a:hlinkClick r:id="rId2"/>
+              </a:rPr>
+              <a:t>https://habr.com/ru/companies/vtb/articles/553644/</a:t>
+            </a:r>
+            <a:r>
+              <a:rPr lang="af-ZA" sz="1200" dirty="0"/>
+              <a:t> </a:t>
+            </a:r>
+            <a:endParaRPr lang="ru-RU" sz="1200" dirty="0"/>
+          </a:p>
+        </p:txBody>
+      </p:sp>
+      <p:pic>
+        <p:nvPicPr>
+          <p:cNvPr id="2050" name="Picture 2" descr="https://habrastorage.org/getpro/habr/upload_files/86c/ced/8a4/86cced8a458430bfdcf7adb88276e003.png">
+            <a:extLst>
+              <a:ext uri="{FF2B5EF4-FFF2-40B4-BE49-F238E27FC236}">
+                <a16:creationId xmlns:a16="http://schemas.microsoft.com/office/drawing/2014/main" id="{F385ADB7-5390-486A-B1B0-5927A902B9F8}"/>
+              </a:ext>
+            </a:extLst>
+          </p:cNvPr>
+          <p:cNvPicPr>
+            <a:picLocks noChangeAspect="1" noChangeArrowheads="1"/>
+          </p:cNvPicPr>
+          <p:nvPr/>
+        </p:nvPicPr>
+        <p:blipFill>
+          <a:blip r:embed="rId3">
+            <a:extLst>
+              <a:ext uri="{28A0092B-C50C-407E-A947-70E740481C1C}">
+                <a14:useLocalDpi xmlns:a14="http://schemas.microsoft.com/office/drawing/2010/main" val="0"/>
+              </a:ext>
+            </a:extLst>
+          </a:blip>
+          <a:srcRect/>
+          <a:stretch>
+            <a:fillRect/>
+          </a:stretch>
+        </p:blipFill>
+        <p:spPr bwMode="auto">
+          <a:xfrm>
+            <a:off x="1158948" y="1336447"/>
+            <a:ext cx="9963204" cy="4879116"/>
+          </a:xfrm>
+          <a:prstGeom prst="rect">
+            <a:avLst/>
+          </a:prstGeom>
+          <a:noFill/>
+          <a:extLst>
+            <a:ext uri="{909E8E84-426E-40DD-AFC4-6F175D3DCCD1}">
+              <a14:hiddenFill xmlns:a14="http://schemas.microsoft.com/office/drawing/2010/main">
+                <a:solidFill>
+                  <a:srgbClr val="FFFFFF"/>
+                </a:solidFill>
+              </a14:hiddenFill>
+            </a:ext>
+          </a:extLst>
+        </p:spPr>
+      </p:pic>
+    </p:spTree>
+    <p:extLst>
+      <p:ext uri="{BB962C8B-B14F-4D97-AF65-F5344CB8AC3E}">
+        <p14:creationId xmlns:p14="http://schemas.microsoft.com/office/powerpoint/2010/main" val="1599750967"/>
+      </p:ext>
+    </p:extLst>
+  </p:cSld>
+  <p:clrMapOvr>
+    <a:masterClrMapping/>
+  </p:clrMapOvr>
+</p:sld>
+</file>
+
+<file path=ppt/slides/slide17.xml><?xml version="1.0" encoding="utf-8"?>
+<p:sld xmlns:a="http://schemas.openxmlformats.org/drawingml/2006/main" xmlns:r="http://schemas.openxmlformats.org/officeDocument/2006/relationships" xmlns:p="http://schemas.openxmlformats.org/presentationml/2006/main">
+  <p:cSld>
+    <p:spTree>
+      <p:nvGrpSpPr>
+        <p:cNvPr id="1" name=""/>
+        <p:cNvGrpSpPr/>
+        <p:nvPr/>
+      </p:nvGrpSpPr>
+      <p:grpSpPr>
+        <a:xfrm>
+          <a:off x="0" y="0"/>
+          <a:ext cx="0" cy="0"/>
+          <a:chOff x="0" y="0"/>
+          <a:chExt cx="0" cy="0"/>
+        </a:xfrm>
+      </p:grpSpPr>
+      <p:sp>
+        <p:nvSpPr>
+          <p:cNvPr id="2" name="Title 1">
+            <a:extLst>
+              <a:ext uri="{FF2B5EF4-FFF2-40B4-BE49-F238E27FC236}">
                 <a16:creationId xmlns:a16="http://schemas.microsoft.com/office/drawing/2014/main" id="{4BD741BA-2175-49CF-B794-433D65D1439F}"/>
               </a:ext>
             </a:extLst>
@@ -5183,7 +7046,12 @@
             <p:ph type="title"/>
           </p:nvPr>
         </p:nvSpPr>
-        <p:spPr/>
+        <p:spPr>
+          <a:xfrm>
+            <a:off x="1066800" y="2368296"/>
+            <a:ext cx="10058400" cy="1609344"/>
+          </a:xfrm>
+        </p:spPr>
         <p:txBody>
           <a:bodyPr>
             <a:normAutofit/>
@@ -5191,11 +7059,75 @@
           <a:lstStyle/>
           <a:p>
             <a:r>
+              <a:rPr lang="ru-RU" dirty="0">
+                <a:ea typeface="DejaVu Sans" pitchFamily="2"/>
+                <a:cs typeface="DejaVu Sans" pitchFamily="2"/>
+              </a:rPr>
+              <a:t>Практика</a:t>
+            </a:r>
+            <a:endParaRPr lang="ru-RU" dirty="0"/>
+          </a:p>
+        </p:txBody>
+      </p:sp>
+    </p:spTree>
+    <p:extLst>
+      <p:ext uri="{BB962C8B-B14F-4D97-AF65-F5344CB8AC3E}">
+        <p14:creationId xmlns:p14="http://schemas.microsoft.com/office/powerpoint/2010/main" val="2433729984"/>
+      </p:ext>
+    </p:extLst>
+  </p:cSld>
+  <p:clrMapOvr>
+    <a:masterClrMapping/>
+  </p:clrMapOvr>
+</p:sld>
+</file>
+
+<file path=ppt/slides/slide18.xml><?xml version="1.0" encoding="utf-8"?>
+<p:sld xmlns:a="http://schemas.openxmlformats.org/drawingml/2006/main" xmlns:r="http://schemas.openxmlformats.org/officeDocument/2006/relationships" xmlns:p="http://schemas.openxmlformats.org/presentationml/2006/main">
+  <p:cSld>
+    <p:spTree>
+      <p:nvGrpSpPr>
+        <p:cNvPr id="1" name=""/>
+        <p:cNvGrpSpPr/>
+        <p:nvPr/>
+      </p:nvGrpSpPr>
+      <p:grpSpPr>
+        <a:xfrm>
+          <a:off x="0" y="0"/>
+          <a:ext cx="0" cy="0"/>
+          <a:chOff x="0" y="0"/>
+          <a:chExt cx="0" cy="0"/>
+        </a:xfrm>
+      </p:grpSpPr>
+      <p:sp>
+        <p:nvSpPr>
+          <p:cNvPr id="2" name="Title 1">
+            <a:extLst>
+              <a:ext uri="{FF2B5EF4-FFF2-40B4-BE49-F238E27FC236}">
+                <a16:creationId xmlns:a16="http://schemas.microsoft.com/office/drawing/2014/main" id="{4BD741BA-2175-49CF-B794-433D65D1439F}"/>
+              </a:ext>
+            </a:extLst>
+          </p:cNvPr>
+          <p:cNvSpPr>
+            <a:spLocks noGrp="1"/>
+          </p:cNvSpPr>
+          <p:nvPr>
+            <p:ph type="title"/>
+          </p:nvPr>
+        </p:nvSpPr>
+        <p:spPr/>
+        <p:txBody>
+          <a:bodyPr>
+            <a:normAutofit/>
+          </a:bodyPr>
+          <a:lstStyle/>
+          <a:p>
+            <a:r>
               <a:rPr lang="ru-RU" sz="4400" dirty="0">
                 <a:ea typeface="DejaVu Sans" pitchFamily="2"/>
                 <a:cs typeface="DejaVu Sans" pitchFamily="2"/>
               </a:rPr>
-              <a:t>Работа в группах</a:t>
+              <a:t>Подготовка</a:t>
             </a:r>
             <a:endParaRPr lang="ru-RU" sz="4400" dirty="0"/>
           </a:p>
@@ -5231,6 +7163,257 @@
               <a:buChar char="●"/>
             </a:pPr>
             <a:r>
+              <a:rPr lang="ru-RU" dirty="0"/>
+              <a:t>Скачать </a:t>
+            </a:r>
+            <a:r>
+              <a:rPr lang="ru-RU" dirty="0" err="1"/>
+              <a:t>репозиторий</a:t>
+            </a:r>
+            <a:r>
+              <a:rPr lang="ru-RU" dirty="0"/>
+              <a:t>:</a:t>
+            </a:r>
+            <a:br>
+              <a:rPr lang="ru-RU" dirty="0"/>
+            </a:br>
+            <a:r>
+              <a:rPr lang="ru-RU" dirty="0">
+                <a:hlinkClick r:id="rId2"/>
+              </a:rPr>
+              <a:t>https://github.com/Minastirise/workshop_dwh_design</a:t>
+            </a:r>
+            <a:endParaRPr lang="ru-RU" dirty="0"/>
+          </a:p>
+          <a:p>
+            <a:pPr lvl="0">
+              <a:buClr>
+                <a:srgbClr val="666666"/>
+              </a:buClr>
+              <a:buSzPct val="45000"/>
+              <a:buFont typeface="StarSymbol"/>
+              <a:buChar char="●"/>
+            </a:pPr>
+            <a:r>
+              <a:rPr lang="ru-RU" dirty="0"/>
+              <a:t>Выполнить действия из README.md</a:t>
+            </a:r>
+          </a:p>
+          <a:p>
+            <a:pPr lvl="0">
+              <a:buClr>
+                <a:srgbClr val="666666"/>
+              </a:buClr>
+              <a:buSzPct val="45000"/>
+              <a:buFont typeface="StarSymbol"/>
+              <a:buChar char="●"/>
+            </a:pPr>
+            <a:r>
+              <a:rPr lang="ru-RU" dirty="0">
+                <a:solidFill>
+                  <a:srgbClr val="000000"/>
+                </a:solidFill>
+                <a:ea typeface="DejaVu Sans" pitchFamily="2"/>
+                <a:cs typeface="DejaVu Sans" pitchFamily="2"/>
+              </a:rPr>
+              <a:t>Иметь под рукой инструмент для составления </a:t>
+            </a:r>
+            <a:r>
+              <a:rPr lang="en-US" dirty="0">
+                <a:solidFill>
+                  <a:srgbClr val="000000"/>
+                </a:solidFill>
+                <a:ea typeface="DejaVu Sans" pitchFamily="2"/>
+                <a:cs typeface="DejaVu Sans" pitchFamily="2"/>
+              </a:rPr>
+              <a:t>ER</a:t>
+            </a:r>
+            <a:r>
+              <a:rPr lang="ru-RU" dirty="0">
+                <a:solidFill>
+                  <a:srgbClr val="000000"/>
+                </a:solidFill>
+                <a:ea typeface="DejaVu Sans" pitchFamily="2"/>
+                <a:cs typeface="DejaVu Sans" pitchFamily="2"/>
+              </a:rPr>
+              <a:t>-диаграмм:</a:t>
+            </a:r>
+          </a:p>
+          <a:p>
+            <a:pPr lvl="1">
+              <a:buClr>
+                <a:srgbClr val="666666"/>
+              </a:buClr>
+              <a:buSzPct val="45000"/>
+              <a:buFont typeface="StarSymbol"/>
+              <a:buChar char="●"/>
+            </a:pPr>
+            <a:r>
+              <a:rPr lang="af-ZA" dirty="0">
+                <a:solidFill>
+                  <a:srgbClr val="000000"/>
+                </a:solidFill>
+                <a:ea typeface="DejaVu Sans" pitchFamily="2"/>
+                <a:cs typeface="DejaVu Sans" pitchFamily="2"/>
+                <a:hlinkClick r:id="rId3"/>
+              </a:rPr>
+              <a:t>https://draw.io/</a:t>
+            </a:r>
+            <a:endParaRPr lang="af-ZA" dirty="0">
+              <a:solidFill>
+                <a:srgbClr val="000000"/>
+              </a:solidFill>
+              <a:ea typeface="DejaVu Sans" pitchFamily="2"/>
+              <a:cs typeface="DejaVu Sans" pitchFamily="2"/>
+            </a:endParaRPr>
+          </a:p>
+          <a:p>
+            <a:pPr lvl="1">
+              <a:buClr>
+                <a:srgbClr val="666666"/>
+              </a:buClr>
+              <a:buSzPct val="45000"/>
+              <a:buFont typeface="StarSymbol"/>
+              <a:buChar char="●"/>
+            </a:pPr>
+            <a:r>
+              <a:rPr lang="af-ZA" u="sng" dirty="0">
+                <a:hlinkClick r:id="rId4"/>
+              </a:rPr>
+              <a:t>https://www.gliffy.com</a:t>
+            </a:r>
+          </a:p>
+          <a:p>
+            <a:pPr lvl="1">
+              <a:buClr>
+                <a:srgbClr val="666666"/>
+              </a:buClr>
+              <a:buSzPct val="45000"/>
+              <a:buFont typeface="StarSymbol"/>
+              <a:buChar char="●"/>
+            </a:pPr>
+            <a:r>
+              <a:rPr lang="en-US" dirty="0"/>
+              <a:t>Paint </a:t>
+            </a:r>
+            <a:r>
+              <a:rPr lang="en-US" dirty="0">
+                <a:sym typeface="Wingdings" panose="05000000000000000000" pitchFamily="2" charset="2"/>
+              </a:rPr>
+              <a:t></a:t>
+            </a:r>
+            <a:endParaRPr lang="af-ZA" u="sng" dirty="0">
+              <a:hlinkClick r:id="rId4"/>
+            </a:endParaRPr>
+          </a:p>
+          <a:p>
+            <a:pPr marL="0" indent="0">
+              <a:buNone/>
+            </a:pPr>
+            <a:endParaRPr lang="ru-RU" dirty="0">
+              <a:solidFill>
+                <a:srgbClr val="000000"/>
+              </a:solidFill>
+              <a:ea typeface="DejaVu Sans" pitchFamily="2"/>
+              <a:cs typeface="DejaVu Sans" pitchFamily="2"/>
+            </a:endParaRPr>
+          </a:p>
+        </p:txBody>
+      </p:sp>
+    </p:spTree>
+    <p:extLst>
+      <p:ext uri="{BB962C8B-B14F-4D97-AF65-F5344CB8AC3E}">
+        <p14:creationId xmlns:p14="http://schemas.microsoft.com/office/powerpoint/2010/main" val="313137260"/>
+      </p:ext>
+    </p:extLst>
+  </p:cSld>
+  <p:clrMapOvr>
+    <a:masterClrMapping/>
+  </p:clrMapOvr>
+</p:sld>
+</file>
+
+<file path=ppt/slides/slide19.xml><?xml version="1.0" encoding="utf-8"?>
+<p:sld xmlns:a="http://schemas.openxmlformats.org/drawingml/2006/main" xmlns:r="http://schemas.openxmlformats.org/officeDocument/2006/relationships" xmlns:p="http://schemas.openxmlformats.org/presentationml/2006/main" show="0">
+  <p:cSld>
+    <p:spTree>
+      <p:nvGrpSpPr>
+        <p:cNvPr id="1" name=""/>
+        <p:cNvGrpSpPr/>
+        <p:nvPr/>
+      </p:nvGrpSpPr>
+      <p:grpSpPr>
+        <a:xfrm>
+          <a:off x="0" y="0"/>
+          <a:ext cx="0" cy="0"/>
+          <a:chOff x="0" y="0"/>
+          <a:chExt cx="0" cy="0"/>
+        </a:xfrm>
+      </p:grpSpPr>
+      <p:sp>
+        <p:nvSpPr>
+          <p:cNvPr id="2" name="Title 1">
+            <a:extLst>
+              <a:ext uri="{FF2B5EF4-FFF2-40B4-BE49-F238E27FC236}">
+                <a16:creationId xmlns:a16="http://schemas.microsoft.com/office/drawing/2014/main" id="{4BD741BA-2175-49CF-B794-433D65D1439F}"/>
+              </a:ext>
+            </a:extLst>
+          </p:cNvPr>
+          <p:cNvSpPr>
+            <a:spLocks noGrp="1"/>
+          </p:cNvSpPr>
+          <p:nvPr>
+            <p:ph type="title"/>
+          </p:nvPr>
+        </p:nvSpPr>
+        <p:spPr/>
+        <p:txBody>
+          <a:bodyPr>
+            <a:normAutofit/>
+          </a:bodyPr>
+          <a:lstStyle/>
+          <a:p>
+            <a:r>
+              <a:rPr lang="ru-RU" sz="4400" dirty="0">
+                <a:ea typeface="DejaVu Sans" pitchFamily="2"/>
+                <a:cs typeface="DejaVu Sans" pitchFamily="2"/>
+              </a:rPr>
+              <a:t>Работа в группах</a:t>
+            </a:r>
+            <a:endParaRPr lang="ru-RU" sz="4400" dirty="0"/>
+          </a:p>
+        </p:txBody>
+      </p:sp>
+      <p:sp>
+        <p:nvSpPr>
+          <p:cNvPr id="3" name="Content Placeholder 2">
+            <a:extLst>
+              <a:ext uri="{FF2B5EF4-FFF2-40B4-BE49-F238E27FC236}">
+                <a16:creationId xmlns:a16="http://schemas.microsoft.com/office/drawing/2014/main" id="{4A6778CB-C88F-4AEF-902B-E0042B70C420}"/>
+              </a:ext>
+            </a:extLst>
+          </p:cNvPr>
+          <p:cNvSpPr>
+            <a:spLocks noGrp="1"/>
+          </p:cNvSpPr>
+          <p:nvPr>
+            <p:ph idx="1"/>
+          </p:nvPr>
+        </p:nvSpPr>
+        <p:spPr/>
+        <p:txBody>
+          <a:bodyPr/>
+          <a:lstStyle/>
+          <a:p>
+            <a:pPr lvl="0">
+              <a:buClr>
+                <a:srgbClr val="666666"/>
+              </a:buClr>
+              <a:buSzPct val="45000"/>
+              <a:buFont typeface="StarSymbol"/>
+              <a:buChar char="●"/>
+            </a:pPr>
+            <a:r>
               <a:rPr lang="ru-RU" dirty="0">
                 <a:solidFill>
                   <a:srgbClr val="000000"/>
@@ -5377,7 +7560,380 @@
 </p:sld>
 </file>
 
-<file path=ppt/slides/slide14.xml><?xml version="1.0" encoding="utf-8"?>
+<file path=ppt/slides/slide2.xml><?xml version="1.0" encoding="utf-8"?>
+<p:sld xmlns:a="http://schemas.openxmlformats.org/drawingml/2006/main" xmlns:r="http://schemas.openxmlformats.org/officeDocument/2006/relationships" xmlns:p="http://schemas.openxmlformats.org/presentationml/2006/main">
+  <p:cSld>
+    <p:spTree>
+      <p:nvGrpSpPr>
+        <p:cNvPr id="1" name=""/>
+        <p:cNvGrpSpPr/>
+        <p:nvPr/>
+      </p:nvGrpSpPr>
+      <p:grpSpPr>
+        <a:xfrm>
+          <a:off x="0" y="0"/>
+          <a:ext cx="0" cy="0"/>
+          <a:chOff x="0" y="0"/>
+          <a:chExt cx="0" cy="0"/>
+        </a:xfrm>
+      </p:grpSpPr>
+      <p:sp>
+        <p:nvSpPr>
+          <p:cNvPr id="2" name="Title 1">
+            <a:extLst>
+              <a:ext uri="{FF2B5EF4-FFF2-40B4-BE49-F238E27FC236}">
+                <a16:creationId xmlns:a16="http://schemas.microsoft.com/office/drawing/2014/main" id="{74ED2800-BE23-482A-B152-A72BC607E8B0}"/>
+              </a:ext>
+            </a:extLst>
+          </p:cNvPr>
+          <p:cNvSpPr>
+            <a:spLocks noGrp="1"/>
+          </p:cNvSpPr>
+          <p:nvPr>
+            <p:ph type="title"/>
+          </p:nvPr>
+        </p:nvSpPr>
+        <p:spPr/>
+        <p:txBody>
+          <a:bodyPr>
+            <a:normAutofit/>
+          </a:bodyPr>
+          <a:lstStyle/>
+          <a:p>
+            <a:r>
+              <a:rPr lang="ru-RU" sz="3200" dirty="0">
+                <a:ea typeface="DejaVu Sans" pitchFamily="2"/>
+                <a:cs typeface="DejaVu Sans" pitchFamily="2"/>
+              </a:rPr>
+              <a:t>Проектирование </a:t>
+            </a:r>
+            <a:r>
+              <a:rPr lang="en-US" sz="3200" dirty="0">
+                <a:ea typeface="DejaVu Sans" pitchFamily="2"/>
+                <a:cs typeface="DejaVu Sans" pitchFamily="2"/>
+              </a:rPr>
+              <a:t>DWH</a:t>
+            </a:r>
+            <a:br>
+              <a:rPr lang="ru-RU" dirty="0">
+                <a:ea typeface="DejaVu Sans" pitchFamily="2"/>
+                <a:cs typeface="DejaVu Sans" pitchFamily="2"/>
+              </a:rPr>
+            </a:br>
+            <a:r>
+              <a:rPr lang="ru-RU" sz="2400" dirty="0">
+                <a:ea typeface="DejaVu Sans" pitchFamily="2"/>
+                <a:cs typeface="DejaVu Sans" pitchFamily="2"/>
+              </a:rPr>
+              <a:t>План</a:t>
+            </a:r>
+            <a:endParaRPr lang="ru-RU" dirty="0"/>
+          </a:p>
+        </p:txBody>
+      </p:sp>
+      <p:sp>
+        <p:nvSpPr>
+          <p:cNvPr id="3" name="Content Placeholder 2">
+            <a:extLst>
+              <a:ext uri="{FF2B5EF4-FFF2-40B4-BE49-F238E27FC236}">
+                <a16:creationId xmlns:a16="http://schemas.microsoft.com/office/drawing/2014/main" id="{C15EB09F-B745-4151-9C07-58D16BCE98C4}"/>
+              </a:ext>
+            </a:extLst>
+          </p:cNvPr>
+          <p:cNvSpPr>
+            <a:spLocks noGrp="1"/>
+          </p:cNvSpPr>
+          <p:nvPr>
+            <p:ph idx="1"/>
+          </p:nvPr>
+        </p:nvSpPr>
+        <p:spPr>
+          <a:xfrm>
+            <a:off x="1451579" y="2015732"/>
+            <a:ext cx="9603275" cy="4125186"/>
+          </a:xfrm>
+        </p:spPr>
+        <p:txBody>
+          <a:bodyPr>
+            <a:normAutofit/>
+          </a:bodyPr>
+          <a:lstStyle/>
+          <a:p>
+            <a:pPr>
+              <a:buClr>
+                <a:srgbClr val="666666"/>
+              </a:buClr>
+              <a:buSzPct val="45000"/>
+            </a:pPr>
+            <a:r>
+              <a:rPr lang="en-US" dirty="0">
+                <a:solidFill>
+                  <a:srgbClr val="000000"/>
+                </a:solidFill>
+                <a:ea typeface="DejaVu Sans" pitchFamily="2"/>
+                <a:cs typeface="DejaVu Sans" pitchFamily="2"/>
+              </a:rPr>
+              <a:t>DWH vs </a:t>
+            </a:r>
+            <a:r>
+              <a:rPr lang="en-US" dirty="0" err="1">
+                <a:solidFill>
+                  <a:srgbClr val="000000"/>
+                </a:solidFill>
+                <a:ea typeface="DejaVu Sans" pitchFamily="2"/>
+                <a:cs typeface="DejaVu Sans" pitchFamily="2"/>
+              </a:rPr>
+              <a:t>DataLake</a:t>
+            </a:r>
+            <a:endParaRPr lang="en-US" dirty="0">
+              <a:solidFill>
+                <a:srgbClr val="000000"/>
+              </a:solidFill>
+              <a:ea typeface="DejaVu Sans" pitchFamily="2"/>
+              <a:cs typeface="DejaVu Sans" pitchFamily="2"/>
+            </a:endParaRPr>
+          </a:p>
+          <a:p>
+            <a:pPr>
+              <a:buClr>
+                <a:srgbClr val="666666"/>
+              </a:buClr>
+              <a:buSzPct val="45000"/>
+            </a:pPr>
+            <a:r>
+              <a:rPr lang="ru-RU" dirty="0">
+                <a:solidFill>
+                  <a:srgbClr val="000000"/>
+                </a:solidFill>
+                <a:ea typeface="DejaVu Sans" pitchFamily="2"/>
+                <a:cs typeface="DejaVu Sans" pitchFamily="2"/>
+              </a:rPr>
+              <a:t>Еще раз про слои: </a:t>
+            </a:r>
+            <a:r>
+              <a:rPr lang="ru-RU" dirty="0" err="1">
+                <a:solidFill>
+                  <a:srgbClr val="000000"/>
+                </a:solidFill>
+                <a:ea typeface="DejaVu Sans" pitchFamily="2"/>
+                <a:cs typeface="DejaVu Sans" pitchFamily="2"/>
+              </a:rPr>
+              <a:t>stg</a:t>
+            </a:r>
+            <a:r>
+              <a:rPr lang="ru-RU" dirty="0">
+                <a:solidFill>
+                  <a:srgbClr val="000000"/>
+                </a:solidFill>
+                <a:ea typeface="DejaVu Sans" pitchFamily="2"/>
+                <a:cs typeface="DejaVu Sans" pitchFamily="2"/>
+              </a:rPr>
+              <a:t>-&gt;</a:t>
+            </a:r>
+            <a:r>
+              <a:rPr lang="ru-RU" dirty="0" err="1">
+                <a:solidFill>
+                  <a:srgbClr val="000000"/>
+                </a:solidFill>
+                <a:ea typeface="DejaVu Sans" pitchFamily="2"/>
+                <a:cs typeface="DejaVu Sans" pitchFamily="2"/>
+              </a:rPr>
+              <a:t>ods</a:t>
+            </a:r>
+            <a:r>
+              <a:rPr lang="ru-RU" dirty="0">
+                <a:solidFill>
+                  <a:srgbClr val="000000"/>
+                </a:solidFill>
+                <a:ea typeface="DejaVu Sans" pitchFamily="2"/>
+                <a:cs typeface="DejaVu Sans" pitchFamily="2"/>
+              </a:rPr>
+              <a:t>-&gt;</a:t>
+            </a:r>
+            <a:r>
+              <a:rPr lang="ru-RU" dirty="0" err="1">
+                <a:solidFill>
+                  <a:srgbClr val="000000"/>
+                </a:solidFill>
+                <a:ea typeface="DejaVu Sans" pitchFamily="2"/>
+                <a:cs typeface="DejaVu Sans" pitchFamily="2"/>
+              </a:rPr>
+              <a:t>dds</a:t>
+            </a:r>
+            <a:r>
+              <a:rPr lang="ru-RU" dirty="0">
+                <a:solidFill>
+                  <a:srgbClr val="000000"/>
+                </a:solidFill>
+                <a:ea typeface="DejaVu Sans" pitchFamily="2"/>
+                <a:cs typeface="DejaVu Sans" pitchFamily="2"/>
+              </a:rPr>
+              <a:t>-&gt;</a:t>
+            </a:r>
+            <a:r>
+              <a:rPr lang="ru-RU" dirty="0" err="1">
+                <a:solidFill>
+                  <a:srgbClr val="000000"/>
+                </a:solidFill>
+                <a:ea typeface="DejaVu Sans" pitchFamily="2"/>
+                <a:cs typeface="DejaVu Sans" pitchFamily="2"/>
+              </a:rPr>
+              <a:t>cdm</a:t>
+            </a:r>
+            <a:r>
+              <a:rPr lang="ru-RU" dirty="0">
+                <a:solidFill>
+                  <a:srgbClr val="000000"/>
+                </a:solidFill>
+                <a:ea typeface="DejaVu Sans" pitchFamily="2"/>
+                <a:cs typeface="DejaVu Sans" pitchFamily="2"/>
+              </a:rPr>
+              <a:t>-&gt;</a:t>
+            </a:r>
+            <a:r>
+              <a:rPr lang="ru-RU" dirty="0" err="1">
+                <a:solidFill>
+                  <a:srgbClr val="000000"/>
+                </a:solidFill>
+                <a:ea typeface="DejaVu Sans" pitchFamily="2"/>
+                <a:cs typeface="DejaVu Sans" pitchFamily="2"/>
+              </a:rPr>
+              <a:t>rep</a:t>
+            </a:r>
+            <a:endParaRPr lang="en-US" dirty="0">
+              <a:solidFill>
+                <a:srgbClr val="000000"/>
+              </a:solidFill>
+              <a:ea typeface="DejaVu Sans" pitchFamily="2"/>
+              <a:cs typeface="DejaVu Sans" pitchFamily="2"/>
+            </a:endParaRPr>
+          </a:p>
+          <a:p>
+            <a:pPr>
+              <a:buClr>
+                <a:srgbClr val="666666"/>
+              </a:buClr>
+              <a:buSzPct val="45000"/>
+            </a:pPr>
+            <a:r>
+              <a:rPr lang="ru-RU" dirty="0">
+                <a:solidFill>
+                  <a:srgbClr val="000000"/>
+                </a:solidFill>
+                <a:ea typeface="DejaVu Sans" pitchFamily="2"/>
+                <a:cs typeface="DejaVu Sans" pitchFamily="2"/>
+              </a:rPr>
+              <a:t>Практика</a:t>
+            </a:r>
+          </a:p>
+          <a:p>
+            <a:pPr lvl="1">
+              <a:buClr>
+                <a:srgbClr val="666666"/>
+              </a:buClr>
+              <a:buSzPct val="45000"/>
+            </a:pPr>
+            <a:r>
+              <a:rPr lang="ru-RU" dirty="0">
+                <a:solidFill>
+                  <a:srgbClr val="000000"/>
+                </a:solidFill>
+                <a:ea typeface="DejaVu Sans" pitchFamily="2"/>
+                <a:cs typeface="DejaVu Sans" pitchFamily="2"/>
+              </a:rPr>
+              <a:t>Проектирование </a:t>
+            </a:r>
+            <a:r>
+              <a:rPr lang="en-US" dirty="0">
+                <a:solidFill>
+                  <a:srgbClr val="000000"/>
+                </a:solidFill>
+                <a:ea typeface="DejaVu Sans" pitchFamily="2"/>
+                <a:cs typeface="DejaVu Sans" pitchFamily="2"/>
+              </a:rPr>
+              <a:t>DWH</a:t>
+            </a:r>
+            <a:endParaRPr lang="ru-RU" dirty="0">
+              <a:solidFill>
+                <a:srgbClr val="000000"/>
+              </a:solidFill>
+              <a:ea typeface="DejaVu Sans" pitchFamily="2"/>
+              <a:cs typeface="DejaVu Sans" pitchFamily="2"/>
+            </a:endParaRPr>
+          </a:p>
+          <a:p>
+            <a:pPr lvl="1">
+              <a:buClr>
+                <a:srgbClr val="666666"/>
+              </a:buClr>
+              <a:buSzPct val="45000"/>
+            </a:pPr>
+            <a:r>
+              <a:rPr lang="ru-RU" dirty="0">
+                <a:solidFill>
+                  <a:srgbClr val="000000"/>
+                </a:solidFill>
+                <a:ea typeface="DejaVu Sans" pitchFamily="2"/>
+                <a:cs typeface="DejaVu Sans" pitchFamily="2"/>
+              </a:rPr>
+              <a:t>Реализация </a:t>
+            </a:r>
+            <a:r>
+              <a:rPr lang="en-US" dirty="0">
+                <a:solidFill>
+                  <a:srgbClr val="000000"/>
+                </a:solidFill>
+                <a:ea typeface="DejaVu Sans" pitchFamily="2"/>
+                <a:cs typeface="DejaVu Sans" pitchFamily="2"/>
+              </a:rPr>
+              <a:t>pipeline</a:t>
+            </a:r>
+            <a:r>
+              <a:rPr lang="ru-RU" dirty="0">
+                <a:solidFill>
+                  <a:srgbClr val="000000"/>
+                </a:solidFill>
+                <a:ea typeface="DejaVu Sans" pitchFamily="2"/>
+                <a:cs typeface="DejaVu Sans" pitchFamily="2"/>
+              </a:rPr>
+              <a:t> загрузки данных</a:t>
+            </a:r>
+          </a:p>
+          <a:p>
+            <a:pPr marL="0" lvl="0" indent="0">
+              <a:buClr>
+                <a:srgbClr val="666666"/>
+              </a:buClr>
+              <a:buSzPct val="45000"/>
+              <a:buNone/>
+            </a:pPr>
+            <a:endParaRPr lang="ru-RU" dirty="0">
+              <a:solidFill>
+                <a:srgbClr val="000000"/>
+              </a:solidFill>
+              <a:ea typeface="DejaVu Sans" pitchFamily="2"/>
+              <a:cs typeface="DejaVu Sans" pitchFamily="2"/>
+            </a:endParaRPr>
+          </a:p>
+          <a:p>
+            <a:endParaRPr lang="ru-RU" dirty="0"/>
+          </a:p>
+        </p:txBody>
+      </p:sp>
+    </p:spTree>
+    <p:extLst>
+      <p:ext uri="{BB962C8B-B14F-4D97-AF65-F5344CB8AC3E}">
+        <p14:creationId xmlns:p14="http://schemas.microsoft.com/office/powerpoint/2010/main" val="597229495"/>
+      </p:ext>
+    </p:extLst>
+  </p:cSld>
+  <p:clrMapOvr>
+    <a:masterClrMapping/>
+  </p:clrMapOvr>
+</p:sld>
+</file>
+
+<file path=ppt/slides/slide20.xml><?xml version="1.0" encoding="utf-8"?>
 <p:sld xmlns:a="http://schemas.openxmlformats.org/drawingml/2006/main" xmlns:r="http://schemas.openxmlformats.org/officeDocument/2006/relationships" xmlns:p="http://schemas.openxmlformats.org/presentationml/2006/main">
   <p:cSld>
     <p:spTree>
@@ -7518,7 +10074,7 @@
 </p:sld>
 </file>
 
-<file path=ppt/slides/slide15.xml><?xml version="1.0" encoding="utf-8"?>
+<file path=ppt/slides/slide21.xml><?xml version="1.0" encoding="utf-8"?>
 <p:sld xmlns:a="http://schemas.openxmlformats.org/drawingml/2006/main" xmlns:r="http://schemas.openxmlformats.org/officeDocument/2006/relationships" xmlns:p="http://schemas.openxmlformats.org/presentationml/2006/main">
   <p:cSld>
     <p:spTree>
@@ -7717,7 +10273,7 @@
 </p:sld>
 </file>
 
-<file path=ppt/slides/slide16.xml><?xml version="1.0" encoding="utf-8"?>
+<file path=ppt/slides/slide22.xml><?xml version="1.0" encoding="utf-8"?>
 <p:sld xmlns:a="http://schemas.openxmlformats.org/drawingml/2006/main" xmlns:r="http://schemas.openxmlformats.org/officeDocument/2006/relationships" xmlns:p="http://schemas.openxmlformats.org/presentationml/2006/main">
   <p:cSld>
     <p:spTree>
@@ -8330,7 +10886,7 @@
 </p:sld>
 </file>
 
-<file path=ppt/slides/slide17.xml><?xml version="1.0" encoding="utf-8"?>
+<file path=ppt/slides/slide23.xml><?xml version="1.0" encoding="utf-8"?>
 <p:sld xmlns:a="http://schemas.openxmlformats.org/drawingml/2006/main" xmlns:r="http://schemas.openxmlformats.org/officeDocument/2006/relationships" xmlns:p="http://schemas.openxmlformats.org/presentationml/2006/main">
   <p:cSld>
     <p:spTree>
@@ -9735,7 +12291,7 @@
 </p:sld>
 </file>
 
-<file path=ppt/slides/slide18.xml><?xml version="1.0" encoding="utf-8"?>
+<file path=ppt/slides/slide24.xml><?xml version="1.0" encoding="utf-8"?>
 <p:sld xmlns:a="http://schemas.openxmlformats.org/drawingml/2006/main" xmlns:r="http://schemas.openxmlformats.org/officeDocument/2006/relationships" xmlns:p="http://schemas.openxmlformats.org/presentationml/2006/main">
   <p:cSld>
     <p:spTree>
@@ -10665,7 +13221,7 @@
 </p:sld>
 </file>
 
-<file path=ppt/slides/slide19.xml><?xml version="1.0" encoding="utf-8"?>
+<file path=ppt/slides/slide25.xml><?xml version="1.0" encoding="utf-8"?>
 <p:sld xmlns:a="http://schemas.openxmlformats.org/drawingml/2006/main" xmlns:r="http://schemas.openxmlformats.org/officeDocument/2006/relationships" xmlns:p="http://schemas.openxmlformats.org/presentationml/2006/main">
   <p:cSld>
     <p:spTree>
@@ -10773,12 +13329,70 @@
             <a:endParaRPr lang="ru-RU" dirty="0"/>
           </a:p>
           <a:p>
-            <a:pPr marL="0" indent="0">
-              <a:buNone/>
-            </a:pPr>
+            <a:r>
+              <a:rPr lang="ru-RU" dirty="0"/>
+              <a:t>Кейс в </a:t>
+            </a:r>
+            <a:r>
+              <a:rPr lang="en-US" dirty="0"/>
+              <a:t>VTB</a:t>
+            </a:r>
+            <a:r>
+              <a:rPr lang="ru-RU" dirty="0"/>
+              <a:t>: </a:t>
+            </a:r>
+            <a:r>
+              <a:rPr lang="af-ZA" dirty="0">
+                <a:hlinkClick r:id="rId4"/>
+              </a:rPr>
+              <a:t>https://habr.com/ru/companies/vtb/articles/553644/</a:t>
+            </a:r>
+            <a:r>
+              <a:rPr lang="af-ZA" dirty="0"/>
+              <a:t> </a:t>
+            </a:r>
             <a:endParaRPr lang="ru-RU" dirty="0"/>
           </a:p>
           <a:p>
+            <a:r>
+              <a:rPr lang="ru-RU" dirty="0"/>
+              <a:t>DWH в </a:t>
+            </a:r>
+            <a:r>
+              <a:rPr lang="ru-RU" dirty="0" err="1"/>
+              <a:t>Lamoda</a:t>
+            </a:r>
+            <a:r>
+              <a:rPr lang="ru-RU" dirty="0"/>
+              <a:t>: </a:t>
+            </a:r>
+            <a:r>
+              <a:rPr lang="ru-RU" dirty="0">
+                <a:hlinkClick r:id="rId5"/>
+              </a:rPr>
+              <a:t>https://habr.com/ru/companies/lamoda/articles/595811/</a:t>
+            </a:r>
+            <a:endParaRPr lang="ru-RU" dirty="0"/>
+          </a:p>
+          <a:p>
+            <a:r>
+              <a:rPr lang="ru-RU" dirty="0"/>
+              <a:t>DWH в </a:t>
+            </a:r>
+            <a:r>
+              <a:rPr lang="ru-RU" dirty="0" err="1"/>
+              <a:t>Hoff</a:t>
+            </a:r>
+            <a:r>
+              <a:rPr lang="ru-RU" dirty="0"/>
+              <a:t>: </a:t>
+            </a:r>
+            <a:r>
+              <a:rPr lang="ru-RU" dirty="0">
+                <a:hlinkClick r:id="rId6"/>
+              </a:rPr>
+              <a:t>https://vc.ru/services/607637-keys-hoff-kak-biznesu-poluchit-maksimum-ot-dannyh-dlya-produktovoy-analitiki-i-digital-marketinga</a:t>
+            </a:r>
             <a:endParaRPr lang="en-US" dirty="0"/>
           </a:p>
           <a:p>
@@ -10802,380 +13416,7 @@
 </p:sld>
 </file>
 
-<file path=ppt/slides/slide2.xml><?xml version="1.0" encoding="utf-8"?>
-<p:sld xmlns:a="http://schemas.openxmlformats.org/drawingml/2006/main" xmlns:r="http://schemas.openxmlformats.org/officeDocument/2006/relationships" xmlns:p="http://schemas.openxmlformats.org/presentationml/2006/main">
-  <p:cSld>
-    <p:spTree>
-      <p:nvGrpSpPr>
-        <p:cNvPr id="1" name=""/>
-        <p:cNvGrpSpPr/>
-        <p:nvPr/>
-      </p:nvGrpSpPr>
-      <p:grpSpPr>
-        <a:xfrm>
-          <a:off x="0" y="0"/>
-          <a:ext cx="0" cy="0"/>
-          <a:chOff x="0" y="0"/>
-          <a:chExt cx="0" cy="0"/>
-        </a:xfrm>
-      </p:grpSpPr>
-      <p:sp>
-        <p:nvSpPr>
-          <p:cNvPr id="2" name="Title 1">
-            <a:extLst>
-              <a:ext uri="{FF2B5EF4-FFF2-40B4-BE49-F238E27FC236}">
-                <a16:creationId xmlns:a16="http://schemas.microsoft.com/office/drawing/2014/main" id="{74ED2800-BE23-482A-B152-A72BC607E8B0}"/>
-              </a:ext>
-            </a:extLst>
-          </p:cNvPr>
-          <p:cNvSpPr>
-            <a:spLocks noGrp="1"/>
-          </p:cNvSpPr>
-          <p:nvPr>
-            <p:ph type="title"/>
-          </p:nvPr>
-        </p:nvSpPr>
-        <p:spPr/>
-        <p:txBody>
-          <a:bodyPr>
-            <a:normAutofit/>
-          </a:bodyPr>
-          <a:lstStyle/>
-          <a:p>
-            <a:r>
-              <a:rPr lang="ru-RU" sz="3200" dirty="0">
-                <a:ea typeface="DejaVu Sans" pitchFamily="2"/>
-                <a:cs typeface="DejaVu Sans" pitchFamily="2"/>
-              </a:rPr>
-              <a:t>Проектирование </a:t>
-            </a:r>
-            <a:r>
-              <a:rPr lang="en-US" sz="3200" dirty="0">
-                <a:ea typeface="DejaVu Sans" pitchFamily="2"/>
-                <a:cs typeface="DejaVu Sans" pitchFamily="2"/>
-              </a:rPr>
-              <a:t>DWH</a:t>
-            </a:r>
-            <a:br>
-              <a:rPr lang="ru-RU" dirty="0">
-                <a:ea typeface="DejaVu Sans" pitchFamily="2"/>
-                <a:cs typeface="DejaVu Sans" pitchFamily="2"/>
-              </a:rPr>
-            </a:br>
-            <a:r>
-              <a:rPr lang="ru-RU" sz="2400" dirty="0">
-                <a:ea typeface="DejaVu Sans" pitchFamily="2"/>
-                <a:cs typeface="DejaVu Sans" pitchFamily="2"/>
-              </a:rPr>
-              <a:t>План</a:t>
-            </a:r>
-            <a:endParaRPr lang="ru-RU" dirty="0"/>
-          </a:p>
-        </p:txBody>
-      </p:sp>
-      <p:sp>
-        <p:nvSpPr>
-          <p:cNvPr id="3" name="Content Placeholder 2">
-            <a:extLst>
-              <a:ext uri="{FF2B5EF4-FFF2-40B4-BE49-F238E27FC236}">
-                <a16:creationId xmlns:a16="http://schemas.microsoft.com/office/drawing/2014/main" id="{C15EB09F-B745-4151-9C07-58D16BCE98C4}"/>
-              </a:ext>
-            </a:extLst>
-          </p:cNvPr>
-          <p:cNvSpPr>
-            <a:spLocks noGrp="1"/>
-          </p:cNvSpPr>
-          <p:nvPr>
-            <p:ph idx="1"/>
-          </p:nvPr>
-        </p:nvSpPr>
-        <p:spPr>
-          <a:xfrm>
-            <a:off x="1451579" y="2015732"/>
-            <a:ext cx="9603275" cy="4125186"/>
-          </a:xfrm>
-        </p:spPr>
-        <p:txBody>
-          <a:bodyPr>
-            <a:normAutofit/>
-          </a:bodyPr>
-          <a:lstStyle/>
-          <a:p>
-            <a:pPr>
-              <a:buClr>
-                <a:srgbClr val="666666"/>
-              </a:buClr>
-              <a:buSzPct val="45000"/>
-            </a:pPr>
-            <a:r>
-              <a:rPr lang="en-US" dirty="0">
-                <a:solidFill>
-                  <a:srgbClr val="000000"/>
-                </a:solidFill>
-                <a:ea typeface="DejaVu Sans" pitchFamily="2"/>
-                <a:cs typeface="DejaVu Sans" pitchFamily="2"/>
-              </a:rPr>
-              <a:t>DWH vs </a:t>
-            </a:r>
-            <a:r>
-              <a:rPr lang="en-US" dirty="0" err="1">
-                <a:solidFill>
-                  <a:srgbClr val="000000"/>
-                </a:solidFill>
-                <a:ea typeface="DejaVu Sans" pitchFamily="2"/>
-                <a:cs typeface="DejaVu Sans" pitchFamily="2"/>
-              </a:rPr>
-              <a:t>DataLake</a:t>
-            </a:r>
-            <a:endParaRPr lang="en-US" dirty="0">
-              <a:solidFill>
-                <a:srgbClr val="000000"/>
-              </a:solidFill>
-              <a:ea typeface="DejaVu Sans" pitchFamily="2"/>
-              <a:cs typeface="DejaVu Sans" pitchFamily="2"/>
-            </a:endParaRPr>
-          </a:p>
-          <a:p>
-            <a:pPr>
-              <a:buClr>
-                <a:srgbClr val="666666"/>
-              </a:buClr>
-              <a:buSzPct val="45000"/>
-            </a:pPr>
-            <a:r>
-              <a:rPr lang="ru-RU" dirty="0">
-                <a:solidFill>
-                  <a:srgbClr val="000000"/>
-                </a:solidFill>
-                <a:ea typeface="DejaVu Sans" pitchFamily="2"/>
-                <a:cs typeface="DejaVu Sans" pitchFamily="2"/>
-              </a:rPr>
-              <a:t>Еще раз про слои: </a:t>
-            </a:r>
-            <a:r>
-              <a:rPr lang="ru-RU" dirty="0" err="1">
-                <a:solidFill>
-                  <a:srgbClr val="000000"/>
-                </a:solidFill>
-                <a:ea typeface="DejaVu Sans" pitchFamily="2"/>
-                <a:cs typeface="DejaVu Sans" pitchFamily="2"/>
-              </a:rPr>
-              <a:t>stg</a:t>
-            </a:r>
-            <a:r>
-              <a:rPr lang="ru-RU" dirty="0">
-                <a:solidFill>
-                  <a:srgbClr val="000000"/>
-                </a:solidFill>
-                <a:ea typeface="DejaVu Sans" pitchFamily="2"/>
-                <a:cs typeface="DejaVu Sans" pitchFamily="2"/>
-              </a:rPr>
-              <a:t>-&gt;</a:t>
-            </a:r>
-            <a:r>
-              <a:rPr lang="ru-RU" dirty="0" err="1">
-                <a:solidFill>
-                  <a:srgbClr val="000000"/>
-                </a:solidFill>
-                <a:ea typeface="DejaVu Sans" pitchFamily="2"/>
-                <a:cs typeface="DejaVu Sans" pitchFamily="2"/>
-              </a:rPr>
-              <a:t>ods</a:t>
-            </a:r>
-            <a:r>
-              <a:rPr lang="ru-RU" dirty="0">
-                <a:solidFill>
-                  <a:srgbClr val="000000"/>
-                </a:solidFill>
-                <a:ea typeface="DejaVu Sans" pitchFamily="2"/>
-                <a:cs typeface="DejaVu Sans" pitchFamily="2"/>
-              </a:rPr>
-              <a:t>-&gt;</a:t>
-            </a:r>
-            <a:r>
-              <a:rPr lang="ru-RU" dirty="0" err="1">
-                <a:solidFill>
-                  <a:srgbClr val="000000"/>
-                </a:solidFill>
-                <a:ea typeface="DejaVu Sans" pitchFamily="2"/>
-                <a:cs typeface="DejaVu Sans" pitchFamily="2"/>
-              </a:rPr>
-              <a:t>dds</a:t>
-            </a:r>
-            <a:r>
-              <a:rPr lang="ru-RU" dirty="0">
-                <a:solidFill>
-                  <a:srgbClr val="000000"/>
-                </a:solidFill>
-                <a:ea typeface="DejaVu Sans" pitchFamily="2"/>
-                <a:cs typeface="DejaVu Sans" pitchFamily="2"/>
-              </a:rPr>
-              <a:t>-&gt;</a:t>
-            </a:r>
-            <a:r>
-              <a:rPr lang="ru-RU" dirty="0" err="1">
-                <a:solidFill>
-                  <a:srgbClr val="000000"/>
-                </a:solidFill>
-                <a:ea typeface="DejaVu Sans" pitchFamily="2"/>
-                <a:cs typeface="DejaVu Sans" pitchFamily="2"/>
-              </a:rPr>
-              <a:t>cdm</a:t>
-            </a:r>
-            <a:r>
-              <a:rPr lang="ru-RU" dirty="0">
-                <a:solidFill>
-                  <a:srgbClr val="000000"/>
-                </a:solidFill>
-                <a:ea typeface="DejaVu Sans" pitchFamily="2"/>
-                <a:cs typeface="DejaVu Sans" pitchFamily="2"/>
-              </a:rPr>
-              <a:t>-&gt;</a:t>
-            </a:r>
-            <a:r>
-              <a:rPr lang="ru-RU" dirty="0" err="1">
-                <a:solidFill>
-                  <a:srgbClr val="000000"/>
-                </a:solidFill>
-                <a:ea typeface="DejaVu Sans" pitchFamily="2"/>
-                <a:cs typeface="DejaVu Sans" pitchFamily="2"/>
-              </a:rPr>
-              <a:t>rep</a:t>
-            </a:r>
-            <a:endParaRPr lang="en-US" dirty="0">
-              <a:solidFill>
-                <a:srgbClr val="000000"/>
-              </a:solidFill>
-              <a:ea typeface="DejaVu Sans" pitchFamily="2"/>
-              <a:cs typeface="DejaVu Sans" pitchFamily="2"/>
-            </a:endParaRPr>
-          </a:p>
-          <a:p>
-            <a:pPr>
-              <a:buClr>
-                <a:srgbClr val="666666"/>
-              </a:buClr>
-              <a:buSzPct val="45000"/>
-            </a:pPr>
-            <a:r>
-              <a:rPr lang="ru-RU" dirty="0">
-                <a:solidFill>
-                  <a:srgbClr val="000000"/>
-                </a:solidFill>
-                <a:ea typeface="DejaVu Sans" pitchFamily="2"/>
-                <a:cs typeface="DejaVu Sans" pitchFamily="2"/>
-              </a:rPr>
-              <a:t>Практика</a:t>
-            </a:r>
-          </a:p>
-          <a:p>
-            <a:pPr lvl="1">
-              <a:buClr>
-                <a:srgbClr val="666666"/>
-              </a:buClr>
-              <a:buSzPct val="45000"/>
-            </a:pPr>
-            <a:r>
-              <a:rPr lang="ru-RU" dirty="0">
-                <a:solidFill>
-                  <a:srgbClr val="000000"/>
-                </a:solidFill>
-                <a:ea typeface="DejaVu Sans" pitchFamily="2"/>
-                <a:cs typeface="DejaVu Sans" pitchFamily="2"/>
-              </a:rPr>
-              <a:t>Проектирование </a:t>
-            </a:r>
-            <a:r>
-              <a:rPr lang="en-US" dirty="0">
-                <a:solidFill>
-                  <a:srgbClr val="000000"/>
-                </a:solidFill>
-                <a:ea typeface="DejaVu Sans" pitchFamily="2"/>
-                <a:cs typeface="DejaVu Sans" pitchFamily="2"/>
-              </a:rPr>
-              <a:t>DWH</a:t>
-            </a:r>
-            <a:endParaRPr lang="ru-RU" dirty="0">
-              <a:solidFill>
-                <a:srgbClr val="000000"/>
-              </a:solidFill>
-              <a:ea typeface="DejaVu Sans" pitchFamily="2"/>
-              <a:cs typeface="DejaVu Sans" pitchFamily="2"/>
-            </a:endParaRPr>
-          </a:p>
-          <a:p>
-            <a:pPr lvl="1">
-              <a:buClr>
-                <a:srgbClr val="666666"/>
-              </a:buClr>
-              <a:buSzPct val="45000"/>
-            </a:pPr>
-            <a:r>
-              <a:rPr lang="ru-RU" dirty="0">
-                <a:solidFill>
-                  <a:srgbClr val="000000"/>
-                </a:solidFill>
-                <a:ea typeface="DejaVu Sans" pitchFamily="2"/>
-                <a:cs typeface="DejaVu Sans" pitchFamily="2"/>
-              </a:rPr>
-              <a:t>Реализация </a:t>
-            </a:r>
-            <a:r>
-              <a:rPr lang="en-US" dirty="0">
-                <a:solidFill>
-                  <a:srgbClr val="000000"/>
-                </a:solidFill>
-                <a:ea typeface="DejaVu Sans" pitchFamily="2"/>
-                <a:cs typeface="DejaVu Sans" pitchFamily="2"/>
-              </a:rPr>
-              <a:t>pipeline</a:t>
-            </a:r>
-            <a:r>
-              <a:rPr lang="ru-RU" dirty="0">
-                <a:solidFill>
-                  <a:srgbClr val="000000"/>
-                </a:solidFill>
-                <a:ea typeface="DejaVu Sans" pitchFamily="2"/>
-                <a:cs typeface="DejaVu Sans" pitchFamily="2"/>
-              </a:rPr>
-              <a:t> загрузки данных</a:t>
-            </a:r>
-          </a:p>
-          <a:p>
-            <a:pPr marL="0" lvl="0" indent="0">
-              <a:buClr>
-                <a:srgbClr val="666666"/>
-              </a:buClr>
-              <a:buSzPct val="45000"/>
-              <a:buNone/>
-            </a:pPr>
-            <a:endParaRPr lang="ru-RU" dirty="0">
-              <a:solidFill>
-                <a:srgbClr val="000000"/>
-              </a:solidFill>
-              <a:ea typeface="DejaVu Sans" pitchFamily="2"/>
-              <a:cs typeface="DejaVu Sans" pitchFamily="2"/>
-            </a:endParaRPr>
-          </a:p>
-          <a:p>
-            <a:endParaRPr lang="ru-RU" dirty="0"/>
-          </a:p>
-        </p:txBody>
-      </p:sp>
-    </p:spTree>
-    <p:extLst>
-      <p:ext uri="{BB962C8B-B14F-4D97-AF65-F5344CB8AC3E}">
-        <p14:creationId xmlns:p14="http://schemas.microsoft.com/office/powerpoint/2010/main" val="597229495"/>
-      </p:ext>
-    </p:extLst>
-  </p:cSld>
-  <p:clrMapOvr>
-    <a:masterClrMapping/>
-  </p:clrMapOvr>
-</p:sld>
-</file>
-
-<file path=ppt/slides/slide20.xml><?xml version="1.0" encoding="utf-8"?>
+<file path=ppt/slides/slide26.xml><?xml version="1.0" encoding="utf-8"?>
 <p:sld xmlns:a="http://schemas.openxmlformats.org/drawingml/2006/main" xmlns:r="http://schemas.openxmlformats.org/officeDocument/2006/relationships" xmlns:p="http://schemas.openxmlformats.org/presentationml/2006/main">
   <p:cSld>
     <p:spTree>
@@ -11367,6 +13608,89 @@
 </file>
 
 <file path=ppt/slides/slide3.xml><?xml version="1.0" encoding="utf-8"?>
+<p:sld xmlns:a="http://schemas.openxmlformats.org/drawingml/2006/main" xmlns:r="http://schemas.openxmlformats.org/officeDocument/2006/relationships" xmlns:p="http://schemas.openxmlformats.org/presentationml/2006/main">
+  <p:cSld>
+    <p:spTree>
+      <p:nvGrpSpPr>
+        <p:cNvPr id="1" name=""/>
+        <p:cNvGrpSpPr/>
+        <p:nvPr/>
+      </p:nvGrpSpPr>
+      <p:grpSpPr>
+        <a:xfrm>
+          <a:off x="0" y="0"/>
+          <a:ext cx="0" cy="0"/>
+          <a:chOff x="0" y="0"/>
+          <a:chExt cx="0" cy="0"/>
+        </a:xfrm>
+      </p:grpSpPr>
+      <p:sp>
+        <p:nvSpPr>
+          <p:cNvPr id="2" name="Title 1">
+            <a:extLst>
+              <a:ext uri="{FF2B5EF4-FFF2-40B4-BE49-F238E27FC236}">
+                <a16:creationId xmlns:a16="http://schemas.microsoft.com/office/drawing/2014/main" id="{74ED2800-BE23-482A-B152-A72BC607E8B0}"/>
+              </a:ext>
+            </a:extLst>
+          </p:cNvPr>
+          <p:cNvSpPr>
+            <a:spLocks noGrp="1"/>
+          </p:cNvSpPr>
+          <p:nvPr>
+            <p:ph type="title"/>
+          </p:nvPr>
+        </p:nvSpPr>
+        <p:spPr>
+          <a:xfrm>
+            <a:off x="1066800" y="2379779"/>
+            <a:ext cx="10058400" cy="1609344"/>
+          </a:xfrm>
+        </p:spPr>
+        <p:txBody>
+          <a:bodyPr>
+            <a:normAutofit/>
+          </a:bodyPr>
+          <a:lstStyle/>
+          <a:p>
+            <a:r>
+              <a:rPr lang="en-US" dirty="0">
+                <a:ea typeface="DejaVu Sans" pitchFamily="2"/>
+                <a:cs typeface="DejaVu Sans" pitchFamily="2"/>
+              </a:rPr>
+              <a:t>DWH vs Data</a:t>
+            </a:r>
+            <a:r>
+              <a:rPr lang="ru-RU" dirty="0">
+                <a:ea typeface="DejaVu Sans" pitchFamily="2"/>
+                <a:cs typeface="DejaVu Sans" pitchFamily="2"/>
+              </a:rPr>
+              <a:t> </a:t>
+            </a:r>
+            <a:r>
+              <a:rPr lang="en-US" dirty="0">
+                <a:ea typeface="DejaVu Sans" pitchFamily="2"/>
+                <a:cs typeface="DejaVu Sans" pitchFamily="2"/>
+              </a:rPr>
+              <a:t>Lake</a:t>
+            </a:r>
+            <a:endParaRPr lang="ru-RU" dirty="0"/>
+          </a:p>
+        </p:txBody>
+      </p:sp>
+    </p:spTree>
+    <p:extLst>
+      <p:ext uri="{BB962C8B-B14F-4D97-AF65-F5344CB8AC3E}">
+        <p14:creationId xmlns:p14="http://schemas.microsoft.com/office/powerpoint/2010/main" val="3244699915"/>
+      </p:ext>
+    </p:extLst>
+  </p:cSld>
+  <p:clrMapOvr>
+    <a:masterClrMapping/>
+  </p:clrMapOvr>
+</p:sld>
+</file>
+
+<file path=ppt/slides/slide4.xml><?xml version="1.0" encoding="utf-8"?>
 <p:sld xmlns:a="http://schemas.openxmlformats.org/drawingml/2006/main" xmlns:r="http://schemas.openxmlformats.org/officeDocument/2006/relationships" xmlns:p="http://schemas.openxmlformats.org/presentationml/2006/main">
   <p:cSld>
     <p:spTree>
@@ -11875,7 +14199,7 @@
 </p:sld>
 </file>
 
-<file path=ppt/slides/slide4.xml><?xml version="1.0" encoding="utf-8"?>
+<file path=ppt/slides/slide5.xml><?xml version="1.0" encoding="utf-8"?>
 <p:sld xmlns:a="http://schemas.openxmlformats.org/drawingml/2006/main" xmlns:r="http://schemas.openxmlformats.org/officeDocument/2006/relationships" xmlns:p="http://schemas.openxmlformats.org/presentationml/2006/main">
   <p:cSld>
     <p:spTree>
@@ -13039,7 +15363,83 @@
 </p:sld>
 </file>
 
-<file path=ppt/slides/slide5.xml><?xml version="1.0" encoding="utf-8"?>
+<file path=ppt/slides/slide6.xml><?xml version="1.0" encoding="utf-8"?>
+<p:sld xmlns:a="http://schemas.openxmlformats.org/drawingml/2006/main" xmlns:r="http://schemas.openxmlformats.org/officeDocument/2006/relationships" xmlns:p="http://schemas.openxmlformats.org/presentationml/2006/main">
+  <p:cSld>
+    <p:spTree>
+      <p:nvGrpSpPr>
+        <p:cNvPr id="1" name=""/>
+        <p:cNvGrpSpPr/>
+        <p:nvPr/>
+      </p:nvGrpSpPr>
+      <p:grpSpPr>
+        <a:xfrm>
+          <a:off x="0" y="0"/>
+          <a:ext cx="0" cy="0"/>
+          <a:chOff x="0" y="0"/>
+          <a:chExt cx="0" cy="0"/>
+        </a:xfrm>
+      </p:grpSpPr>
+      <p:sp>
+        <p:nvSpPr>
+          <p:cNvPr id="2" name="Title 1">
+            <a:extLst>
+              <a:ext uri="{FF2B5EF4-FFF2-40B4-BE49-F238E27FC236}">
+                <a16:creationId xmlns:a16="http://schemas.microsoft.com/office/drawing/2014/main" id="{74ED2800-BE23-482A-B152-A72BC607E8B0}"/>
+              </a:ext>
+            </a:extLst>
+          </p:cNvPr>
+          <p:cNvSpPr>
+            <a:spLocks noGrp="1"/>
+          </p:cNvSpPr>
+          <p:nvPr>
+            <p:ph type="title"/>
+          </p:nvPr>
+        </p:nvSpPr>
+        <p:spPr>
+          <a:xfrm>
+            <a:off x="1066800" y="2379779"/>
+            <a:ext cx="10058400" cy="1609344"/>
+          </a:xfrm>
+        </p:spPr>
+        <p:txBody>
+          <a:bodyPr>
+            <a:normAutofit/>
+          </a:bodyPr>
+          <a:lstStyle/>
+          <a:p>
+            <a:r>
+              <a:rPr lang="ru-RU" dirty="0">
+                <a:ea typeface="DejaVu Sans" pitchFamily="2"/>
+                <a:cs typeface="DejaVu Sans" pitchFamily="2"/>
+              </a:rPr>
+              <a:t>Слои </a:t>
+            </a:r>
+            <a:r>
+              <a:rPr lang="en-US" dirty="0">
+                <a:ea typeface="DejaVu Sans" pitchFamily="2"/>
+                <a:cs typeface="DejaVu Sans" pitchFamily="2"/>
+              </a:rPr>
+              <a:t>DWH</a:t>
+            </a:r>
+            <a:endParaRPr lang="ru-RU" dirty="0"/>
+          </a:p>
+        </p:txBody>
+      </p:sp>
+    </p:spTree>
+    <p:extLst>
+      <p:ext uri="{BB962C8B-B14F-4D97-AF65-F5344CB8AC3E}">
+        <p14:creationId xmlns:p14="http://schemas.microsoft.com/office/powerpoint/2010/main" val="2348270961"/>
+      </p:ext>
+    </p:extLst>
+  </p:cSld>
+  <p:clrMapOvr>
+    <a:masterClrMapping/>
+  </p:clrMapOvr>
+</p:sld>
+</file>
+
+<file path=ppt/slides/slide7.xml><?xml version="1.0" encoding="utf-8"?>
 <p:sld xmlns:a="http://schemas.openxmlformats.org/drawingml/2006/main" xmlns:r="http://schemas.openxmlformats.org/officeDocument/2006/relationships" xmlns:p="http://schemas.openxmlformats.org/presentationml/2006/main">
   <p:cSld>
     <p:spTree>
@@ -13980,7 +16380,7 @@
 </p:sld>
 </file>
 
-<file path=ppt/slides/slide6.xml><?xml version="1.0" encoding="utf-8"?>
+<file path=ppt/slides/slide8.xml><?xml version="1.0" encoding="utf-8"?>
 <p:sld xmlns:a="http://schemas.openxmlformats.org/drawingml/2006/main" xmlns:r="http://schemas.openxmlformats.org/officeDocument/2006/relationships" xmlns:p="http://schemas.openxmlformats.org/presentationml/2006/main">
   <p:cSld>
     <p:spTree>
@@ -14171,7 +16571,7 @@
         <p:spPr>
           <a:xfrm>
             <a:off x="437278" y="3429000"/>
-            <a:ext cx="5984303" cy="2070985"/>
+            <a:ext cx="5984303" cy="3219450"/>
           </a:xfrm>
           <a:prstGeom prst="roundRect">
             <a:avLst/>
@@ -14197,7 +16597,7 @@
           <a:p>
             <a:r>
               <a:rPr lang="ru-RU" b="1" dirty="0"/>
-              <a:t>Сбор данных</a:t>
+              <a:t>Основная цель: Сбор данных</a:t>
             </a:r>
             <a:endParaRPr lang="en-US" b="1" dirty="0"/>
           </a:p>
@@ -14231,6 +16631,28 @@
               <a:rPr lang="ru-RU" dirty="0"/>
               <a:t>Обеспечить возможность перезагрузки данных без обращения к источнику (нет данных, ограниченное окно загрузки и т.д.) на небольшую глубину</a:t>
             </a:r>
+          </a:p>
+          <a:p>
+            <a:endParaRPr lang="ru-RU" dirty="0"/>
+          </a:p>
+          <a:p>
+            <a:r>
+              <a:rPr lang="ru-RU" b="1" dirty="0"/>
+              <a:t>Модель данных:</a:t>
+            </a:r>
+          </a:p>
+          <a:p>
+            <a:pPr marL="285750" indent="-285750">
+              <a:buFont typeface="Arial" panose="020B0604020202020204" pitchFamily="34" charset="0"/>
+              <a:buChar char="•"/>
+            </a:pPr>
+            <a:r>
+              <a:rPr lang="ru-RU" dirty="0"/>
+              <a:t>Как на источнике</a:t>
+            </a:r>
+          </a:p>
+          <a:p>
+            <a:endParaRPr lang="ru-RU" dirty="0"/>
           </a:p>
         </p:txBody>
       </p:sp>
@@ -14668,6 +17090,53 @@
           </a:p>
         </p:txBody>
       </p:sp>
+      <p:sp>
+        <p:nvSpPr>
+          <p:cNvPr id="16" name="Title 1">
+            <a:extLst>
+              <a:ext uri="{FF2B5EF4-FFF2-40B4-BE49-F238E27FC236}">
+                <a16:creationId xmlns:a16="http://schemas.microsoft.com/office/drawing/2014/main" id="{13CE4459-15D6-485B-B9B5-4DB72FE1D3CA}"/>
+              </a:ext>
+            </a:extLst>
+          </p:cNvPr>
+          <p:cNvSpPr>
+            <a:spLocks noGrp="1"/>
+          </p:cNvSpPr>
+          <p:nvPr>
+            <p:ph type="title"/>
+          </p:nvPr>
+        </p:nvSpPr>
+        <p:spPr>
+          <a:xfrm>
+            <a:off x="90091" y="79230"/>
+            <a:ext cx="3165602" cy="1030175"/>
+          </a:xfrm>
+        </p:spPr>
+        <p:txBody>
+          <a:bodyPr>
+            <a:normAutofit/>
+          </a:bodyPr>
+          <a:lstStyle/>
+          <a:p>
+            <a:pPr algn="ctr"/>
+            <a:r>
+              <a:rPr lang="ru-RU" sz="3600" dirty="0">
+                <a:ea typeface="DejaVu Sans" pitchFamily="2"/>
+                <a:cs typeface="DejaVu Sans" pitchFamily="2"/>
+              </a:rPr>
+              <a:t>Слой </a:t>
+            </a:r>
+            <a:r>
+              <a:rPr lang="en-US" sz="3600" dirty="0">
+                <a:ea typeface="DejaVu Sans" pitchFamily="2"/>
+                <a:cs typeface="DejaVu Sans" pitchFamily="2"/>
+              </a:rPr>
+              <a:t>STG</a:t>
+            </a:r>
+            <a:endParaRPr lang="ru-RU" sz="3600" dirty="0"/>
+          </a:p>
+        </p:txBody>
+      </p:sp>
     </p:spTree>
     <p:extLst>
       <p:ext uri="{BB962C8B-B14F-4D97-AF65-F5344CB8AC3E}">
@@ -14681,694 +17150,7 @@
 </p:sld>
 </file>
 
-<file path=ppt/slides/slide7.xml><?xml version="1.0" encoding="utf-8"?>
-<p:sld xmlns:a="http://schemas.openxmlformats.org/drawingml/2006/main" xmlns:r="http://schemas.openxmlformats.org/officeDocument/2006/relationships" xmlns:p="http://schemas.openxmlformats.org/presentationml/2006/main">
-  <p:cSld>
-    <p:spTree>
-      <p:nvGrpSpPr>
-        <p:cNvPr id="1" name=""/>
-        <p:cNvGrpSpPr/>
-        <p:nvPr/>
-      </p:nvGrpSpPr>
-      <p:grpSpPr>
-        <a:xfrm>
-          <a:off x="0" y="0"/>
-          <a:ext cx="0" cy="0"/>
-          <a:chOff x="0" y="0"/>
-          <a:chExt cx="0" cy="0"/>
-        </a:xfrm>
-      </p:grpSpPr>
-      <p:grpSp>
-        <p:nvGrpSpPr>
-          <p:cNvPr id="2" name="Group 1">
-            <a:extLst>
-              <a:ext uri="{FF2B5EF4-FFF2-40B4-BE49-F238E27FC236}">
-                <a16:creationId xmlns:a16="http://schemas.microsoft.com/office/drawing/2014/main" id="{98A82363-2CE4-4F81-9BF2-9284B244F640}"/>
-              </a:ext>
-            </a:extLst>
-          </p:cNvPr>
-          <p:cNvGrpSpPr/>
-          <p:nvPr/>
-        </p:nvGrpSpPr>
-        <p:grpSpPr>
-          <a:xfrm>
-            <a:off x="4155528" y="2904874"/>
-            <a:ext cx="112222" cy="524126"/>
-            <a:chOff x="1366060" y="2781513"/>
-            <a:chExt cx="112222" cy="524126"/>
-          </a:xfrm>
-        </p:grpSpPr>
-        <p:sp>
-          <p:nvSpPr>
-            <p:cNvPr id="5" name="Oval 4">
-              <a:extLst>
-                <a:ext uri="{FF2B5EF4-FFF2-40B4-BE49-F238E27FC236}">
-                  <a16:creationId xmlns:a16="http://schemas.microsoft.com/office/drawing/2014/main" id="{AEECE48C-F926-441E-BDFF-EF88E151468D}"/>
-                </a:ext>
-              </a:extLst>
-            </p:cNvPr>
-            <p:cNvSpPr/>
-            <p:nvPr/>
-          </p:nvSpPr>
-          <p:spPr>
-            <a:xfrm>
-              <a:off x="1366060" y="2781513"/>
-              <a:ext cx="112222" cy="112222"/>
-            </a:xfrm>
-            <a:prstGeom prst="ellipse">
-              <a:avLst/>
-            </a:prstGeom>
-          </p:spPr>
-          <p:style>
-            <a:lnRef idx="2">
-              <a:schemeClr val="accent1">
-                <a:shade val="50000"/>
-              </a:schemeClr>
-            </a:lnRef>
-            <a:fillRef idx="1">
-              <a:schemeClr val="accent1"/>
-            </a:fillRef>
-            <a:effectRef idx="0">
-              <a:schemeClr val="accent1"/>
-            </a:effectRef>
-            <a:fontRef idx="minor">
-              <a:schemeClr val="lt1"/>
-            </a:fontRef>
-          </p:style>
-          <p:txBody>
-            <a:bodyPr rtlCol="0" anchor="ctr"/>
-            <a:lstStyle/>
-            <a:p>
-              <a:pPr algn="ctr"/>
-              <a:endParaRPr lang="ru-RU"/>
-            </a:p>
-          </p:txBody>
-        </p:sp>
-        <p:sp>
-          <p:nvSpPr>
-            <p:cNvPr id="28" name="Oval 27">
-              <a:extLst>
-                <a:ext uri="{FF2B5EF4-FFF2-40B4-BE49-F238E27FC236}">
-                  <a16:creationId xmlns:a16="http://schemas.microsoft.com/office/drawing/2014/main" id="{77A83600-803E-4616-8245-E09283E96CD7}"/>
-                </a:ext>
-              </a:extLst>
-            </p:cNvPr>
-            <p:cNvSpPr/>
-            <p:nvPr/>
-          </p:nvSpPr>
-          <p:spPr>
-            <a:xfrm>
-              <a:off x="1366060" y="2987465"/>
-              <a:ext cx="112222" cy="112222"/>
-            </a:xfrm>
-            <a:prstGeom prst="ellipse">
-              <a:avLst/>
-            </a:prstGeom>
-          </p:spPr>
-          <p:style>
-            <a:lnRef idx="2">
-              <a:schemeClr val="accent1">
-                <a:shade val="50000"/>
-              </a:schemeClr>
-            </a:lnRef>
-            <a:fillRef idx="1">
-              <a:schemeClr val="accent1"/>
-            </a:fillRef>
-            <a:effectRef idx="0">
-              <a:schemeClr val="accent1"/>
-            </a:effectRef>
-            <a:fontRef idx="minor">
-              <a:schemeClr val="lt1"/>
-            </a:fontRef>
-          </p:style>
-          <p:txBody>
-            <a:bodyPr rtlCol="0" anchor="ctr"/>
-            <a:lstStyle/>
-            <a:p>
-              <a:pPr algn="ctr"/>
-              <a:endParaRPr lang="ru-RU"/>
-            </a:p>
-          </p:txBody>
-        </p:sp>
-        <p:sp>
-          <p:nvSpPr>
-            <p:cNvPr id="29" name="Oval 28">
-              <a:extLst>
-                <a:ext uri="{FF2B5EF4-FFF2-40B4-BE49-F238E27FC236}">
-                  <a16:creationId xmlns:a16="http://schemas.microsoft.com/office/drawing/2014/main" id="{57361C72-AAC2-4470-ABC0-F42408C3A631}"/>
-                </a:ext>
-              </a:extLst>
-            </p:cNvPr>
-            <p:cNvSpPr/>
-            <p:nvPr/>
-          </p:nvSpPr>
-          <p:spPr>
-            <a:xfrm>
-              <a:off x="1366060" y="3193417"/>
-              <a:ext cx="112222" cy="112222"/>
-            </a:xfrm>
-            <a:prstGeom prst="ellipse">
-              <a:avLst/>
-            </a:prstGeom>
-          </p:spPr>
-          <p:style>
-            <a:lnRef idx="2">
-              <a:schemeClr val="accent1">
-                <a:shade val="50000"/>
-              </a:schemeClr>
-            </a:lnRef>
-            <a:fillRef idx="1">
-              <a:schemeClr val="accent1"/>
-            </a:fillRef>
-            <a:effectRef idx="0">
-              <a:schemeClr val="accent1"/>
-            </a:effectRef>
-            <a:fontRef idx="minor">
-              <a:schemeClr val="lt1"/>
-            </a:fontRef>
-          </p:style>
-          <p:txBody>
-            <a:bodyPr rtlCol="0" anchor="ctr"/>
-            <a:lstStyle/>
-            <a:p>
-              <a:pPr algn="ctr"/>
-              <a:endParaRPr lang="ru-RU"/>
-            </a:p>
-          </p:txBody>
-        </p:sp>
-      </p:grpSp>
-      <p:sp>
-        <p:nvSpPr>
-          <p:cNvPr id="30" name="Rectangle: Rounded Corners 29">
-            <a:extLst>
-              <a:ext uri="{FF2B5EF4-FFF2-40B4-BE49-F238E27FC236}">
-                <a16:creationId xmlns:a16="http://schemas.microsoft.com/office/drawing/2014/main" id="{E65AAE23-8EDB-4B2A-8B36-9F18465B5BD1}"/>
-              </a:ext>
-            </a:extLst>
-          </p:cNvPr>
-          <p:cNvSpPr/>
-          <p:nvPr/>
-        </p:nvSpPr>
-        <p:spPr>
-          <a:xfrm>
-            <a:off x="2933590" y="3429000"/>
-            <a:ext cx="5984303" cy="2070985"/>
-          </a:xfrm>
-          <a:prstGeom prst="roundRect">
-            <a:avLst/>
-          </a:prstGeom>
-        </p:spPr>
-        <p:style>
-          <a:lnRef idx="2">
-            <a:schemeClr val="accent1"/>
-          </a:lnRef>
-          <a:fillRef idx="1">
-            <a:schemeClr val="lt1"/>
-          </a:fillRef>
-          <a:effectRef idx="0">
-            <a:schemeClr val="accent1"/>
-          </a:effectRef>
-          <a:fontRef idx="minor">
-            <a:schemeClr val="dk1"/>
-          </a:fontRef>
-        </p:style>
-        <p:txBody>
-          <a:bodyPr rtlCol="0" anchor="ctr"/>
-          <a:lstStyle/>
-          <a:p>
-            <a:r>
-              <a:rPr lang="ru-RU" b="1" dirty="0"/>
-              <a:t>Стандартизация</a:t>
-            </a:r>
-          </a:p>
-          <a:p>
-            <a:pPr marL="342900" indent="-342900">
-              <a:buFont typeface="+mj-lt"/>
-              <a:buAutoNum type="arabicPeriod"/>
-            </a:pPr>
-            <a:r>
-              <a:rPr lang="ru-RU" dirty="0"/>
-              <a:t>Сохранение всей истории данных источника</a:t>
-            </a:r>
-          </a:p>
-          <a:p>
-            <a:pPr marL="342900" indent="-342900">
-              <a:buFont typeface="+mj-lt"/>
-              <a:buAutoNum type="arabicPeriod"/>
-            </a:pPr>
-            <a:r>
-              <a:rPr lang="ru-RU" dirty="0"/>
-              <a:t>Используется, когда не требуется преобразование над данными источника, но требуется сохранить историю изменений</a:t>
-            </a:r>
-          </a:p>
-        </p:txBody>
-      </p:sp>
-      <p:sp>
-        <p:nvSpPr>
-          <p:cNvPr id="34" name="Rectangle: Rounded Corners 33">
-            <a:extLst>
-              <a:ext uri="{FF2B5EF4-FFF2-40B4-BE49-F238E27FC236}">
-                <a16:creationId xmlns:a16="http://schemas.microsoft.com/office/drawing/2014/main" id="{FC9D8DE1-B5CE-49F4-A3B7-2A8AB1652A68}"/>
-              </a:ext>
-            </a:extLst>
-          </p:cNvPr>
-          <p:cNvSpPr/>
-          <p:nvPr/>
-        </p:nvSpPr>
-        <p:spPr>
-          <a:xfrm>
-            <a:off x="535385" y="1233407"/>
-            <a:ext cx="1799671" cy="1015551"/>
-          </a:xfrm>
-          <a:prstGeom prst="roundRect">
-            <a:avLst/>
-          </a:prstGeom>
-        </p:spPr>
-        <p:style>
-          <a:lnRef idx="2">
-            <a:schemeClr val="accent1">
-              <a:shade val="50000"/>
-            </a:schemeClr>
-          </a:lnRef>
-          <a:fillRef idx="1">
-            <a:schemeClr val="accent1"/>
-          </a:fillRef>
-          <a:effectRef idx="0">
-            <a:schemeClr val="accent1"/>
-          </a:effectRef>
-          <a:fontRef idx="minor">
-            <a:schemeClr val="lt1"/>
-          </a:fontRef>
-        </p:style>
-        <p:txBody>
-          <a:bodyPr rtlCol="0" anchor="ctr"/>
-          <a:lstStyle/>
-          <a:p>
-            <a:pPr algn="ctr"/>
-            <a:r>
-              <a:rPr lang="en-US" dirty="0"/>
-              <a:t>STG</a:t>
-            </a:r>
-            <a:endParaRPr lang="ru-RU" dirty="0"/>
-          </a:p>
-        </p:txBody>
-      </p:sp>
-      <p:sp>
-        <p:nvSpPr>
-          <p:cNvPr id="35" name="Rectangle: Rounded Corners 34">
-            <a:extLst>
-              <a:ext uri="{FF2B5EF4-FFF2-40B4-BE49-F238E27FC236}">
-                <a16:creationId xmlns:a16="http://schemas.microsoft.com/office/drawing/2014/main" id="{544DB132-3389-4FC3-BA3E-C66D8AD1E4DD}"/>
-              </a:ext>
-            </a:extLst>
-          </p:cNvPr>
-          <p:cNvSpPr/>
-          <p:nvPr/>
-        </p:nvSpPr>
-        <p:spPr>
-          <a:xfrm>
-            <a:off x="3255693" y="589352"/>
-            <a:ext cx="1799671" cy="1015551"/>
-          </a:xfrm>
-          <a:prstGeom prst="roundRect">
-            <a:avLst/>
-          </a:prstGeom>
-        </p:spPr>
-        <p:style>
-          <a:lnRef idx="2">
-            <a:schemeClr val="accent1">
-              <a:shade val="50000"/>
-            </a:schemeClr>
-          </a:lnRef>
-          <a:fillRef idx="1">
-            <a:schemeClr val="accent1"/>
-          </a:fillRef>
-          <a:effectRef idx="0">
-            <a:schemeClr val="accent1"/>
-          </a:effectRef>
-          <a:fontRef idx="minor">
-            <a:schemeClr val="lt1"/>
-          </a:fontRef>
-        </p:style>
-        <p:txBody>
-          <a:bodyPr rtlCol="0" anchor="ctr"/>
-          <a:lstStyle/>
-          <a:p>
-            <a:pPr algn="ctr"/>
-            <a:r>
-              <a:rPr lang="en-US" dirty="0"/>
-              <a:t>DDS</a:t>
-            </a:r>
-            <a:endParaRPr lang="ru-RU" dirty="0"/>
-          </a:p>
-        </p:txBody>
-      </p:sp>
-      <p:sp>
-        <p:nvSpPr>
-          <p:cNvPr id="36" name="Rectangle: Rounded Corners 35">
-            <a:extLst>
-              <a:ext uri="{FF2B5EF4-FFF2-40B4-BE49-F238E27FC236}">
-                <a16:creationId xmlns:a16="http://schemas.microsoft.com/office/drawing/2014/main" id="{2231ED9E-E2C4-4E8E-B67B-609505409DAF}"/>
-              </a:ext>
-            </a:extLst>
-          </p:cNvPr>
-          <p:cNvSpPr/>
-          <p:nvPr/>
-        </p:nvSpPr>
-        <p:spPr>
-          <a:xfrm>
-            <a:off x="5973920" y="1227511"/>
-            <a:ext cx="1799671" cy="1015551"/>
-          </a:xfrm>
-          <a:prstGeom prst="roundRect">
-            <a:avLst/>
-          </a:prstGeom>
-        </p:spPr>
-        <p:style>
-          <a:lnRef idx="2">
-            <a:schemeClr val="accent1">
-              <a:shade val="50000"/>
-            </a:schemeClr>
-          </a:lnRef>
-          <a:fillRef idx="1">
-            <a:schemeClr val="accent1"/>
-          </a:fillRef>
-          <a:effectRef idx="0">
-            <a:schemeClr val="accent1"/>
-          </a:effectRef>
-          <a:fontRef idx="minor">
-            <a:schemeClr val="lt1"/>
-          </a:fontRef>
-        </p:style>
-        <p:txBody>
-          <a:bodyPr rtlCol="0" anchor="ctr"/>
-          <a:lstStyle/>
-          <a:p>
-            <a:pPr algn="ctr"/>
-            <a:r>
-              <a:rPr lang="en-US" dirty="0"/>
-              <a:t>CDM</a:t>
-            </a:r>
-            <a:endParaRPr lang="ru-RU" dirty="0"/>
-          </a:p>
-        </p:txBody>
-      </p:sp>
-      <p:sp>
-        <p:nvSpPr>
-          <p:cNvPr id="37" name="Rectangle: Rounded Corners 36">
-            <a:extLst>
-              <a:ext uri="{FF2B5EF4-FFF2-40B4-BE49-F238E27FC236}">
-                <a16:creationId xmlns:a16="http://schemas.microsoft.com/office/drawing/2014/main" id="{BA2D7C11-A4FA-451D-9EFC-7811C96595C2}"/>
-              </a:ext>
-            </a:extLst>
-          </p:cNvPr>
-          <p:cNvSpPr/>
-          <p:nvPr/>
-        </p:nvSpPr>
-        <p:spPr>
-          <a:xfrm>
-            <a:off x="8732723" y="1262036"/>
-            <a:ext cx="1799671" cy="1015551"/>
-          </a:xfrm>
-          <a:prstGeom prst="roundRect">
-            <a:avLst/>
-          </a:prstGeom>
-        </p:spPr>
-        <p:style>
-          <a:lnRef idx="2">
-            <a:schemeClr val="accent1">
-              <a:shade val="50000"/>
-            </a:schemeClr>
-          </a:lnRef>
-          <a:fillRef idx="1">
-            <a:schemeClr val="accent1"/>
-          </a:fillRef>
-          <a:effectRef idx="0">
-            <a:schemeClr val="accent1"/>
-          </a:effectRef>
-          <a:fontRef idx="minor">
-            <a:schemeClr val="lt1"/>
-          </a:fontRef>
-        </p:style>
-        <p:txBody>
-          <a:bodyPr rtlCol="0" anchor="ctr"/>
-          <a:lstStyle/>
-          <a:p>
-            <a:pPr algn="ctr"/>
-            <a:r>
-              <a:rPr lang="en-US" dirty="0"/>
-              <a:t>REP</a:t>
-            </a:r>
-            <a:endParaRPr lang="ru-RU" dirty="0"/>
-          </a:p>
-        </p:txBody>
-      </p:sp>
-      <p:sp>
-        <p:nvSpPr>
-          <p:cNvPr id="38" name="Arrow: Right 37">
-            <a:extLst>
-              <a:ext uri="{FF2B5EF4-FFF2-40B4-BE49-F238E27FC236}">
-                <a16:creationId xmlns:a16="http://schemas.microsoft.com/office/drawing/2014/main" id="{A5219158-253C-4CA1-867B-A4EB125A482F}"/>
-              </a:ext>
-            </a:extLst>
-          </p:cNvPr>
-          <p:cNvSpPr/>
-          <p:nvPr/>
-        </p:nvSpPr>
-        <p:spPr>
-          <a:xfrm rot="1708708">
-            <a:off x="2558927" y="1875676"/>
-            <a:ext cx="526100" cy="323423"/>
-          </a:xfrm>
-          <a:prstGeom prst="rightArrow">
-            <a:avLst/>
-          </a:prstGeom>
-        </p:spPr>
-        <p:style>
-          <a:lnRef idx="2">
-            <a:schemeClr val="accent1">
-              <a:shade val="50000"/>
-            </a:schemeClr>
-          </a:lnRef>
-          <a:fillRef idx="1">
-            <a:schemeClr val="accent1"/>
-          </a:fillRef>
-          <a:effectRef idx="0">
-            <a:schemeClr val="accent1"/>
-          </a:effectRef>
-          <a:fontRef idx="minor">
-            <a:schemeClr val="lt1"/>
-          </a:fontRef>
-        </p:style>
-        <p:txBody>
-          <a:bodyPr rtlCol="0" anchor="ctr"/>
-          <a:lstStyle/>
-          <a:p>
-            <a:pPr algn="ctr"/>
-            <a:endParaRPr lang="ru-RU"/>
-          </a:p>
-        </p:txBody>
-      </p:sp>
-      <p:sp>
-        <p:nvSpPr>
-          <p:cNvPr id="39" name="Arrow: Right 38">
-            <a:extLst>
-              <a:ext uri="{FF2B5EF4-FFF2-40B4-BE49-F238E27FC236}">
-                <a16:creationId xmlns:a16="http://schemas.microsoft.com/office/drawing/2014/main" id="{4A10C421-DE0D-44C2-B82A-5439EBDD2510}"/>
-              </a:ext>
-            </a:extLst>
-          </p:cNvPr>
-          <p:cNvSpPr/>
-          <p:nvPr/>
-        </p:nvSpPr>
-        <p:spPr>
-          <a:xfrm>
-            <a:off x="5185489" y="1552252"/>
-            <a:ext cx="526100" cy="323423"/>
-          </a:xfrm>
-          <a:prstGeom prst="rightArrow">
-            <a:avLst/>
-          </a:prstGeom>
-        </p:spPr>
-        <p:style>
-          <a:lnRef idx="2">
-            <a:schemeClr val="accent1">
-              <a:shade val="50000"/>
-            </a:schemeClr>
-          </a:lnRef>
-          <a:fillRef idx="1">
-            <a:schemeClr val="accent1"/>
-          </a:fillRef>
-          <a:effectRef idx="0">
-            <a:schemeClr val="accent1"/>
-          </a:effectRef>
-          <a:fontRef idx="minor">
-            <a:schemeClr val="lt1"/>
-          </a:fontRef>
-        </p:style>
-        <p:txBody>
-          <a:bodyPr rtlCol="0" anchor="ctr"/>
-          <a:lstStyle/>
-          <a:p>
-            <a:pPr algn="ctr"/>
-            <a:endParaRPr lang="ru-RU"/>
-          </a:p>
-        </p:txBody>
-      </p:sp>
-      <p:sp>
-        <p:nvSpPr>
-          <p:cNvPr id="40" name="Arrow: Right 39">
-            <a:extLst>
-              <a:ext uri="{FF2B5EF4-FFF2-40B4-BE49-F238E27FC236}">
-                <a16:creationId xmlns:a16="http://schemas.microsoft.com/office/drawing/2014/main" id="{6C51BFB4-E5D0-427B-BA94-A64BDBC2E2FB}"/>
-              </a:ext>
-            </a:extLst>
-          </p:cNvPr>
-          <p:cNvSpPr/>
-          <p:nvPr/>
-        </p:nvSpPr>
-        <p:spPr>
-          <a:xfrm>
-            <a:off x="8035922" y="1608101"/>
-            <a:ext cx="526100" cy="323423"/>
-          </a:xfrm>
-          <a:prstGeom prst="rightArrow">
-            <a:avLst/>
-          </a:prstGeom>
-        </p:spPr>
-        <p:style>
-          <a:lnRef idx="2">
-            <a:schemeClr val="accent1">
-              <a:shade val="50000"/>
-            </a:schemeClr>
-          </a:lnRef>
-          <a:fillRef idx="1">
-            <a:schemeClr val="accent1"/>
-          </a:fillRef>
-          <a:effectRef idx="0">
-            <a:schemeClr val="accent1"/>
-          </a:effectRef>
-          <a:fontRef idx="minor">
-            <a:schemeClr val="lt1"/>
-          </a:fontRef>
-        </p:style>
-        <p:txBody>
-          <a:bodyPr rtlCol="0" anchor="ctr"/>
-          <a:lstStyle/>
-          <a:p>
-            <a:pPr algn="ctr"/>
-            <a:endParaRPr lang="ru-RU"/>
-          </a:p>
-        </p:txBody>
-      </p:sp>
-      <p:sp>
-        <p:nvSpPr>
-          <p:cNvPr id="41" name="Rectangle: Rounded Corners 40">
-            <a:extLst>
-              <a:ext uri="{FF2B5EF4-FFF2-40B4-BE49-F238E27FC236}">
-                <a16:creationId xmlns:a16="http://schemas.microsoft.com/office/drawing/2014/main" id="{15C4F97F-1251-4B60-B429-FDB7D4453A17}"/>
-              </a:ext>
-            </a:extLst>
-          </p:cNvPr>
-          <p:cNvSpPr/>
-          <p:nvPr/>
-        </p:nvSpPr>
-        <p:spPr>
-          <a:xfrm>
-            <a:off x="3270692" y="1837090"/>
-            <a:ext cx="1799671" cy="1015551"/>
-          </a:xfrm>
-          <a:prstGeom prst="roundRect">
-            <a:avLst/>
-          </a:prstGeom>
-        </p:spPr>
-        <p:style>
-          <a:lnRef idx="0">
-            <a:schemeClr val="accent1"/>
-          </a:lnRef>
-          <a:fillRef idx="3">
-            <a:schemeClr val="accent1"/>
-          </a:fillRef>
-          <a:effectRef idx="3">
-            <a:schemeClr val="accent1"/>
-          </a:effectRef>
-          <a:fontRef idx="minor">
-            <a:schemeClr val="lt1"/>
-          </a:fontRef>
-        </p:style>
-        <p:txBody>
-          <a:bodyPr rtlCol="0" anchor="ctr"/>
-          <a:lstStyle/>
-          <a:p>
-            <a:pPr algn="ctr"/>
-            <a:r>
-              <a:rPr lang="en-US" dirty="0"/>
-              <a:t>ODS</a:t>
-            </a:r>
-            <a:endParaRPr lang="ru-RU" dirty="0"/>
-          </a:p>
-        </p:txBody>
-      </p:sp>
-      <p:sp>
-        <p:nvSpPr>
-          <p:cNvPr id="42" name="Arrow: Right 41">
-            <a:extLst>
-              <a:ext uri="{FF2B5EF4-FFF2-40B4-BE49-F238E27FC236}">
-                <a16:creationId xmlns:a16="http://schemas.microsoft.com/office/drawing/2014/main" id="{B5096469-61F5-4D36-94FA-B6EFF2E1FE30}"/>
-              </a:ext>
-            </a:extLst>
-          </p:cNvPr>
-          <p:cNvSpPr/>
-          <p:nvPr/>
-        </p:nvSpPr>
-        <p:spPr>
-          <a:xfrm rot="20552600">
-            <a:off x="2515364" y="1258750"/>
-            <a:ext cx="526100" cy="323423"/>
-          </a:xfrm>
-          <a:prstGeom prst="rightArrow">
-            <a:avLst/>
-          </a:prstGeom>
-        </p:spPr>
-        <p:style>
-          <a:lnRef idx="2">
-            <a:schemeClr val="accent1">
-              <a:shade val="50000"/>
-            </a:schemeClr>
-          </a:lnRef>
-          <a:fillRef idx="1">
-            <a:schemeClr val="accent1"/>
-          </a:fillRef>
-          <a:effectRef idx="0">
-            <a:schemeClr val="accent1"/>
-          </a:effectRef>
-          <a:fontRef idx="minor">
-            <a:schemeClr val="lt1"/>
-          </a:fontRef>
-        </p:style>
-        <p:txBody>
-          <a:bodyPr rtlCol="0" anchor="ctr"/>
-          <a:lstStyle/>
-          <a:p>
-            <a:pPr algn="ctr"/>
-            <a:endParaRPr lang="ru-RU"/>
-          </a:p>
-        </p:txBody>
-      </p:sp>
-    </p:spTree>
-    <p:extLst>
-      <p:ext uri="{BB962C8B-B14F-4D97-AF65-F5344CB8AC3E}">
-        <p14:creationId xmlns:p14="http://schemas.microsoft.com/office/powerpoint/2010/main" val="2737463202"/>
-      </p:ext>
-    </p:extLst>
-  </p:cSld>
-  <p:clrMapOvr>
-    <a:masterClrMapping/>
-  </p:clrMapOvr>
-</p:sld>
-</file>
-
-<file path=ppt/slides/slide8.xml><?xml version="1.0" encoding="utf-8"?>
+<file path=ppt/slides/slide9.xml><?xml version="1.0" encoding="utf-8"?>
 <p:sld xmlns:a="http://schemas.openxmlformats.org/drawingml/2006/main" xmlns:r="http://schemas.openxmlformats.org/officeDocument/2006/relationships" xmlns:p="http://schemas.openxmlformats.org/presentationml/2006/main">
   <p:cSld>
     <p:spTree>
@@ -15942,8 +17724,8 @@
         </p:nvSpPr>
         <p:spPr>
           <a:xfrm>
-            <a:off x="2933590" y="3429000"/>
-            <a:ext cx="5984303" cy="2241714"/>
+            <a:off x="2933590" y="3448050"/>
+            <a:ext cx="5984303" cy="3302000"/>
           </a:xfrm>
           <a:prstGeom prst="roundRect">
             <a:avLst/>
@@ -15969,7 +17751,7 @@
           <a:p>
             <a:r>
               <a:rPr lang="ru-RU" b="1" dirty="0"/>
-              <a:t>Консолидация</a:t>
+              <a:t>Основная цель: Консолидация</a:t>
             </a:r>
           </a:p>
           <a:p>
@@ -16011,6 +17793,37 @@
             <a:r>
               <a:rPr lang="ru-RU" dirty="0"/>
               <a:t>Применяется, если требуются преобразование данных источника для удобства построения витрин данных (CDM, REP)</a:t>
+            </a:r>
+          </a:p>
+          <a:p>
+            <a:pPr marL="342900" indent="-342900">
+              <a:buFont typeface="+mj-lt"/>
+              <a:buAutoNum type="arabicPeriod"/>
+            </a:pPr>
+            <a:endParaRPr lang="ru-RU" dirty="0"/>
+          </a:p>
+          <a:p>
+            <a:r>
+              <a:rPr lang="ru-RU" b="1" dirty="0"/>
+              <a:t>Модель данных:</a:t>
+            </a:r>
+          </a:p>
+          <a:p>
+            <a:pPr marL="285750" indent="-285750">
+              <a:buFont typeface="Arial" panose="020B0604020202020204" pitchFamily="34" charset="0"/>
+              <a:buChar char="•"/>
+            </a:pPr>
+            <a:r>
+              <a:rPr lang="ru-RU" dirty="0"/>
+              <a:t>Звезда, снежинка, </a:t>
+            </a:r>
+            <a:r>
+              <a:rPr lang="en-US" dirty="0"/>
+              <a:t>DV 2.0, Anchor</a:t>
+            </a:r>
+            <a:r>
+              <a:rPr lang="ru-RU" dirty="0"/>
+              <a:t> и т.д.</a:t>
             </a:r>
           </a:p>
         </p:txBody>
@@ -16063,700 +17876,57 @@
           </a:p>
         </p:txBody>
       </p:sp>
+      <p:sp>
+        <p:nvSpPr>
+          <p:cNvPr id="19" name="Title 1">
+            <a:extLst>
+              <a:ext uri="{FF2B5EF4-FFF2-40B4-BE49-F238E27FC236}">
+                <a16:creationId xmlns:a16="http://schemas.microsoft.com/office/drawing/2014/main" id="{EDE7A006-9231-4DBF-B8DF-0889FAEBE462}"/>
+              </a:ext>
+            </a:extLst>
+          </p:cNvPr>
+          <p:cNvSpPr>
+            <a:spLocks noGrp="1"/>
+          </p:cNvSpPr>
+          <p:nvPr>
+            <p:ph type="title"/>
+          </p:nvPr>
+        </p:nvSpPr>
+        <p:spPr>
+          <a:xfrm>
+            <a:off x="90091" y="79230"/>
+            <a:ext cx="3165602" cy="1030175"/>
+          </a:xfrm>
+        </p:spPr>
+        <p:txBody>
+          <a:bodyPr>
+            <a:normAutofit/>
+          </a:bodyPr>
+          <a:lstStyle/>
+          <a:p>
+            <a:pPr algn="ctr"/>
+            <a:r>
+              <a:rPr lang="ru-RU" sz="3600" dirty="0">
+                <a:ea typeface="DejaVu Sans" pitchFamily="2"/>
+                <a:cs typeface="DejaVu Sans" pitchFamily="2"/>
+              </a:rPr>
+              <a:t>Слой </a:t>
+            </a:r>
+            <a:r>
+              <a:rPr lang="en-US" sz="3600" dirty="0">
+                <a:ea typeface="DejaVu Sans" pitchFamily="2"/>
+                <a:cs typeface="DejaVu Sans" pitchFamily="2"/>
+              </a:rPr>
+              <a:t>DDS</a:t>
+            </a:r>
+            <a:endParaRPr lang="ru-RU" sz="3600" dirty="0"/>
+          </a:p>
+        </p:txBody>
+      </p:sp>
     </p:spTree>
     <p:extLst>
       <p:ext uri="{BB962C8B-B14F-4D97-AF65-F5344CB8AC3E}">
         <p14:creationId xmlns:p14="http://schemas.microsoft.com/office/powerpoint/2010/main" val="3595907697"/>
-      </p:ext>
-    </p:extLst>
-  </p:cSld>
-  <p:clrMapOvr>
-    <a:masterClrMapping/>
-  </p:clrMapOvr>
-</p:sld>
-</file>
-
-<file path=ppt/slides/slide9.xml><?xml version="1.0" encoding="utf-8"?>
-<p:sld xmlns:a="http://schemas.openxmlformats.org/drawingml/2006/main" xmlns:r="http://schemas.openxmlformats.org/officeDocument/2006/relationships" xmlns:p="http://schemas.openxmlformats.org/presentationml/2006/main">
-  <p:cSld>
-    <p:spTree>
-      <p:nvGrpSpPr>
-        <p:cNvPr id="1" name=""/>
-        <p:cNvGrpSpPr/>
-        <p:nvPr/>
-      </p:nvGrpSpPr>
-      <p:grpSpPr>
-        <a:xfrm>
-          <a:off x="0" y="0"/>
-          <a:ext cx="0" cy="0"/>
-          <a:chOff x="0" y="0"/>
-          <a:chExt cx="0" cy="0"/>
-        </a:xfrm>
-      </p:grpSpPr>
-      <p:grpSp>
-        <p:nvGrpSpPr>
-          <p:cNvPr id="2" name="Group 1">
-            <a:extLst>
-              <a:ext uri="{FF2B5EF4-FFF2-40B4-BE49-F238E27FC236}">
-                <a16:creationId xmlns:a16="http://schemas.microsoft.com/office/drawing/2014/main" id="{98A82363-2CE4-4F81-9BF2-9284B244F640}"/>
-              </a:ext>
-            </a:extLst>
-          </p:cNvPr>
-          <p:cNvGrpSpPr/>
-          <p:nvPr/>
-        </p:nvGrpSpPr>
-        <p:grpSpPr>
-          <a:xfrm>
-            <a:off x="6873755" y="2604205"/>
-            <a:ext cx="112222" cy="524126"/>
-            <a:chOff x="1366060" y="2781513"/>
-            <a:chExt cx="112222" cy="524126"/>
-          </a:xfrm>
-        </p:grpSpPr>
-        <p:sp>
-          <p:nvSpPr>
-            <p:cNvPr id="5" name="Oval 4">
-              <a:extLst>
-                <a:ext uri="{FF2B5EF4-FFF2-40B4-BE49-F238E27FC236}">
-                  <a16:creationId xmlns:a16="http://schemas.microsoft.com/office/drawing/2014/main" id="{AEECE48C-F926-441E-BDFF-EF88E151468D}"/>
-                </a:ext>
-              </a:extLst>
-            </p:cNvPr>
-            <p:cNvSpPr/>
-            <p:nvPr/>
-          </p:nvSpPr>
-          <p:spPr>
-            <a:xfrm>
-              <a:off x="1366060" y="2781513"/>
-              <a:ext cx="112222" cy="112222"/>
-            </a:xfrm>
-            <a:prstGeom prst="ellipse">
-              <a:avLst/>
-            </a:prstGeom>
-          </p:spPr>
-          <p:style>
-            <a:lnRef idx="2">
-              <a:schemeClr val="accent1">
-                <a:shade val="50000"/>
-              </a:schemeClr>
-            </a:lnRef>
-            <a:fillRef idx="1">
-              <a:schemeClr val="accent1"/>
-            </a:fillRef>
-            <a:effectRef idx="0">
-              <a:schemeClr val="accent1"/>
-            </a:effectRef>
-            <a:fontRef idx="minor">
-              <a:schemeClr val="lt1"/>
-            </a:fontRef>
-          </p:style>
-          <p:txBody>
-            <a:bodyPr rtlCol="0" anchor="ctr"/>
-            <a:lstStyle/>
-            <a:p>
-              <a:pPr algn="ctr"/>
-              <a:endParaRPr lang="ru-RU"/>
-            </a:p>
-          </p:txBody>
-        </p:sp>
-        <p:sp>
-          <p:nvSpPr>
-            <p:cNvPr id="28" name="Oval 27">
-              <a:extLst>
-                <a:ext uri="{FF2B5EF4-FFF2-40B4-BE49-F238E27FC236}">
-                  <a16:creationId xmlns:a16="http://schemas.microsoft.com/office/drawing/2014/main" id="{77A83600-803E-4616-8245-E09283E96CD7}"/>
-                </a:ext>
-              </a:extLst>
-            </p:cNvPr>
-            <p:cNvSpPr/>
-            <p:nvPr/>
-          </p:nvSpPr>
-          <p:spPr>
-            <a:xfrm>
-              <a:off x="1366060" y="2987465"/>
-              <a:ext cx="112222" cy="112222"/>
-            </a:xfrm>
-            <a:prstGeom prst="ellipse">
-              <a:avLst/>
-            </a:prstGeom>
-          </p:spPr>
-          <p:style>
-            <a:lnRef idx="2">
-              <a:schemeClr val="accent1">
-                <a:shade val="50000"/>
-              </a:schemeClr>
-            </a:lnRef>
-            <a:fillRef idx="1">
-              <a:schemeClr val="accent1"/>
-            </a:fillRef>
-            <a:effectRef idx="0">
-              <a:schemeClr val="accent1"/>
-            </a:effectRef>
-            <a:fontRef idx="minor">
-              <a:schemeClr val="lt1"/>
-            </a:fontRef>
-          </p:style>
-          <p:txBody>
-            <a:bodyPr rtlCol="0" anchor="ctr"/>
-            <a:lstStyle/>
-            <a:p>
-              <a:pPr algn="ctr"/>
-              <a:endParaRPr lang="ru-RU"/>
-            </a:p>
-          </p:txBody>
-        </p:sp>
-        <p:sp>
-          <p:nvSpPr>
-            <p:cNvPr id="29" name="Oval 28">
-              <a:extLst>
-                <a:ext uri="{FF2B5EF4-FFF2-40B4-BE49-F238E27FC236}">
-                  <a16:creationId xmlns:a16="http://schemas.microsoft.com/office/drawing/2014/main" id="{57361C72-AAC2-4470-ABC0-F42408C3A631}"/>
-                </a:ext>
-              </a:extLst>
-            </p:cNvPr>
-            <p:cNvSpPr/>
-            <p:nvPr/>
-          </p:nvSpPr>
-          <p:spPr>
-            <a:xfrm>
-              <a:off x="1366060" y="3193417"/>
-              <a:ext cx="112222" cy="112222"/>
-            </a:xfrm>
-            <a:prstGeom prst="ellipse">
-              <a:avLst/>
-            </a:prstGeom>
-          </p:spPr>
-          <p:style>
-            <a:lnRef idx="2">
-              <a:schemeClr val="accent1">
-                <a:shade val="50000"/>
-              </a:schemeClr>
-            </a:lnRef>
-            <a:fillRef idx="1">
-              <a:schemeClr val="accent1"/>
-            </a:fillRef>
-            <a:effectRef idx="0">
-              <a:schemeClr val="accent1"/>
-            </a:effectRef>
-            <a:fontRef idx="minor">
-              <a:schemeClr val="lt1"/>
-            </a:fontRef>
-          </p:style>
-          <p:txBody>
-            <a:bodyPr rtlCol="0" anchor="ctr"/>
-            <a:lstStyle/>
-            <a:p>
-              <a:pPr algn="ctr"/>
-              <a:endParaRPr lang="ru-RU"/>
-            </a:p>
-          </p:txBody>
-        </p:sp>
-      </p:grpSp>
-      <p:sp>
-        <p:nvSpPr>
-          <p:cNvPr id="16" name="Rectangle: Rounded Corners 15">
-            <a:extLst>
-              <a:ext uri="{FF2B5EF4-FFF2-40B4-BE49-F238E27FC236}">
-                <a16:creationId xmlns:a16="http://schemas.microsoft.com/office/drawing/2014/main" id="{28D1D9E9-59EF-440F-A331-B80EA6F808C0}"/>
-              </a:ext>
-            </a:extLst>
-          </p:cNvPr>
-          <p:cNvSpPr/>
-          <p:nvPr/>
-        </p:nvSpPr>
-        <p:spPr>
-          <a:xfrm>
-            <a:off x="535385" y="1233407"/>
-            <a:ext cx="1799671" cy="1015551"/>
-          </a:xfrm>
-          <a:prstGeom prst="roundRect">
-            <a:avLst/>
-          </a:prstGeom>
-        </p:spPr>
-        <p:style>
-          <a:lnRef idx="2">
-            <a:schemeClr val="accent1">
-              <a:shade val="50000"/>
-            </a:schemeClr>
-          </a:lnRef>
-          <a:fillRef idx="1">
-            <a:schemeClr val="accent1"/>
-          </a:fillRef>
-          <a:effectRef idx="0">
-            <a:schemeClr val="accent1"/>
-          </a:effectRef>
-          <a:fontRef idx="minor">
-            <a:schemeClr val="lt1"/>
-          </a:fontRef>
-        </p:style>
-        <p:txBody>
-          <a:bodyPr rtlCol="0" anchor="ctr"/>
-          <a:lstStyle/>
-          <a:p>
-            <a:pPr algn="ctr"/>
-            <a:r>
-              <a:rPr lang="en-US" dirty="0"/>
-              <a:t>STG</a:t>
-            </a:r>
-            <a:endParaRPr lang="ru-RU" dirty="0"/>
-          </a:p>
-        </p:txBody>
-      </p:sp>
-      <p:sp>
-        <p:nvSpPr>
-          <p:cNvPr id="18" name="Rectangle: Rounded Corners 17">
-            <a:extLst>
-              <a:ext uri="{FF2B5EF4-FFF2-40B4-BE49-F238E27FC236}">
-                <a16:creationId xmlns:a16="http://schemas.microsoft.com/office/drawing/2014/main" id="{48ED71BA-88CE-4A8B-A1BA-1EED4D1AB721}"/>
-              </a:ext>
-            </a:extLst>
-          </p:cNvPr>
-          <p:cNvSpPr/>
-          <p:nvPr/>
-        </p:nvSpPr>
-        <p:spPr>
-          <a:xfrm>
-            <a:off x="3255693" y="525557"/>
-            <a:ext cx="1799671" cy="1015551"/>
-          </a:xfrm>
-          <a:prstGeom prst="roundRect">
-            <a:avLst/>
-          </a:prstGeom>
-        </p:spPr>
-        <p:style>
-          <a:lnRef idx="2">
-            <a:schemeClr val="accent1">
-              <a:shade val="50000"/>
-            </a:schemeClr>
-          </a:lnRef>
-          <a:fillRef idx="1">
-            <a:schemeClr val="accent1"/>
-          </a:fillRef>
-          <a:effectRef idx="0">
-            <a:schemeClr val="accent1"/>
-          </a:effectRef>
-          <a:fontRef idx="minor">
-            <a:schemeClr val="lt1"/>
-          </a:fontRef>
-        </p:style>
-        <p:txBody>
-          <a:bodyPr rtlCol="0" anchor="ctr"/>
-          <a:lstStyle/>
-          <a:p>
-            <a:pPr algn="ctr"/>
-            <a:r>
-              <a:rPr lang="en-US" dirty="0"/>
-              <a:t>ODS</a:t>
-            </a:r>
-            <a:endParaRPr lang="ru-RU" dirty="0"/>
-          </a:p>
-        </p:txBody>
-      </p:sp>
-      <p:sp>
-        <p:nvSpPr>
-          <p:cNvPr id="24" name="Rectangle: Rounded Corners 23">
-            <a:extLst>
-              <a:ext uri="{FF2B5EF4-FFF2-40B4-BE49-F238E27FC236}">
-                <a16:creationId xmlns:a16="http://schemas.microsoft.com/office/drawing/2014/main" id="{ABDF9515-0F58-48DC-831E-208185C03AF9}"/>
-              </a:ext>
-            </a:extLst>
-          </p:cNvPr>
-          <p:cNvSpPr/>
-          <p:nvPr/>
-        </p:nvSpPr>
-        <p:spPr>
-          <a:xfrm>
-            <a:off x="5973920" y="1227511"/>
-            <a:ext cx="1799671" cy="1015551"/>
-          </a:xfrm>
-          <a:prstGeom prst="roundRect">
-            <a:avLst/>
-          </a:prstGeom>
-        </p:spPr>
-        <p:style>
-          <a:lnRef idx="2">
-            <a:schemeClr val="accent1">
-              <a:shade val="50000"/>
-            </a:schemeClr>
-          </a:lnRef>
-          <a:fillRef idx="1">
-            <a:schemeClr val="accent1"/>
-          </a:fillRef>
-          <a:effectRef idx="0">
-            <a:schemeClr val="accent1"/>
-          </a:effectRef>
-          <a:fontRef idx="minor">
-            <a:schemeClr val="lt1"/>
-          </a:fontRef>
-        </p:style>
-        <p:txBody>
-          <a:bodyPr rtlCol="0" anchor="ctr"/>
-          <a:lstStyle/>
-          <a:p>
-            <a:pPr algn="ctr"/>
-            <a:r>
-              <a:rPr lang="en-US" dirty="0"/>
-              <a:t>CDM</a:t>
-            </a:r>
-            <a:endParaRPr lang="ru-RU" dirty="0"/>
-          </a:p>
-        </p:txBody>
-      </p:sp>
-      <p:sp>
-        <p:nvSpPr>
-          <p:cNvPr id="25" name="Rectangle: Rounded Corners 24">
-            <a:extLst>
-              <a:ext uri="{FF2B5EF4-FFF2-40B4-BE49-F238E27FC236}">
-                <a16:creationId xmlns:a16="http://schemas.microsoft.com/office/drawing/2014/main" id="{C8B7F316-3F9A-457C-9886-613E4B0C9C36}"/>
-              </a:ext>
-            </a:extLst>
-          </p:cNvPr>
-          <p:cNvSpPr/>
-          <p:nvPr/>
-        </p:nvSpPr>
-        <p:spPr>
-          <a:xfrm>
-            <a:off x="8732723" y="1262036"/>
-            <a:ext cx="1799671" cy="1015551"/>
-          </a:xfrm>
-          <a:prstGeom prst="roundRect">
-            <a:avLst/>
-          </a:prstGeom>
-        </p:spPr>
-        <p:style>
-          <a:lnRef idx="2">
-            <a:schemeClr val="accent1">
-              <a:shade val="50000"/>
-            </a:schemeClr>
-          </a:lnRef>
-          <a:fillRef idx="1">
-            <a:schemeClr val="accent1"/>
-          </a:fillRef>
-          <a:effectRef idx="0">
-            <a:schemeClr val="accent1"/>
-          </a:effectRef>
-          <a:fontRef idx="minor">
-            <a:schemeClr val="lt1"/>
-          </a:fontRef>
-        </p:style>
-        <p:txBody>
-          <a:bodyPr rtlCol="0" anchor="ctr"/>
-          <a:lstStyle/>
-          <a:p>
-            <a:pPr algn="ctr"/>
-            <a:r>
-              <a:rPr lang="en-US" dirty="0"/>
-              <a:t>REP</a:t>
-            </a:r>
-            <a:endParaRPr lang="ru-RU" dirty="0"/>
-          </a:p>
-        </p:txBody>
-      </p:sp>
-      <p:sp>
-        <p:nvSpPr>
-          <p:cNvPr id="26" name="Arrow: Right 25">
-            <a:extLst>
-              <a:ext uri="{FF2B5EF4-FFF2-40B4-BE49-F238E27FC236}">
-                <a16:creationId xmlns:a16="http://schemas.microsoft.com/office/drawing/2014/main" id="{D63FBD3B-6CEC-430A-B33E-F44AC2ACB548}"/>
-              </a:ext>
-            </a:extLst>
-          </p:cNvPr>
-          <p:cNvSpPr/>
-          <p:nvPr/>
-        </p:nvSpPr>
-        <p:spPr>
-          <a:xfrm rot="1708708">
-            <a:off x="2558927" y="1875676"/>
-            <a:ext cx="526100" cy="323423"/>
-          </a:xfrm>
-          <a:prstGeom prst="rightArrow">
-            <a:avLst/>
-          </a:prstGeom>
-        </p:spPr>
-        <p:style>
-          <a:lnRef idx="2">
-            <a:schemeClr val="accent1">
-              <a:shade val="50000"/>
-            </a:schemeClr>
-          </a:lnRef>
-          <a:fillRef idx="1">
-            <a:schemeClr val="accent1"/>
-          </a:fillRef>
-          <a:effectRef idx="0">
-            <a:schemeClr val="accent1"/>
-          </a:effectRef>
-          <a:fontRef idx="minor">
-            <a:schemeClr val="lt1"/>
-          </a:fontRef>
-        </p:style>
-        <p:txBody>
-          <a:bodyPr rtlCol="0" anchor="ctr"/>
-          <a:lstStyle/>
-          <a:p>
-            <a:pPr algn="ctr"/>
-            <a:endParaRPr lang="ru-RU"/>
-          </a:p>
-        </p:txBody>
-      </p:sp>
-      <p:sp>
-        <p:nvSpPr>
-          <p:cNvPr id="27" name="Arrow: Right 26">
-            <a:extLst>
-              <a:ext uri="{FF2B5EF4-FFF2-40B4-BE49-F238E27FC236}">
-                <a16:creationId xmlns:a16="http://schemas.microsoft.com/office/drawing/2014/main" id="{498C6333-64F6-42C3-8697-2800CC05E49B}"/>
-              </a:ext>
-            </a:extLst>
-          </p:cNvPr>
-          <p:cNvSpPr/>
-          <p:nvPr/>
-        </p:nvSpPr>
-        <p:spPr>
-          <a:xfrm>
-            <a:off x="5185489" y="1552252"/>
-            <a:ext cx="526100" cy="323423"/>
-          </a:xfrm>
-          <a:prstGeom prst="rightArrow">
-            <a:avLst/>
-          </a:prstGeom>
-        </p:spPr>
-        <p:style>
-          <a:lnRef idx="2">
-            <a:schemeClr val="accent1">
-              <a:shade val="50000"/>
-            </a:schemeClr>
-          </a:lnRef>
-          <a:fillRef idx="1">
-            <a:schemeClr val="accent1"/>
-          </a:fillRef>
-          <a:effectRef idx="0">
-            <a:schemeClr val="accent1"/>
-          </a:effectRef>
-          <a:fontRef idx="minor">
-            <a:schemeClr val="lt1"/>
-          </a:fontRef>
-        </p:style>
-        <p:txBody>
-          <a:bodyPr rtlCol="0" anchor="ctr"/>
-          <a:lstStyle/>
-          <a:p>
-            <a:pPr algn="ctr"/>
-            <a:endParaRPr lang="ru-RU"/>
-          </a:p>
-        </p:txBody>
-      </p:sp>
-      <p:sp>
-        <p:nvSpPr>
-          <p:cNvPr id="31" name="Arrow: Right 30">
-            <a:extLst>
-              <a:ext uri="{FF2B5EF4-FFF2-40B4-BE49-F238E27FC236}">
-                <a16:creationId xmlns:a16="http://schemas.microsoft.com/office/drawing/2014/main" id="{9865261E-8292-4240-B1C2-1AE08C0983B7}"/>
-              </a:ext>
-            </a:extLst>
-          </p:cNvPr>
-          <p:cNvSpPr/>
-          <p:nvPr/>
-        </p:nvSpPr>
-        <p:spPr>
-          <a:xfrm>
-            <a:off x="8035922" y="1608101"/>
-            <a:ext cx="526100" cy="323423"/>
-          </a:xfrm>
-          <a:prstGeom prst="rightArrow">
-            <a:avLst/>
-          </a:prstGeom>
-        </p:spPr>
-        <p:style>
-          <a:lnRef idx="2">
-            <a:schemeClr val="accent1">
-              <a:shade val="50000"/>
-            </a:schemeClr>
-          </a:lnRef>
-          <a:fillRef idx="1">
-            <a:schemeClr val="accent1"/>
-          </a:fillRef>
-          <a:effectRef idx="0">
-            <a:schemeClr val="accent1"/>
-          </a:effectRef>
-          <a:fontRef idx="minor">
-            <a:schemeClr val="lt1"/>
-          </a:fontRef>
-        </p:style>
-        <p:txBody>
-          <a:bodyPr rtlCol="0" anchor="ctr"/>
-          <a:lstStyle/>
-          <a:p>
-            <a:pPr algn="ctr"/>
-            <a:endParaRPr lang="ru-RU"/>
-          </a:p>
-        </p:txBody>
-      </p:sp>
-      <p:sp>
-        <p:nvSpPr>
-          <p:cNvPr id="32" name="Rectangle: Rounded Corners 31">
-            <a:extLst>
-              <a:ext uri="{FF2B5EF4-FFF2-40B4-BE49-F238E27FC236}">
-                <a16:creationId xmlns:a16="http://schemas.microsoft.com/office/drawing/2014/main" id="{A4F098B0-833E-43E4-A5ED-096D110F7DDE}"/>
-              </a:ext>
-            </a:extLst>
-          </p:cNvPr>
-          <p:cNvSpPr/>
-          <p:nvPr/>
-        </p:nvSpPr>
-        <p:spPr>
-          <a:xfrm>
-            <a:off x="3270692" y="1837090"/>
-            <a:ext cx="1799671" cy="1015551"/>
-          </a:xfrm>
-          <a:prstGeom prst="roundRect">
-            <a:avLst/>
-          </a:prstGeom>
-        </p:spPr>
-        <p:style>
-          <a:lnRef idx="2">
-            <a:schemeClr val="accent1">
-              <a:shade val="50000"/>
-            </a:schemeClr>
-          </a:lnRef>
-          <a:fillRef idx="1">
-            <a:schemeClr val="accent1"/>
-          </a:fillRef>
-          <a:effectRef idx="0">
-            <a:schemeClr val="accent1"/>
-          </a:effectRef>
-          <a:fontRef idx="minor">
-            <a:schemeClr val="lt1"/>
-          </a:fontRef>
-        </p:style>
-        <p:txBody>
-          <a:bodyPr rtlCol="0" anchor="ctr"/>
-          <a:lstStyle/>
-          <a:p>
-            <a:pPr algn="ctr"/>
-            <a:r>
-              <a:rPr lang="en-US" dirty="0"/>
-              <a:t>DDS</a:t>
-            </a:r>
-            <a:endParaRPr lang="ru-RU" dirty="0"/>
-          </a:p>
-        </p:txBody>
-      </p:sp>
-      <p:sp>
-        <p:nvSpPr>
-          <p:cNvPr id="33" name="Arrow: Right 32">
-            <a:extLst>
-              <a:ext uri="{FF2B5EF4-FFF2-40B4-BE49-F238E27FC236}">
-                <a16:creationId xmlns:a16="http://schemas.microsoft.com/office/drawing/2014/main" id="{4F7AA6EB-F5C6-4CC3-9EDA-7DD273090AB6}"/>
-              </a:ext>
-            </a:extLst>
-          </p:cNvPr>
-          <p:cNvSpPr/>
-          <p:nvPr/>
-        </p:nvSpPr>
-        <p:spPr>
-          <a:xfrm rot="20552600">
-            <a:off x="2515364" y="1258750"/>
-            <a:ext cx="526100" cy="323423"/>
-          </a:xfrm>
-          <a:prstGeom prst="rightArrow">
-            <a:avLst/>
-          </a:prstGeom>
-        </p:spPr>
-        <p:style>
-          <a:lnRef idx="2">
-            <a:schemeClr val="accent1">
-              <a:shade val="50000"/>
-            </a:schemeClr>
-          </a:lnRef>
-          <a:fillRef idx="1">
-            <a:schemeClr val="accent1"/>
-          </a:fillRef>
-          <a:effectRef idx="0">
-            <a:schemeClr val="accent1"/>
-          </a:effectRef>
-          <a:fontRef idx="minor">
-            <a:schemeClr val="lt1"/>
-          </a:fontRef>
-        </p:style>
-        <p:txBody>
-          <a:bodyPr rtlCol="0" anchor="ctr"/>
-          <a:lstStyle/>
-          <a:p>
-            <a:pPr algn="ctr"/>
-            <a:endParaRPr lang="ru-RU"/>
-          </a:p>
-        </p:txBody>
-      </p:sp>
-      <p:sp>
-        <p:nvSpPr>
-          <p:cNvPr id="17" name="Rectangle: Rounded Corners 16">
-            <a:extLst>
-              <a:ext uri="{FF2B5EF4-FFF2-40B4-BE49-F238E27FC236}">
-                <a16:creationId xmlns:a16="http://schemas.microsoft.com/office/drawing/2014/main" id="{DE354CD3-78C6-4082-996F-7B898DA19AB5}"/>
-              </a:ext>
-            </a:extLst>
-          </p:cNvPr>
-          <p:cNvSpPr/>
-          <p:nvPr/>
-        </p:nvSpPr>
-        <p:spPr>
-          <a:xfrm>
-            <a:off x="5989668" y="3429000"/>
-            <a:ext cx="5984303" cy="2070985"/>
-          </a:xfrm>
-          <a:prstGeom prst="roundRect">
-            <a:avLst/>
-          </a:prstGeom>
-        </p:spPr>
-        <p:style>
-          <a:lnRef idx="2">
-            <a:schemeClr val="accent1"/>
-          </a:lnRef>
-          <a:fillRef idx="1">
-            <a:schemeClr val="lt1"/>
-          </a:fillRef>
-          <a:effectRef idx="0">
-            <a:schemeClr val="accent1"/>
-          </a:effectRef>
-          <a:fontRef idx="minor">
-            <a:schemeClr val="dk1"/>
-          </a:fontRef>
-        </p:style>
-        <p:txBody>
-          <a:bodyPr rtlCol="0" anchor="ctr"/>
-          <a:lstStyle/>
-          <a:p>
-            <a:r>
-              <a:rPr lang="ru-RU" b="1" dirty="0"/>
-              <a:t>Сбор всех данных для анализа</a:t>
-            </a:r>
-            <a:endParaRPr lang="en-US" b="1" dirty="0"/>
-          </a:p>
-          <a:p>
-            <a:pPr marL="342900" indent="-342900">
-              <a:buFont typeface="+mj-lt"/>
-              <a:buAutoNum type="arabicPeriod"/>
-            </a:pPr>
-            <a:r>
-              <a:rPr lang="ru-RU" dirty="0"/>
-              <a:t>Объединение данных из всех источников в разрезе бизнес-сущности (например: клиент, кредиты, депозиты)</a:t>
-            </a:r>
-          </a:p>
-          <a:p>
-            <a:pPr marL="342900" indent="-342900">
-              <a:buFont typeface="+mj-lt"/>
-              <a:buAutoNum type="arabicPeriod"/>
-            </a:pPr>
-            <a:r>
-              <a:rPr lang="ru-RU" dirty="0"/>
-              <a:t>Оптимизация доступа на чтение</a:t>
-            </a:r>
-          </a:p>
-        </p:txBody>
-      </p:sp>
-    </p:spTree>
-    <p:extLst>
-      <p:ext uri="{BB962C8B-B14F-4D97-AF65-F5344CB8AC3E}">
-        <p14:creationId xmlns:p14="http://schemas.microsoft.com/office/powerpoint/2010/main" val="262426314"/>
       </p:ext>
     </p:extLst>
   </p:cSld>
